--- a/Monitoring_EC2_RDS/Monitoring_delete/설계/Monitoring_Deletion_Architecture.pptx
+++ b/Monitoring_EC2_RDS/Monitoring_delete/설계/Monitoring_Deletion_Architecture.pptx
@@ -10434,7 +10434,7 @@
         <p:spPr>
           <a:xfrm>
             <a:off x="969273" y="2571736"/>
-            <a:ext cx="1401420" cy="1744800"/>
+            <a:ext cx="1401420" cy="1832740"/>
           </a:xfrm>
           <a:prstGeom prst="rect">
             <a:avLst/>
@@ -10595,7 +10595,7 @@
         <p:spPr>
           <a:xfrm>
             <a:off x="2416413" y="2571736"/>
-            <a:ext cx="1400400" cy="1744800"/>
+            <a:ext cx="1400400" cy="1832740"/>
           </a:xfrm>
           <a:prstGeom prst="rect">
             <a:avLst/>
@@ -10762,7 +10762,7 @@
         <p:spPr>
           <a:xfrm>
             <a:off x="3873509" y="2571736"/>
-            <a:ext cx="1400400" cy="1744800"/>
+            <a:ext cx="1400400" cy="1832740"/>
           </a:xfrm>
           <a:prstGeom prst="rect">
             <a:avLst/>
@@ -10945,7 +10945,7 @@
         <p:spPr>
           <a:xfrm>
             <a:off x="5316211" y="2573568"/>
-            <a:ext cx="1400400" cy="1744800"/>
+            <a:ext cx="1400400" cy="1830908"/>
           </a:xfrm>
           <a:prstGeom prst="rect">
             <a:avLst/>
@@ -11142,7 +11142,7 @@
         <p:spPr>
           <a:xfrm>
             <a:off x="6754147" y="2572407"/>
-            <a:ext cx="1400400" cy="1744800"/>
+            <a:ext cx="1400400" cy="1830908"/>
           </a:xfrm>
           <a:prstGeom prst="rect">
             <a:avLst/>
@@ -11456,77 +11456,6 @@
       </p:sp>
       <p:sp>
         <p:nvSpPr>
-          <p:cNvPr id="107" name="Google Shape;107;p18"/>
-          <p:cNvSpPr/>
-          <p:nvPr/>
-        </p:nvSpPr>
-        <p:spPr>
-          <a:xfrm>
-            <a:off x="250824" y="1202075"/>
-            <a:ext cx="5605455" cy="233700"/>
-          </a:xfrm>
-          <a:prstGeom prst="rect">
-            <a:avLst/>
-          </a:prstGeom>
-          <a:solidFill>
-            <a:srgbClr val="000000"/>
-          </a:solidFill>
-          <a:ln w="12700" cap="flat" cmpd="sng">
-            <a:solidFill>
-              <a:schemeClr val="tx1"/>
-            </a:solidFill>
-            <a:prstDash val="solid"/>
-            <a:miter lim="800000"/>
-            <a:headEnd type="none" w="sm" len="sm"/>
-            <a:tailEnd type="none" w="sm" len="sm"/>
-          </a:ln>
-        </p:spPr>
-        <p:txBody>
-          <a:bodyPr spcFirstLastPara="1" wrap="square" lIns="68575" tIns="34275" rIns="68575" bIns="34275" anchor="ctr" anchorCtr="0">
-            <a:noAutofit/>
-          </a:bodyPr>
-          <a:lstStyle/>
-          <a:p>
-            <a:pPr marL="0" marR="0" lvl="0" indent="0" algn="ctr" rtl="0">
-              <a:spcBef>
-                <a:spcPts val="0"/>
-              </a:spcBef>
-              <a:spcAft>
-                <a:spcPts val="0"/>
-              </a:spcAft>
-              <a:buClr>
-                <a:srgbClr val="000000"/>
-              </a:buClr>
-              <a:buSzPts val="1100"/>
-              <a:buFont typeface="Arial"/>
-              <a:buNone/>
-            </a:pPr>
-            <a:r>
-              <a:rPr lang="ko" sz="1100" b="1">
-                <a:solidFill>
-                  <a:srgbClr val="FFFFFF"/>
-                </a:solidFill>
-                <a:latin typeface="Calibri"/>
-                <a:ea typeface="Calibri"/>
-                <a:cs typeface="Calibri"/>
-                <a:sym typeface="Calibri"/>
-              </a:rPr>
-              <a:t>Architecture</a:t>
-            </a:r>
-            <a:endParaRPr sz="1100">
-              <a:solidFill>
-                <a:srgbClr val="000000"/>
-              </a:solidFill>
-              <a:latin typeface="Arial"/>
-              <a:ea typeface="Arial"/>
-              <a:cs typeface="Arial"/>
-              <a:sym typeface="Arial"/>
-            </a:endParaRPr>
-          </a:p>
-        </p:txBody>
-      </p:sp>
-      <p:sp>
-        <p:nvSpPr>
           <p:cNvPr id="108" name="Google Shape;108;p18"/>
           <p:cNvSpPr/>
           <p:nvPr/>
@@ -11999,48 +11928,86 @@
           </a:p>
         </p:txBody>
       </p:sp>
-      <p:sp>
-        <p:nvSpPr>
-          <p:cNvPr id="110" name="Google Shape;110;p18"/>
-          <p:cNvSpPr/>
+      <p:grpSp>
+        <p:nvGrpSpPr>
+          <p:cNvPr id="2" name="그룹 1">
+            <a:extLst>
+              <a:ext uri="{FF2B5EF4-FFF2-40B4-BE49-F238E27FC236}">
+                <a16:creationId xmlns:a16="http://schemas.microsoft.com/office/drawing/2014/main" id="{DD29478F-D929-416A-9048-C2D9B9D9C5D6}"/>
+              </a:ext>
+            </a:extLst>
+          </p:cNvPr>
+          <p:cNvGrpSpPr/>
           <p:nvPr/>
-        </p:nvSpPr>
-        <p:spPr>
+        </p:nvGrpSpPr>
+        <p:grpSpPr>
           <a:xfrm>
-            <a:off x="251224" y="1425050"/>
-            <a:ext cx="5605123" cy="3118500"/>
+            <a:off x="250824" y="1202075"/>
+            <a:ext cx="5605523" cy="3341475"/>
+            <a:chOff x="250824" y="1202075"/>
+            <a:chExt cx="5605523" cy="3341475"/>
           </a:xfrm>
-          <a:prstGeom prst="rect">
-            <a:avLst/>
-          </a:prstGeom>
-          <a:noFill/>
-          <a:ln w="12700" cap="flat" cmpd="sng">
+        </p:grpSpPr>
+        <p:sp>
+          <p:nvSpPr>
+            <p:cNvPr id="107" name="Google Shape;107;p18"/>
+            <p:cNvSpPr/>
+            <p:nvPr/>
+          </p:nvSpPr>
+          <p:spPr>
+            <a:xfrm>
+              <a:off x="250824" y="1202075"/>
+              <a:ext cx="5605455" cy="233700"/>
+            </a:xfrm>
+            <a:prstGeom prst="rect">
+              <a:avLst/>
+            </a:prstGeom>
             <a:solidFill>
-              <a:schemeClr val="tx1"/>
+              <a:srgbClr val="000000"/>
             </a:solidFill>
-            <a:prstDash val="solid"/>
-            <a:miter lim="800000"/>
-            <a:headEnd type="none" w="sm" len="sm"/>
-            <a:tailEnd type="none" w="sm" len="sm"/>
-          </a:ln>
-        </p:spPr>
-        <p:txBody>
-          <a:bodyPr spcFirstLastPara="1" wrap="square" lIns="457200" tIns="91425" rIns="91425" bIns="45700" anchor="t" anchorCtr="0">
-            <a:noAutofit/>
-          </a:bodyPr>
-          <a:lstStyle/>
-          <a:p>
-            <a:pPr marL="0" marR="0" lvl="0" indent="0" algn="l" rtl="0">
-              <a:spcBef>
-                <a:spcPts val="0"/>
-              </a:spcBef>
-              <a:spcAft>
-                <a:spcPts val="0"/>
-              </a:spcAft>
-              <a:buNone/>
-            </a:pPr>
-            <a:r>
-              <a:rPr lang="ko" sz="1200" dirty="0">
+            <a:ln w="12700" cap="flat" cmpd="sng">
+              <a:solidFill>
+                <a:schemeClr val="tx1"/>
+              </a:solidFill>
+              <a:prstDash val="solid"/>
+              <a:miter lim="800000"/>
+              <a:headEnd type="none" w="sm" len="sm"/>
+              <a:tailEnd type="none" w="sm" len="sm"/>
+            </a:ln>
+          </p:spPr>
+          <p:txBody>
+            <a:bodyPr spcFirstLastPara="1" wrap="square" lIns="68575" tIns="34275" rIns="68575" bIns="34275" anchor="ctr" anchorCtr="0">
+              <a:noAutofit/>
+            </a:bodyPr>
+            <a:lstStyle/>
+            <a:p>
+              <a:pPr marL="0" marR="0" lvl="0" indent="0" algn="ctr" rtl="0">
+                <a:spcBef>
+                  <a:spcPts val="0"/>
+                </a:spcBef>
+                <a:spcAft>
+                  <a:spcPts val="0"/>
+                </a:spcAft>
+                <a:buClr>
+                  <a:srgbClr val="000000"/>
+                </a:buClr>
+                <a:buSzPts val="1100"/>
+                <a:buFont typeface="Arial"/>
+                <a:buNone/>
+              </a:pPr>
+              <a:r>
+                <a:rPr lang="ko" sz="1100" b="1">
+                  <a:solidFill>
+                    <a:srgbClr val="FFFFFF"/>
+                  </a:solidFill>
+                  <a:latin typeface="Calibri"/>
+                  <a:ea typeface="Calibri"/>
+                  <a:cs typeface="Calibri"/>
+                  <a:sym typeface="Calibri"/>
+                </a:rPr>
+                <a:t>Architecture</a:t>
+              </a:r>
+              <a:endParaRPr sz="1100">
                 <a:solidFill>
                   <a:srgbClr val="000000"/>
                 </a:solidFill>
@@ -12048,188 +12015,750 @@
                 <a:ea typeface="Arial"/>
                 <a:cs typeface="Arial"/>
                 <a:sym typeface="Arial"/>
-              </a:rPr>
-              <a:t>AWS Cloud</a:t>
-            </a:r>
-            <a:endParaRPr dirty="0"/>
-          </a:p>
-        </p:txBody>
-      </p:sp>
-      <p:pic>
-        <p:nvPicPr>
-          <p:cNvPr id="111" name="Google Shape;111;p18"/>
-          <p:cNvPicPr preferRelativeResize="0"/>
-          <p:nvPr/>
-        </p:nvPicPr>
-        <p:blipFill rotWithShape="1">
-          <a:blip r:embed="rId3">
-            <a:alphaModFix/>
-          </a:blip>
-          <a:srcRect/>
-          <a:stretch/>
-        </p:blipFill>
-        <p:spPr>
-          <a:xfrm>
-            <a:off x="251125" y="1425038"/>
-            <a:ext cx="201397" cy="220353"/>
-          </a:xfrm>
-          <a:prstGeom prst="rect">
-            <a:avLst/>
-          </a:prstGeom>
-          <a:noFill/>
-          <a:ln>
+              </a:endParaRPr>
+            </a:p>
+          </p:txBody>
+        </p:sp>
+        <p:sp>
+          <p:nvSpPr>
+            <p:cNvPr id="110" name="Google Shape;110;p18"/>
+            <p:cNvSpPr/>
+            <p:nvPr/>
+          </p:nvSpPr>
+          <p:spPr>
+            <a:xfrm>
+              <a:off x="251224" y="1425050"/>
+              <a:ext cx="5605123" cy="3118500"/>
+            </a:xfrm>
+            <a:prstGeom prst="rect">
+              <a:avLst/>
+            </a:prstGeom>
             <a:noFill/>
-          </a:ln>
-        </p:spPr>
-      </p:pic>
-      <p:sp>
-        <p:nvSpPr>
-          <p:cNvPr id="112" name="Google Shape;112;p18"/>
-          <p:cNvSpPr/>
-          <p:nvPr/>
-        </p:nvSpPr>
-        <p:spPr>
-          <a:xfrm>
-            <a:off x="452524" y="1718475"/>
-            <a:ext cx="5292142" cy="2735860"/>
-          </a:xfrm>
-          <a:prstGeom prst="rect">
-            <a:avLst/>
-          </a:prstGeom>
-          <a:noFill/>
-          <a:ln w="12700" cap="flat" cmpd="sng">
-            <a:solidFill>
-              <a:srgbClr val="007CBC"/>
-            </a:solidFill>
-            <a:prstDash val="dash"/>
-            <a:miter lim="800000"/>
-            <a:headEnd type="none" w="sm" len="sm"/>
-            <a:tailEnd type="none" w="sm" len="sm"/>
-          </a:ln>
-        </p:spPr>
-        <p:txBody>
-          <a:bodyPr spcFirstLastPara="1" wrap="square" lIns="457200" tIns="91425" rIns="91425" bIns="45700" anchor="t" anchorCtr="0">
-            <a:noAutofit/>
-          </a:bodyPr>
-          <a:lstStyle/>
-          <a:p>
-            <a:pPr marL="0" marR="0" lvl="0" indent="0" algn="l" rtl="0">
-              <a:spcBef>
-                <a:spcPts val="0"/>
-              </a:spcBef>
-              <a:spcAft>
-                <a:spcPts val="0"/>
-              </a:spcAft>
-              <a:buNone/>
-            </a:pPr>
-            <a:r>
-              <a:rPr lang="ko" sz="1200" dirty="0">
-                <a:solidFill>
-                  <a:srgbClr val="007CBC"/>
-                </a:solidFill>
-              </a:rPr>
-              <a:t>us-west-2</a:t>
-            </a:r>
-            <a:endParaRPr dirty="0"/>
-          </a:p>
-        </p:txBody>
-      </p:sp>
-      <p:pic>
-        <p:nvPicPr>
-          <p:cNvPr id="113" name="Google Shape;113;p18"/>
-          <p:cNvPicPr preferRelativeResize="0"/>
-          <p:nvPr/>
-        </p:nvPicPr>
-        <p:blipFill rotWithShape="1">
-          <a:blip r:embed="rId4">
-            <a:alphaModFix/>
-          </a:blip>
-          <a:srcRect/>
-          <a:stretch/>
-        </p:blipFill>
-        <p:spPr>
-          <a:xfrm>
-            <a:off x="452523" y="1718484"/>
-            <a:ext cx="201397" cy="216213"/>
-          </a:xfrm>
-          <a:prstGeom prst="rect">
-            <a:avLst/>
-          </a:prstGeom>
-          <a:noFill/>
-          <a:ln>
+            <a:ln w="12700" cap="flat" cmpd="sng">
+              <a:solidFill>
+                <a:schemeClr val="tx1"/>
+              </a:solidFill>
+              <a:prstDash val="solid"/>
+              <a:miter lim="800000"/>
+              <a:headEnd type="none" w="sm" len="sm"/>
+              <a:tailEnd type="none" w="sm" len="sm"/>
+            </a:ln>
+          </p:spPr>
+          <p:txBody>
+            <a:bodyPr spcFirstLastPara="1" wrap="square" lIns="457200" tIns="91425" rIns="91425" bIns="45700" anchor="t" anchorCtr="0">
+              <a:noAutofit/>
+            </a:bodyPr>
+            <a:lstStyle/>
+            <a:p>
+              <a:pPr marL="0" marR="0" lvl="0" indent="0" algn="l" rtl="0">
+                <a:spcBef>
+                  <a:spcPts val="0"/>
+                </a:spcBef>
+                <a:spcAft>
+                  <a:spcPts val="0"/>
+                </a:spcAft>
+                <a:buNone/>
+              </a:pPr>
+              <a:r>
+                <a:rPr lang="ko" sz="1200" dirty="0">
+                  <a:solidFill>
+                    <a:srgbClr val="000000"/>
+                  </a:solidFill>
+                  <a:latin typeface="Arial"/>
+                  <a:ea typeface="Arial"/>
+                  <a:cs typeface="Arial"/>
+                  <a:sym typeface="Arial"/>
+                </a:rPr>
+                <a:t>AWS Cloud</a:t>
+              </a:r>
+              <a:endParaRPr dirty="0"/>
+            </a:p>
+          </p:txBody>
+        </p:sp>
+        <p:pic>
+          <p:nvPicPr>
+            <p:cNvPr id="111" name="Google Shape;111;p18"/>
+            <p:cNvPicPr preferRelativeResize="0"/>
+            <p:nvPr/>
+          </p:nvPicPr>
+          <p:blipFill rotWithShape="1">
+            <a:blip r:embed="rId3">
+              <a:alphaModFix/>
+            </a:blip>
+            <a:srcRect/>
+            <a:stretch/>
+          </p:blipFill>
+          <p:spPr>
+            <a:xfrm>
+              <a:off x="251125" y="1425038"/>
+              <a:ext cx="201397" cy="220353"/>
+            </a:xfrm>
+            <a:prstGeom prst="rect">
+              <a:avLst/>
+            </a:prstGeom>
             <a:noFill/>
-          </a:ln>
-        </p:spPr>
-      </p:pic>
-      <p:sp>
-        <p:nvSpPr>
-          <p:cNvPr id="114" name="Google Shape;114;p18"/>
-          <p:cNvSpPr txBox="1"/>
-          <p:nvPr/>
-        </p:nvSpPr>
-        <p:spPr>
-          <a:xfrm>
-            <a:off x="2241981" y="3941330"/>
-            <a:ext cx="1247400" cy="371742"/>
-          </a:xfrm>
-          <a:prstGeom prst="rect">
-            <a:avLst/>
-          </a:prstGeom>
-          <a:noFill/>
-          <a:ln>
+            <a:ln>
+              <a:noFill/>
+            </a:ln>
+          </p:spPr>
+        </p:pic>
+        <p:sp>
+          <p:nvSpPr>
+            <p:cNvPr id="112" name="Google Shape;112;p18"/>
+            <p:cNvSpPr/>
+            <p:nvPr/>
+          </p:nvSpPr>
+          <p:spPr>
+            <a:xfrm>
+              <a:off x="452524" y="1718475"/>
+              <a:ext cx="5292142" cy="2735860"/>
+            </a:xfrm>
+            <a:prstGeom prst="rect">
+              <a:avLst/>
+            </a:prstGeom>
             <a:noFill/>
-          </a:ln>
-        </p:spPr>
-        <p:txBody>
-          <a:bodyPr spcFirstLastPara="1" wrap="square" lIns="91425" tIns="45700" rIns="91425" bIns="45700" anchor="t" anchorCtr="0">
-            <a:noAutofit/>
-          </a:bodyPr>
-          <a:lstStyle/>
-          <a:p>
-            <a:pPr algn="ctr"/>
-            <a:r>
-              <a:rPr lang="en-US" altLang="ko-KR" sz="1000" dirty="0"/>
-              <a:t>Amazon Simple Storage Service</a:t>
-            </a:r>
-          </a:p>
-        </p:txBody>
-      </p:sp>
-      <p:sp>
-        <p:nvSpPr>
-          <p:cNvPr id="117" name="Google Shape;117;p18"/>
-          <p:cNvSpPr txBox="1"/>
-          <p:nvPr/>
-        </p:nvSpPr>
-        <p:spPr>
-          <a:xfrm>
-            <a:off x="2171053" y="2981544"/>
-            <a:ext cx="816600" cy="349200"/>
-          </a:xfrm>
-          <a:prstGeom prst="rect">
-            <a:avLst/>
-          </a:prstGeom>
-          <a:noFill/>
-          <a:ln>
+            <a:ln w="12700" cap="flat" cmpd="sng">
+              <a:solidFill>
+                <a:srgbClr val="007CBC"/>
+              </a:solidFill>
+              <a:prstDash val="dash"/>
+              <a:miter lim="800000"/>
+              <a:headEnd type="none" w="sm" len="sm"/>
+              <a:tailEnd type="none" w="sm" len="sm"/>
+            </a:ln>
+          </p:spPr>
+          <p:txBody>
+            <a:bodyPr spcFirstLastPara="1" wrap="square" lIns="457200" tIns="91425" rIns="91425" bIns="45700" anchor="t" anchorCtr="0">
+              <a:noAutofit/>
+            </a:bodyPr>
+            <a:lstStyle/>
+            <a:p>
+              <a:pPr marL="0" marR="0" lvl="0" indent="0" algn="l" rtl="0">
+                <a:spcBef>
+                  <a:spcPts val="0"/>
+                </a:spcBef>
+                <a:spcAft>
+                  <a:spcPts val="0"/>
+                </a:spcAft>
+                <a:buNone/>
+              </a:pPr>
+              <a:r>
+                <a:rPr lang="ko" sz="1200" dirty="0">
+                  <a:solidFill>
+                    <a:srgbClr val="007CBC"/>
+                  </a:solidFill>
+                </a:rPr>
+                <a:t>us-west-2</a:t>
+              </a:r>
+              <a:endParaRPr dirty="0"/>
+            </a:p>
+          </p:txBody>
+        </p:sp>
+        <p:pic>
+          <p:nvPicPr>
+            <p:cNvPr id="113" name="Google Shape;113;p18"/>
+            <p:cNvPicPr preferRelativeResize="0"/>
+            <p:nvPr/>
+          </p:nvPicPr>
+          <p:blipFill rotWithShape="1">
+            <a:blip r:embed="rId4">
+              <a:alphaModFix/>
+            </a:blip>
+            <a:srcRect/>
+            <a:stretch/>
+          </p:blipFill>
+          <p:spPr>
+            <a:xfrm>
+              <a:off x="452523" y="1718484"/>
+              <a:ext cx="201397" cy="216213"/>
+            </a:xfrm>
+            <a:prstGeom prst="rect">
+              <a:avLst/>
+            </a:prstGeom>
             <a:noFill/>
-          </a:ln>
-        </p:spPr>
-        <p:txBody>
-          <a:bodyPr spcFirstLastPara="1" wrap="square" lIns="91425" tIns="45700" rIns="91425" bIns="45700" anchor="t" anchorCtr="0">
-            <a:noAutofit/>
-          </a:bodyPr>
-          <a:lstStyle/>
-          <a:p>
-            <a:pPr marL="0" marR="0" lvl="0" indent="0" algn="ctr" rtl="0">
-              <a:spcBef>
-                <a:spcPts val="0"/>
-              </a:spcBef>
-              <a:spcAft>
-                <a:spcPts val="0"/>
-              </a:spcAft>
-              <a:buNone/>
-            </a:pPr>
-            <a:r>
-              <a:rPr lang="ko" sz="1000" dirty="0">
+            <a:ln>
+              <a:noFill/>
+            </a:ln>
+          </p:spPr>
+        </p:pic>
+        <p:sp>
+          <p:nvSpPr>
+            <p:cNvPr id="114" name="Google Shape;114;p18"/>
+            <p:cNvSpPr txBox="1"/>
+            <p:nvPr/>
+          </p:nvSpPr>
+          <p:spPr>
+            <a:xfrm>
+              <a:off x="2241981" y="3941330"/>
+              <a:ext cx="1247400" cy="371742"/>
+            </a:xfrm>
+            <a:prstGeom prst="rect">
+              <a:avLst/>
+            </a:prstGeom>
+            <a:noFill/>
+            <a:ln>
+              <a:noFill/>
+            </a:ln>
+          </p:spPr>
+          <p:txBody>
+            <a:bodyPr spcFirstLastPara="1" wrap="square" lIns="91425" tIns="45700" rIns="91425" bIns="45700" anchor="t" anchorCtr="0">
+              <a:noAutofit/>
+            </a:bodyPr>
+            <a:lstStyle/>
+            <a:p>
+              <a:pPr algn="ctr"/>
+              <a:r>
+                <a:rPr lang="en-US" altLang="ko-KR" sz="1000" dirty="0"/>
+                <a:t>Amazon Simple Storage Service</a:t>
+              </a:r>
+            </a:p>
+          </p:txBody>
+        </p:sp>
+        <p:sp>
+          <p:nvSpPr>
+            <p:cNvPr id="117" name="Google Shape;117;p18"/>
+            <p:cNvSpPr txBox="1"/>
+            <p:nvPr/>
+          </p:nvSpPr>
+          <p:spPr>
+            <a:xfrm>
+              <a:off x="2171053" y="2981544"/>
+              <a:ext cx="816600" cy="349200"/>
+            </a:xfrm>
+            <a:prstGeom prst="rect">
+              <a:avLst/>
+            </a:prstGeom>
+            <a:noFill/>
+            <a:ln>
+              <a:noFill/>
+            </a:ln>
+          </p:spPr>
+          <p:txBody>
+            <a:bodyPr spcFirstLastPara="1" wrap="square" lIns="91425" tIns="45700" rIns="91425" bIns="45700" anchor="t" anchorCtr="0">
+              <a:noAutofit/>
+            </a:bodyPr>
+            <a:lstStyle/>
+            <a:p>
+              <a:pPr marL="0" marR="0" lvl="0" indent="0" algn="ctr" rtl="0">
+                <a:spcBef>
+                  <a:spcPts val="0"/>
+                </a:spcBef>
+                <a:spcAft>
+                  <a:spcPts val="0"/>
+                </a:spcAft>
+                <a:buNone/>
+              </a:pPr>
+              <a:r>
+                <a:rPr lang="ko" sz="1000" dirty="0">
+                  <a:solidFill>
+                    <a:srgbClr val="232F3D"/>
+                  </a:solidFill>
+                  <a:latin typeface="Arial"/>
+                  <a:ea typeface="Arial"/>
+                  <a:cs typeface="Arial"/>
+                  <a:sym typeface="Arial"/>
+                </a:rPr>
+                <a:t>AWS Lambda</a:t>
+              </a:r>
+              <a:endParaRPr sz="1000" dirty="0"/>
+            </a:p>
+          </p:txBody>
+        </p:sp>
+        <p:sp>
+          <p:nvSpPr>
+            <p:cNvPr id="118" name="Google Shape;118;p18"/>
+            <p:cNvSpPr txBox="1"/>
+            <p:nvPr/>
+          </p:nvSpPr>
+          <p:spPr>
+            <a:xfrm>
+              <a:off x="488048" y="3023051"/>
+              <a:ext cx="923661" cy="349200"/>
+            </a:xfrm>
+            <a:prstGeom prst="rect">
+              <a:avLst/>
+            </a:prstGeom>
+            <a:noFill/>
+            <a:ln>
+              <a:noFill/>
+            </a:ln>
+          </p:spPr>
+          <p:txBody>
+            <a:bodyPr spcFirstLastPara="1" wrap="square" lIns="91425" tIns="45700" rIns="91425" bIns="45700" anchor="t" anchorCtr="0">
+              <a:noAutofit/>
+            </a:bodyPr>
+            <a:lstStyle/>
+            <a:p>
+              <a:pPr marL="0" marR="0" lvl="0" indent="0" algn="ctr" rtl="0">
+                <a:spcBef>
+                  <a:spcPts val="0"/>
+                </a:spcBef>
+                <a:spcAft>
+                  <a:spcPts val="0"/>
+                </a:spcAft>
+                <a:buNone/>
+              </a:pPr>
+              <a:r>
+                <a:rPr lang="ko" sz="1000" dirty="0">
+                  <a:solidFill>
+                    <a:srgbClr val="232F3D"/>
+                  </a:solidFill>
+                  <a:latin typeface="Arial"/>
+                  <a:ea typeface="Arial"/>
+                  <a:cs typeface="Arial"/>
+                  <a:sym typeface="Arial"/>
+                </a:rPr>
+                <a:t>Amazon CloudWatch</a:t>
+              </a:r>
+              <a:endParaRPr sz="1000" dirty="0"/>
+            </a:p>
+          </p:txBody>
+        </p:sp>
+        <p:cxnSp>
+          <p:nvCxnSpPr>
+            <p:cNvPr id="120" name="Google Shape;120;p18"/>
+            <p:cNvCxnSpPr/>
+            <p:nvPr/>
+          </p:nvCxnSpPr>
+          <p:spPr>
+            <a:xfrm rot="10800000" flipH="1">
+              <a:off x="1204722" y="2774920"/>
+              <a:ext cx="360000" cy="1200"/>
+            </a:xfrm>
+            <a:prstGeom prst="straightConnector1">
+              <a:avLst/>
+            </a:prstGeom>
+            <a:noFill/>
+            <a:ln w="12700" cap="flat" cmpd="sng">
+              <a:solidFill>
+                <a:srgbClr val="535B63"/>
+              </a:solidFill>
+              <a:prstDash val="solid"/>
+              <a:miter lim="800000"/>
+              <a:headEnd type="none" w="sm" len="sm"/>
+              <a:tailEnd type="stealth" w="med" len="med"/>
+            </a:ln>
+          </p:spPr>
+        </p:cxnSp>
+        <p:cxnSp>
+          <p:nvCxnSpPr>
+            <p:cNvPr id="28" name="Google Shape;120;p18">
+              <a:extLst>
+                <a:ext uri="{FF2B5EF4-FFF2-40B4-BE49-F238E27FC236}">
+                  <a16:creationId xmlns:a16="http://schemas.microsoft.com/office/drawing/2014/main" id="{E6A408D0-9261-4DD9-89D6-200EF1AD5827}"/>
+                </a:ext>
+              </a:extLst>
+            </p:cNvPr>
+            <p:cNvCxnSpPr>
+              <a:cxnSpLocks/>
+              <a:stCxn id="33" idx="0"/>
+              <a:endCxn id="117" idx="2"/>
+            </p:cNvCxnSpPr>
+            <p:nvPr/>
+          </p:nvCxnSpPr>
+          <p:spPr>
+            <a:xfrm flipH="1" flipV="1">
+              <a:off x="2579353" y="3330744"/>
+              <a:ext cx="1101346" cy="154503"/>
+            </a:xfrm>
+            <a:prstGeom prst="straightConnector1">
+              <a:avLst/>
+            </a:prstGeom>
+            <a:noFill/>
+            <a:ln w="12700" cap="flat" cmpd="sng">
+              <a:solidFill>
+                <a:srgbClr val="535B63"/>
+              </a:solidFill>
+              <a:prstDash val="solid"/>
+              <a:miter lim="800000"/>
+              <a:headEnd type="none" w="sm" len="sm"/>
+              <a:tailEnd type="stealth" w="med" len="med"/>
+            </a:ln>
+          </p:spPr>
+        </p:cxnSp>
+        <p:pic>
+          <p:nvPicPr>
+            <p:cNvPr id="21" name="Graphic 71">
+              <a:extLst>
+                <a:ext uri="{FF2B5EF4-FFF2-40B4-BE49-F238E27FC236}">
+                  <a16:creationId xmlns:a16="http://schemas.microsoft.com/office/drawing/2014/main" id="{C1D14E0E-A6FB-4E85-B75D-76A85CDA8150}"/>
+                </a:ext>
+              </a:extLst>
+            </p:cNvPr>
+            <p:cNvPicPr>
+              <a:picLocks noChangeAspect="1"/>
+            </p:cNvPicPr>
+            <p:nvPr/>
+          </p:nvPicPr>
+          <p:blipFill>
+            <a:blip r:embed="rId5">
+              <a:extLst>
+                <a:ext uri="{96DAC541-7B7A-43D3-8B79-37D633B846F1}">
+                  <asvg:svgBlip xmlns:asvg="http://schemas.microsoft.com/office/drawing/2016/SVG/main" r:embed="rId6"/>
+                </a:ext>
+              </a:extLst>
+            </a:blip>
+            <a:stretch>
+              <a:fillRect/>
+            </a:stretch>
+          </p:blipFill>
+          <p:spPr>
+            <a:xfrm>
+              <a:off x="2639462" y="3485252"/>
+              <a:ext cx="452439" cy="452439"/>
+            </a:xfrm>
+            <a:prstGeom prst="rect">
+              <a:avLst/>
+            </a:prstGeom>
+          </p:spPr>
+        </p:pic>
+        <p:pic>
+          <p:nvPicPr>
+            <p:cNvPr id="116" name="Google Shape;116;p18"/>
+            <p:cNvPicPr preferRelativeResize="0"/>
+            <p:nvPr/>
+          </p:nvPicPr>
+          <p:blipFill rotWithShape="1">
+            <a:blip r:embed="rId7">
+              <a:alphaModFix/>
+            </a:blip>
+            <a:srcRect/>
+            <a:stretch/>
+          </p:blipFill>
+          <p:spPr>
+            <a:xfrm>
+              <a:off x="2353530" y="2572311"/>
+              <a:ext cx="452439" cy="434418"/>
+            </a:xfrm>
+            <a:prstGeom prst="rect">
+              <a:avLst/>
+            </a:prstGeom>
+            <a:noFill/>
+            <a:ln>
+              <a:noFill/>
+            </a:ln>
+          </p:spPr>
+        </p:pic>
+        <p:pic>
+          <p:nvPicPr>
+            <p:cNvPr id="119" name="Google Shape;119;p18"/>
+            <p:cNvPicPr preferRelativeResize="0"/>
+            <p:nvPr/>
+          </p:nvPicPr>
+          <p:blipFill rotWithShape="1">
+            <a:blip r:embed="rId8">
+              <a:alphaModFix/>
+            </a:blip>
+            <a:srcRect/>
+            <a:stretch/>
+          </p:blipFill>
+          <p:spPr>
+            <a:xfrm>
+              <a:off x="724696" y="2572318"/>
+              <a:ext cx="450366" cy="452439"/>
+            </a:xfrm>
+            <a:prstGeom prst="rect">
+              <a:avLst/>
+            </a:prstGeom>
+            <a:noFill/>
+            <a:ln>
+              <a:noFill/>
+            </a:ln>
+          </p:spPr>
+        </p:pic>
+        <p:cxnSp>
+          <p:nvCxnSpPr>
+            <p:cNvPr id="30" name="Google Shape;120;p18">
+              <a:extLst>
+                <a:ext uri="{FF2B5EF4-FFF2-40B4-BE49-F238E27FC236}">
+                  <a16:creationId xmlns:a16="http://schemas.microsoft.com/office/drawing/2014/main" id="{F6B85E34-CA52-46A3-A483-ACE308173CDE}"/>
+                </a:ext>
+              </a:extLst>
+            </p:cNvPr>
+            <p:cNvCxnSpPr>
+              <a:cxnSpLocks/>
+              <a:stCxn id="21" idx="0"/>
+              <a:endCxn id="117" idx="2"/>
+            </p:cNvCxnSpPr>
+            <p:nvPr/>
+          </p:nvCxnSpPr>
+          <p:spPr>
+            <a:xfrm flipH="1" flipV="1">
+              <a:off x="2579353" y="3330744"/>
+              <a:ext cx="286329" cy="154508"/>
+            </a:xfrm>
+            <a:prstGeom prst="straightConnector1">
+              <a:avLst/>
+            </a:prstGeom>
+            <a:noFill/>
+            <a:ln w="12700" cap="flat" cmpd="sng">
+              <a:solidFill>
+                <a:srgbClr val="535B63"/>
+              </a:solidFill>
+              <a:prstDash val="solid"/>
+              <a:miter lim="800000"/>
+              <a:headEnd type="none" w="sm" len="sm"/>
+              <a:tailEnd type="stealth" w="med" len="med"/>
+            </a:ln>
+          </p:spPr>
+        </p:cxnSp>
+        <p:sp>
+          <p:nvSpPr>
+            <p:cNvPr id="32" name="Google Shape;89;p17">
+              <a:extLst>
+                <a:ext uri="{FF2B5EF4-FFF2-40B4-BE49-F238E27FC236}">
+                  <a16:creationId xmlns:a16="http://schemas.microsoft.com/office/drawing/2014/main" id="{7E898ABD-BAEE-4A6A-AD4E-6745CA9D6614}"/>
+                </a:ext>
+              </a:extLst>
+            </p:cNvPr>
+            <p:cNvSpPr txBox="1"/>
+            <p:nvPr/>
+          </p:nvSpPr>
+          <p:spPr>
+            <a:xfrm>
+              <a:off x="3258204" y="3938648"/>
+              <a:ext cx="844990" cy="349200"/>
+            </a:xfrm>
+            <a:prstGeom prst="rect">
+              <a:avLst/>
+            </a:prstGeom>
+            <a:noFill/>
+            <a:ln>
+              <a:noFill/>
+            </a:ln>
+          </p:spPr>
+          <p:txBody>
+            <a:bodyPr spcFirstLastPara="1" wrap="square" lIns="91425" tIns="45700" rIns="91425" bIns="45700" anchor="t" anchorCtr="0">
+              <a:noAutofit/>
+            </a:bodyPr>
+            <a:lstStyle/>
+            <a:p>
+              <a:pPr algn="ctr"/>
+              <a:r>
+                <a:rPr lang="en-US" altLang="ko-KR" sz="1000" dirty="0"/>
+                <a:t>Amazon DynamoDB</a:t>
+              </a:r>
+            </a:p>
+          </p:txBody>
+        </p:sp>
+        <p:pic>
+          <p:nvPicPr>
+            <p:cNvPr id="33" name="Graphic 47">
+              <a:extLst>
+                <a:ext uri="{FF2B5EF4-FFF2-40B4-BE49-F238E27FC236}">
+                  <a16:creationId xmlns:a16="http://schemas.microsoft.com/office/drawing/2014/main" id="{7449BD3A-1829-4659-826A-2A9123D0F3FD}"/>
+                </a:ext>
+              </a:extLst>
+            </p:cNvPr>
+            <p:cNvPicPr>
+              <a:picLocks noChangeAspect="1"/>
+            </p:cNvPicPr>
+            <p:nvPr/>
+          </p:nvPicPr>
+          <p:blipFill>
+            <a:blip r:embed="rId9">
+              <a:extLst>
+                <a:ext uri="{96DAC541-7B7A-43D3-8B79-37D633B846F1}">
+                  <asvg:svgBlip xmlns:asvg="http://schemas.microsoft.com/office/drawing/2016/SVG/main" r:embed="rId10"/>
+                </a:ext>
+              </a:extLst>
+            </a:blip>
+            <a:stretch>
+              <a:fillRect/>
+            </a:stretch>
+          </p:blipFill>
+          <p:spPr>
+            <a:xfrm>
+              <a:off x="3448804" y="3485247"/>
+              <a:ext cx="463790" cy="452069"/>
+            </a:xfrm>
+            <a:prstGeom prst="rect">
+              <a:avLst/>
+            </a:prstGeom>
+          </p:spPr>
+        </p:pic>
+        <p:sp>
+          <p:nvSpPr>
+            <p:cNvPr id="36" name="Rectangle 56">
+              <a:extLst>
+                <a:ext uri="{FF2B5EF4-FFF2-40B4-BE49-F238E27FC236}">
+                  <a16:creationId xmlns:a16="http://schemas.microsoft.com/office/drawing/2014/main" id="{3631BE29-1BAC-40E1-BC9D-05C7D3673A37}"/>
+                </a:ext>
+              </a:extLst>
+            </p:cNvPr>
+            <p:cNvSpPr/>
+            <p:nvPr/>
+          </p:nvSpPr>
+          <p:spPr>
+            <a:xfrm>
+              <a:off x="2324065" y="1780937"/>
+              <a:ext cx="3308918" cy="2581657"/>
+            </a:xfrm>
+            <a:prstGeom prst="rect">
+              <a:avLst/>
+            </a:prstGeom>
+            <a:noFill/>
+            <a:ln w="12700">
+              <a:solidFill>
+                <a:srgbClr val="CD2264"/>
+              </a:solidFill>
+            </a:ln>
+          </p:spPr>
+          <p:style>
+            <a:lnRef idx="2">
+              <a:schemeClr val="accent1">
+                <a:shade val="50000"/>
+              </a:schemeClr>
+            </a:lnRef>
+            <a:fillRef idx="1">
+              <a:schemeClr val="accent1"/>
+            </a:fillRef>
+            <a:effectRef idx="0">
+              <a:schemeClr val="accent1"/>
+            </a:effectRef>
+            <a:fontRef idx="minor">
+              <a:schemeClr val="lt1"/>
+            </a:fontRef>
+          </p:style>
+          <p:txBody>
+            <a:bodyPr rot="0" spcFirstLastPara="0" vertOverflow="overflow" horzOverflow="overflow" vert="horz" wrap="square" lIns="457200" tIns="91440" rIns="91440" bIns="45720" numCol="1" spcCol="0" rtlCol="0" fromWordArt="0" anchor="t" anchorCtr="0" forceAA="0" compatLnSpc="1">
+              <a:prstTxWarp prst="textNoShape">
+                <a:avLst/>
+              </a:prstTxWarp>
+              <a:noAutofit/>
+            </a:bodyPr>
+            <a:lstStyle/>
+            <a:p>
+              <a:pPr algn="l"/>
+              <a:r>
+                <a:rPr lang="en-US" sz="1200" dirty="0">
+                  <a:solidFill>
+                    <a:srgbClr val="CD2264"/>
+                  </a:solidFill>
+                  <a:latin typeface="+mj-lt"/>
+                </a:rPr>
+                <a:t>AWS Step Functions workflow</a:t>
+              </a:r>
+            </a:p>
+          </p:txBody>
+        </p:sp>
+        <p:pic>
+          <p:nvPicPr>
+            <p:cNvPr id="37" name="Graphic 14">
+              <a:extLst>
+                <a:ext uri="{FF2B5EF4-FFF2-40B4-BE49-F238E27FC236}">
+                  <a16:creationId xmlns:a16="http://schemas.microsoft.com/office/drawing/2014/main" id="{5DA9D8E5-78A6-4D54-A4ED-5BAFF41280E2}"/>
+                </a:ext>
+              </a:extLst>
+            </p:cNvPr>
+            <p:cNvPicPr>
+              <a:picLocks noChangeAspect="1"/>
+            </p:cNvPicPr>
+            <p:nvPr/>
+          </p:nvPicPr>
+          <p:blipFill>
+            <a:blip r:embed="rId11">
+              <a:extLst>
+                <a:ext uri="{96DAC541-7B7A-43D3-8B79-37D633B846F1}">
+                  <asvg:svgBlip xmlns:asvg="http://schemas.microsoft.com/office/drawing/2016/SVG/main" r:embed="rId12"/>
+                </a:ext>
+              </a:extLst>
+            </a:blip>
+            <a:stretch>
+              <a:fillRect/>
+            </a:stretch>
+          </p:blipFill>
+          <p:spPr>
+            <a:xfrm>
+              <a:off x="2322743" y="1780938"/>
+              <a:ext cx="330200" cy="330200"/>
+            </a:xfrm>
+            <a:prstGeom prst="rect">
+              <a:avLst/>
+            </a:prstGeom>
+          </p:spPr>
+        </p:pic>
+        <p:pic>
+          <p:nvPicPr>
+            <p:cNvPr id="40" name="Graphic 10">
+              <a:extLst>
+                <a:ext uri="{FF2B5EF4-FFF2-40B4-BE49-F238E27FC236}">
+                  <a16:creationId xmlns:a16="http://schemas.microsoft.com/office/drawing/2014/main" id="{65613985-D726-42C1-87F4-030881B05FE6}"/>
+                </a:ext>
+              </a:extLst>
+            </p:cNvPr>
+            <p:cNvPicPr>
+              <a:picLocks noChangeAspect="1"/>
+            </p:cNvPicPr>
+            <p:nvPr/>
+          </p:nvPicPr>
+          <p:blipFill>
+            <a:blip r:embed="rId13">
+              <a:extLst>
+                <a:ext uri="{96DAC541-7B7A-43D3-8B79-37D633B846F1}">
+                  <asvg:svgBlip xmlns:asvg="http://schemas.microsoft.com/office/drawing/2016/SVG/main" r:embed="rId14"/>
+                </a:ext>
+              </a:extLst>
+            </a:blip>
+            <a:stretch>
+              <a:fillRect/>
+            </a:stretch>
+          </p:blipFill>
+          <p:spPr>
+            <a:xfrm>
+              <a:off x="1658048" y="2573981"/>
+              <a:ext cx="449422" cy="449422"/>
+            </a:xfrm>
+            <a:prstGeom prst="rect">
+              <a:avLst/>
+            </a:prstGeom>
+          </p:spPr>
+        </p:pic>
+        <p:sp>
+          <p:nvSpPr>
+            <p:cNvPr id="41" name="Google Shape;118;p18">
+              <a:extLst>
+                <a:ext uri="{FF2B5EF4-FFF2-40B4-BE49-F238E27FC236}">
+                  <a16:creationId xmlns:a16="http://schemas.microsoft.com/office/drawing/2014/main" id="{BBF61600-6762-440A-91C1-ED329BD56A45}"/>
+                </a:ext>
+              </a:extLst>
+            </p:cNvPr>
+            <p:cNvSpPr txBox="1"/>
+            <p:nvPr/>
+          </p:nvSpPr>
+          <p:spPr>
+            <a:xfrm>
+              <a:off x="1370560" y="3031249"/>
+              <a:ext cx="1024397" cy="349200"/>
+            </a:xfrm>
+            <a:prstGeom prst="rect">
+              <a:avLst/>
+            </a:prstGeom>
+            <a:noFill/>
+            <a:ln>
+              <a:noFill/>
+            </a:ln>
+          </p:spPr>
+          <p:txBody>
+            <a:bodyPr spcFirstLastPara="1" wrap="square" lIns="91425" tIns="45700" rIns="91425" bIns="45700" anchor="t" anchorCtr="0">
+              <a:noAutofit/>
+            </a:bodyPr>
+            <a:lstStyle/>
+            <a:p>
+              <a:pPr lvl="0" algn="ctr"/>
+              <a:r>
+                <a:rPr lang="ko" sz="1000" dirty="0">
+                  <a:solidFill>
+                    <a:srgbClr val="232F3D"/>
+                  </a:solidFill>
+                  <a:latin typeface="Arial"/>
+                  <a:ea typeface="Arial"/>
+                  <a:cs typeface="Arial"/>
+                  <a:sym typeface="Arial"/>
+                </a:rPr>
+                <a:t>Amazon </a:t>
+              </a:r>
+              <a:endParaRPr lang="en-US" altLang="ko" sz="1000" dirty="0">
                 <a:solidFill>
                   <a:srgbClr val="232F3D"/>
                 </a:solidFill>
@@ -12237,827 +12766,319 @@
                 <a:ea typeface="Arial"/>
                 <a:cs typeface="Arial"/>
                 <a:sym typeface="Arial"/>
-              </a:rPr>
-              <a:t>AWS Lambda</a:t>
-            </a:r>
-            <a:endParaRPr sz="1000" dirty="0"/>
-          </a:p>
-        </p:txBody>
-      </p:sp>
-      <p:sp>
-        <p:nvSpPr>
-          <p:cNvPr id="118" name="Google Shape;118;p18"/>
-          <p:cNvSpPr txBox="1"/>
-          <p:nvPr/>
-        </p:nvSpPr>
-        <p:spPr>
-          <a:xfrm>
-            <a:off x="488048" y="3023051"/>
-            <a:ext cx="923661" cy="349200"/>
-          </a:xfrm>
-          <a:prstGeom prst="rect">
-            <a:avLst/>
-          </a:prstGeom>
-          <a:noFill/>
-          <a:ln>
+              </a:endParaRPr>
+            </a:p>
+            <a:p>
+              <a:pPr lvl="0" algn="ctr"/>
+              <a:r>
+                <a:rPr lang="en-US" altLang="ko" sz="1000" dirty="0">
+                  <a:solidFill>
+                    <a:srgbClr val="232F3D"/>
+                  </a:solidFill>
+                </a:rPr>
+                <a:t>Step Functions</a:t>
+              </a:r>
+              <a:endParaRPr sz="1000" dirty="0"/>
+            </a:p>
+          </p:txBody>
+        </p:sp>
+        <p:sp>
+          <p:nvSpPr>
+            <p:cNvPr id="25" name="순서도: 판단 24">
+              <a:extLst>
+                <a:ext uri="{FF2B5EF4-FFF2-40B4-BE49-F238E27FC236}">
+                  <a16:creationId xmlns:a16="http://schemas.microsoft.com/office/drawing/2014/main" id="{8D0EB028-3590-45BD-84B8-63D46F28AA22}"/>
+                </a:ext>
+              </a:extLst>
+            </p:cNvPr>
+            <p:cNvSpPr/>
+            <p:nvPr/>
+          </p:nvSpPr>
+          <p:spPr>
+            <a:xfrm>
+              <a:off x="3379298" y="2572393"/>
+              <a:ext cx="844989" cy="435600"/>
+            </a:xfrm>
+            <a:prstGeom prst="flowChartDecision">
+              <a:avLst/>
+            </a:prstGeom>
+          </p:spPr>
+          <p:style>
+            <a:lnRef idx="2">
+              <a:schemeClr val="accent1">
+                <a:shade val="50000"/>
+              </a:schemeClr>
+            </a:lnRef>
+            <a:fillRef idx="1">
+              <a:schemeClr val="accent1"/>
+            </a:fillRef>
+            <a:effectRef idx="0">
+              <a:schemeClr val="accent1"/>
+            </a:effectRef>
+            <a:fontRef idx="minor">
+              <a:schemeClr val="lt1"/>
+            </a:fontRef>
+          </p:style>
+          <p:txBody>
+            <a:bodyPr vert="horz" rtlCol="0" anchor="ctr"/>
+            <a:lstStyle/>
+            <a:p>
+              <a:pPr algn="ctr"/>
+              <a:r>
+                <a:rPr lang="en-US" altLang="ko-KR" sz="800" dirty="0"/>
+                <a:t>Pass</a:t>
+              </a:r>
+              <a:endParaRPr lang="ko-KR" altLang="en-US" sz="800" dirty="0"/>
+            </a:p>
+          </p:txBody>
+        </p:sp>
+        <p:cxnSp>
+          <p:nvCxnSpPr>
+            <p:cNvPr id="57" name="Google Shape;120;p18">
+              <a:extLst>
+                <a:ext uri="{FF2B5EF4-FFF2-40B4-BE49-F238E27FC236}">
+                  <a16:creationId xmlns:a16="http://schemas.microsoft.com/office/drawing/2014/main" id="{47EB5129-DB30-4F3D-8962-A68B6403D31F}"/>
+                </a:ext>
+              </a:extLst>
+            </p:cNvPr>
+            <p:cNvCxnSpPr>
+              <a:cxnSpLocks/>
+              <a:stCxn id="116" idx="3"/>
+              <a:endCxn id="25" idx="1"/>
+            </p:cNvCxnSpPr>
+            <p:nvPr/>
+          </p:nvCxnSpPr>
+          <p:spPr>
+            <a:xfrm>
+              <a:off x="2805969" y="2789520"/>
+              <a:ext cx="573329" cy="673"/>
+            </a:xfrm>
+            <a:prstGeom prst="straightConnector1">
+              <a:avLst/>
+            </a:prstGeom>
             <a:noFill/>
-          </a:ln>
-        </p:spPr>
-        <p:txBody>
-          <a:bodyPr spcFirstLastPara="1" wrap="square" lIns="91425" tIns="45700" rIns="91425" bIns="45700" anchor="t" anchorCtr="0">
-            <a:noAutofit/>
-          </a:bodyPr>
-          <a:lstStyle/>
-          <a:p>
-            <a:pPr marL="0" marR="0" lvl="0" indent="0" algn="ctr" rtl="0">
-              <a:spcBef>
-                <a:spcPts val="0"/>
-              </a:spcBef>
-              <a:spcAft>
-                <a:spcPts val="0"/>
-              </a:spcAft>
-              <a:buNone/>
-            </a:pPr>
-            <a:r>
-              <a:rPr lang="ko" sz="1000" dirty="0">
-                <a:solidFill>
-                  <a:srgbClr val="232F3D"/>
-                </a:solidFill>
-                <a:latin typeface="Arial"/>
-                <a:ea typeface="Arial"/>
-                <a:cs typeface="Arial"/>
-                <a:sym typeface="Arial"/>
-              </a:rPr>
-              <a:t>Amazon CloudWatch</a:t>
-            </a:r>
-            <a:endParaRPr sz="1000" dirty="0"/>
-          </a:p>
-        </p:txBody>
-      </p:sp>
-      <p:cxnSp>
-        <p:nvCxnSpPr>
-          <p:cNvPr id="120" name="Google Shape;120;p18"/>
-          <p:cNvCxnSpPr/>
-          <p:nvPr/>
-        </p:nvCxnSpPr>
-        <p:spPr>
-          <a:xfrm rot="10800000" flipH="1">
-            <a:off x="1204722" y="2774920"/>
-            <a:ext cx="360000" cy="1200"/>
-          </a:xfrm>
-          <a:prstGeom prst="straightConnector1">
-            <a:avLst/>
-          </a:prstGeom>
-          <a:noFill/>
-          <a:ln w="12700" cap="flat" cmpd="sng">
-            <a:solidFill>
-              <a:srgbClr val="535B63"/>
-            </a:solidFill>
-            <a:prstDash val="solid"/>
-            <a:miter lim="800000"/>
-            <a:headEnd type="none" w="sm" len="sm"/>
-            <a:tailEnd type="stealth" w="med" len="med"/>
-          </a:ln>
-        </p:spPr>
-      </p:cxnSp>
-      <p:cxnSp>
-        <p:nvCxnSpPr>
-          <p:cNvPr id="28" name="Google Shape;120;p18">
-            <a:extLst>
-              <a:ext uri="{FF2B5EF4-FFF2-40B4-BE49-F238E27FC236}">
-                <a16:creationId xmlns:a16="http://schemas.microsoft.com/office/drawing/2014/main" id="{E6A408D0-9261-4DD9-89D6-200EF1AD5827}"/>
-              </a:ext>
-            </a:extLst>
-          </p:cNvPr>
-          <p:cNvCxnSpPr>
-            <a:cxnSpLocks/>
-            <a:stCxn id="33" idx="0"/>
-            <a:endCxn id="117" idx="2"/>
-          </p:cNvCxnSpPr>
-          <p:nvPr/>
-        </p:nvCxnSpPr>
-        <p:spPr>
-          <a:xfrm flipH="1" flipV="1">
-            <a:off x="2579353" y="3330744"/>
-            <a:ext cx="1101346" cy="154503"/>
-          </a:xfrm>
-          <a:prstGeom prst="straightConnector1">
-            <a:avLst/>
-          </a:prstGeom>
-          <a:noFill/>
-          <a:ln w="12700" cap="flat" cmpd="sng">
-            <a:solidFill>
-              <a:srgbClr val="535B63"/>
-            </a:solidFill>
-            <a:prstDash val="solid"/>
-            <a:miter lim="800000"/>
-            <a:headEnd type="none" w="sm" len="sm"/>
-            <a:tailEnd type="stealth" w="med" len="med"/>
-          </a:ln>
-        </p:spPr>
-      </p:cxnSp>
-      <p:pic>
-        <p:nvPicPr>
-          <p:cNvPr id="21" name="Graphic 71">
-            <a:extLst>
-              <a:ext uri="{FF2B5EF4-FFF2-40B4-BE49-F238E27FC236}">
-                <a16:creationId xmlns:a16="http://schemas.microsoft.com/office/drawing/2014/main" id="{C1D14E0E-A6FB-4E85-B75D-76A85CDA8150}"/>
-              </a:ext>
-            </a:extLst>
-          </p:cNvPr>
-          <p:cNvPicPr>
-            <a:picLocks noChangeAspect="1"/>
-          </p:cNvPicPr>
-          <p:nvPr/>
-        </p:nvPicPr>
-        <p:blipFill>
-          <a:blip r:embed="rId5">
-            <a:extLst>
-              <a:ext uri="{96DAC541-7B7A-43D3-8B79-37D633B846F1}">
-                <asvg:svgBlip xmlns:asvg="http://schemas.microsoft.com/office/drawing/2016/SVG/main" r:embed="rId6"/>
-              </a:ext>
-            </a:extLst>
-          </a:blip>
-          <a:stretch>
-            <a:fillRect/>
-          </a:stretch>
-        </p:blipFill>
-        <p:spPr>
-          <a:xfrm>
-            <a:off x="2639462" y="3485252"/>
-            <a:ext cx="452439" cy="452439"/>
-          </a:xfrm>
-          <a:prstGeom prst="rect">
-            <a:avLst/>
-          </a:prstGeom>
-        </p:spPr>
-      </p:pic>
-      <p:pic>
-        <p:nvPicPr>
-          <p:cNvPr id="116" name="Google Shape;116;p18"/>
-          <p:cNvPicPr preferRelativeResize="0"/>
-          <p:nvPr/>
-        </p:nvPicPr>
-        <p:blipFill rotWithShape="1">
-          <a:blip r:embed="rId7">
-            <a:alphaModFix/>
-          </a:blip>
-          <a:srcRect/>
-          <a:stretch/>
-        </p:blipFill>
-        <p:spPr>
-          <a:xfrm>
-            <a:off x="2353530" y="2572311"/>
-            <a:ext cx="452439" cy="434418"/>
-          </a:xfrm>
-          <a:prstGeom prst="rect">
-            <a:avLst/>
-          </a:prstGeom>
-          <a:noFill/>
-          <a:ln>
+            <a:ln w="12700" cap="flat" cmpd="sng">
+              <a:solidFill>
+                <a:srgbClr val="535B63"/>
+              </a:solidFill>
+              <a:prstDash val="solid"/>
+              <a:miter lim="800000"/>
+              <a:headEnd type="none" w="sm" len="sm"/>
+              <a:tailEnd type="stealth" w="med" len="med"/>
+            </a:ln>
+          </p:spPr>
+        </p:cxnSp>
+        <p:cxnSp>
+          <p:nvCxnSpPr>
+            <p:cNvPr id="60" name="Google Shape;120;p18">
+              <a:extLst>
+                <a:ext uri="{FF2B5EF4-FFF2-40B4-BE49-F238E27FC236}">
+                  <a16:creationId xmlns:a16="http://schemas.microsoft.com/office/drawing/2014/main" id="{90E837A8-9F43-4A56-B115-F9C3ED135319}"/>
+                </a:ext>
+              </a:extLst>
+            </p:cNvPr>
+            <p:cNvCxnSpPr>
+              <a:cxnSpLocks/>
+              <a:stCxn id="25" idx="3"/>
+              <a:endCxn id="35" idx="1"/>
+            </p:cNvCxnSpPr>
+            <p:nvPr/>
+          </p:nvCxnSpPr>
+          <p:spPr>
+            <a:xfrm flipV="1">
+              <a:off x="4224287" y="2789788"/>
+              <a:ext cx="563885" cy="405"/>
+            </a:xfrm>
+            <a:prstGeom prst="straightConnector1">
+              <a:avLst/>
+            </a:prstGeom>
             <a:noFill/>
-          </a:ln>
-        </p:spPr>
-      </p:pic>
-      <p:pic>
-        <p:nvPicPr>
-          <p:cNvPr id="119" name="Google Shape;119;p18"/>
-          <p:cNvPicPr preferRelativeResize="0"/>
-          <p:nvPr/>
-        </p:nvPicPr>
-        <p:blipFill rotWithShape="1">
-          <a:blip r:embed="rId8">
-            <a:alphaModFix/>
-          </a:blip>
-          <a:srcRect/>
-          <a:stretch/>
-        </p:blipFill>
-        <p:spPr>
-          <a:xfrm>
-            <a:off x="724696" y="2572318"/>
-            <a:ext cx="450366" cy="452439"/>
-          </a:xfrm>
-          <a:prstGeom prst="rect">
-            <a:avLst/>
-          </a:prstGeom>
-          <a:noFill/>
-          <a:ln>
+            <a:ln w="12700" cap="flat" cmpd="sng">
+              <a:solidFill>
+                <a:srgbClr val="535B63"/>
+              </a:solidFill>
+              <a:prstDash val="solid"/>
+              <a:miter lim="800000"/>
+              <a:headEnd type="none" w="sm" len="sm"/>
+              <a:tailEnd type="stealth" w="med" len="med"/>
+            </a:ln>
+          </p:spPr>
+        </p:cxnSp>
+        <p:cxnSp>
+          <p:nvCxnSpPr>
+            <p:cNvPr id="46" name="연결선: 구부러짐 45">
+              <a:extLst>
+                <a:ext uri="{FF2B5EF4-FFF2-40B4-BE49-F238E27FC236}">
+                  <a16:creationId xmlns:a16="http://schemas.microsoft.com/office/drawing/2014/main" id="{126BD2E2-67AF-4484-9EF8-224BFC4EA8B0}"/>
+                </a:ext>
+              </a:extLst>
+            </p:cNvPr>
+            <p:cNvCxnSpPr>
+              <a:cxnSpLocks/>
+              <a:stCxn id="25" idx="0"/>
+              <a:endCxn id="116" idx="0"/>
+            </p:cNvCxnSpPr>
+            <p:nvPr/>
+          </p:nvCxnSpPr>
+          <p:spPr>
+            <a:xfrm rot="16200000" flipV="1">
+              <a:off x="3190731" y="1961330"/>
+              <a:ext cx="82" cy="1222043"/>
+            </a:xfrm>
+            <a:prstGeom prst="curvedConnector3">
+              <a:avLst>
+                <a:gd name="adj1" fmla="val 470539024"/>
+              </a:avLst>
+            </a:prstGeom>
+            <a:ln>
+              <a:solidFill>
+                <a:srgbClr val="535B63"/>
+              </a:solidFill>
+              <a:tailEnd type="triangle"/>
+            </a:ln>
+          </p:spPr>
+          <p:style>
+            <a:lnRef idx="1">
+              <a:schemeClr val="dk1"/>
+            </a:lnRef>
+            <a:fillRef idx="0">
+              <a:schemeClr val="dk1"/>
+            </a:fillRef>
+            <a:effectRef idx="0">
+              <a:schemeClr val="dk1"/>
+            </a:effectRef>
+            <a:fontRef idx="minor">
+              <a:schemeClr val="tx1"/>
+            </a:fontRef>
+          </p:style>
+        </p:cxnSp>
+        <p:sp>
+          <p:nvSpPr>
+            <p:cNvPr id="49" name="TextBox 48">
+              <a:extLst>
+                <a:ext uri="{FF2B5EF4-FFF2-40B4-BE49-F238E27FC236}">
+                  <a16:creationId xmlns:a16="http://schemas.microsoft.com/office/drawing/2014/main" id="{862F7F73-7EC8-4924-8217-CB21D5186173}"/>
+                </a:ext>
+              </a:extLst>
+            </p:cNvPr>
+            <p:cNvSpPr txBox="1"/>
+            <p:nvPr/>
+          </p:nvSpPr>
+          <p:spPr>
+            <a:xfrm>
+              <a:off x="4256991" y="2497921"/>
+              <a:ext cx="449097" cy="276999"/>
+            </a:xfrm>
+            <a:prstGeom prst="rect">
+              <a:avLst/>
+            </a:prstGeom>
             <a:noFill/>
-          </a:ln>
-        </p:spPr>
-      </p:pic>
-      <p:cxnSp>
-        <p:nvCxnSpPr>
-          <p:cNvPr id="30" name="Google Shape;120;p18">
-            <a:extLst>
-              <a:ext uri="{FF2B5EF4-FFF2-40B4-BE49-F238E27FC236}">
-                <a16:creationId xmlns:a16="http://schemas.microsoft.com/office/drawing/2014/main" id="{F6B85E34-CA52-46A3-A483-ACE308173CDE}"/>
-              </a:ext>
-            </a:extLst>
-          </p:cNvPr>
-          <p:cNvCxnSpPr>
-            <a:cxnSpLocks/>
-            <a:stCxn id="21" idx="0"/>
-            <a:endCxn id="117" idx="2"/>
-          </p:cNvCxnSpPr>
-          <p:nvPr/>
-        </p:nvCxnSpPr>
-        <p:spPr>
-          <a:xfrm flipH="1" flipV="1">
-            <a:off x="2579353" y="3330744"/>
-            <a:ext cx="286329" cy="154508"/>
-          </a:xfrm>
-          <a:prstGeom prst="straightConnector1">
-            <a:avLst/>
-          </a:prstGeom>
-          <a:noFill/>
-          <a:ln w="12700" cap="flat" cmpd="sng">
-            <a:solidFill>
-              <a:srgbClr val="535B63"/>
-            </a:solidFill>
-            <a:prstDash val="solid"/>
-            <a:miter lim="800000"/>
-            <a:headEnd type="none" w="sm" len="sm"/>
-            <a:tailEnd type="stealth" w="med" len="med"/>
-          </a:ln>
-        </p:spPr>
-      </p:cxnSp>
-      <p:sp>
-        <p:nvSpPr>
-          <p:cNvPr id="32" name="Google Shape;89;p17">
-            <a:extLst>
-              <a:ext uri="{FF2B5EF4-FFF2-40B4-BE49-F238E27FC236}">
-                <a16:creationId xmlns:a16="http://schemas.microsoft.com/office/drawing/2014/main" id="{7E898ABD-BAEE-4A6A-AD4E-6745CA9D6614}"/>
-              </a:ext>
-            </a:extLst>
-          </p:cNvPr>
-          <p:cNvSpPr txBox="1"/>
-          <p:nvPr/>
-        </p:nvSpPr>
-        <p:spPr>
-          <a:xfrm>
-            <a:off x="3258204" y="3938648"/>
-            <a:ext cx="844990" cy="349200"/>
-          </a:xfrm>
-          <a:prstGeom prst="rect">
-            <a:avLst/>
-          </a:prstGeom>
-          <a:noFill/>
-          <a:ln>
+            <a:ln>
+              <a:solidFill>
+                <a:srgbClr val="535B63"/>
+              </a:solidFill>
+            </a:ln>
+          </p:spPr>
+          <p:txBody>
+            <a:bodyPr wrap="square" rtlCol="0">
+              <a:spAutoFit/>
+            </a:bodyPr>
+            <a:lstStyle/>
+            <a:p>
+              <a:pPr algn="ctr"/>
+              <a:r>
+                <a:rPr lang="en-US" altLang="ko-KR" sz="1200" dirty="0"/>
+                <a:t>Yes</a:t>
+              </a:r>
+              <a:endParaRPr lang="ko-KR" altLang="en-US" dirty="0"/>
+            </a:p>
+          </p:txBody>
+        </p:sp>
+        <p:sp>
+          <p:nvSpPr>
+            <p:cNvPr id="68" name="TextBox 67">
+              <a:extLst>
+                <a:ext uri="{FF2B5EF4-FFF2-40B4-BE49-F238E27FC236}">
+                  <a16:creationId xmlns:a16="http://schemas.microsoft.com/office/drawing/2014/main" id="{8FA349CD-B8DD-4874-83A9-5F1745E9975F}"/>
+                </a:ext>
+              </a:extLst>
+            </p:cNvPr>
+            <p:cNvSpPr txBox="1"/>
+            <p:nvPr/>
+          </p:nvSpPr>
+          <p:spPr>
+            <a:xfrm>
+              <a:off x="3737853" y="2111059"/>
+              <a:ext cx="449097" cy="276999"/>
+            </a:xfrm>
+            <a:prstGeom prst="rect">
+              <a:avLst/>
+            </a:prstGeom>
             <a:noFill/>
-          </a:ln>
-        </p:spPr>
-        <p:txBody>
-          <a:bodyPr spcFirstLastPara="1" wrap="square" lIns="91425" tIns="45700" rIns="91425" bIns="45700" anchor="t" anchorCtr="0">
-            <a:noAutofit/>
-          </a:bodyPr>
-          <a:lstStyle/>
-          <a:p>
-            <a:pPr algn="ctr"/>
-            <a:r>
-              <a:rPr lang="en-US" altLang="ko-KR" sz="1000" dirty="0"/>
-              <a:t>Amazon DynamoDB</a:t>
-            </a:r>
-          </a:p>
-        </p:txBody>
-      </p:sp>
-      <p:pic>
-        <p:nvPicPr>
-          <p:cNvPr id="33" name="Graphic 47">
-            <a:extLst>
-              <a:ext uri="{FF2B5EF4-FFF2-40B4-BE49-F238E27FC236}">
-                <a16:creationId xmlns:a16="http://schemas.microsoft.com/office/drawing/2014/main" id="{7449BD3A-1829-4659-826A-2A9123D0F3FD}"/>
-              </a:ext>
-            </a:extLst>
-          </p:cNvPr>
-          <p:cNvPicPr>
-            <a:picLocks noChangeAspect="1"/>
-          </p:cNvPicPr>
-          <p:nvPr/>
-        </p:nvPicPr>
-        <p:blipFill>
-          <a:blip r:embed="rId9">
-            <a:extLst>
-              <a:ext uri="{96DAC541-7B7A-43D3-8B79-37D633B846F1}">
-                <asvg:svgBlip xmlns:asvg="http://schemas.microsoft.com/office/drawing/2016/SVG/main" r:embed="rId10"/>
-              </a:ext>
-            </a:extLst>
-          </a:blip>
-          <a:stretch>
-            <a:fillRect/>
-          </a:stretch>
-        </p:blipFill>
-        <p:spPr>
-          <a:xfrm>
-            <a:off x="3448804" y="3485247"/>
-            <a:ext cx="463790" cy="452069"/>
-          </a:xfrm>
-          <a:prstGeom prst="rect">
-            <a:avLst/>
-          </a:prstGeom>
-        </p:spPr>
-      </p:pic>
-      <p:sp>
-        <p:nvSpPr>
-          <p:cNvPr id="36" name="Rectangle 56">
-            <a:extLst>
-              <a:ext uri="{FF2B5EF4-FFF2-40B4-BE49-F238E27FC236}">
-                <a16:creationId xmlns:a16="http://schemas.microsoft.com/office/drawing/2014/main" id="{3631BE29-1BAC-40E1-BC9D-05C7D3673A37}"/>
-              </a:ext>
-            </a:extLst>
-          </p:cNvPr>
-          <p:cNvSpPr/>
-          <p:nvPr/>
-        </p:nvSpPr>
-        <p:spPr>
-          <a:xfrm>
-            <a:off x="2324065" y="1780937"/>
-            <a:ext cx="3308918" cy="2581657"/>
-          </a:xfrm>
-          <a:prstGeom prst="rect">
-            <a:avLst/>
-          </a:prstGeom>
-          <a:noFill/>
-          <a:ln w="12700">
-            <a:solidFill>
-              <a:srgbClr val="CD2264"/>
-            </a:solidFill>
-          </a:ln>
-        </p:spPr>
-        <p:style>
-          <a:lnRef idx="2">
-            <a:schemeClr val="accent1">
-              <a:shade val="50000"/>
-            </a:schemeClr>
-          </a:lnRef>
-          <a:fillRef idx="1">
-            <a:schemeClr val="accent1"/>
-          </a:fillRef>
-          <a:effectRef idx="0">
-            <a:schemeClr val="accent1"/>
-          </a:effectRef>
-          <a:fontRef idx="minor">
-            <a:schemeClr val="lt1"/>
-          </a:fontRef>
-        </p:style>
-        <p:txBody>
-          <a:bodyPr rot="0" spcFirstLastPara="0" vertOverflow="overflow" horzOverflow="overflow" vert="horz" wrap="square" lIns="457200" tIns="91440" rIns="91440" bIns="45720" numCol="1" spcCol="0" rtlCol="0" fromWordArt="0" anchor="t" anchorCtr="0" forceAA="0" compatLnSpc="1">
-            <a:prstTxWarp prst="textNoShape">
+            <a:ln>
+              <a:solidFill>
+                <a:srgbClr val="535B63"/>
+              </a:solidFill>
+            </a:ln>
+          </p:spPr>
+          <p:txBody>
+            <a:bodyPr wrap="square" rtlCol="0">
+              <a:spAutoFit/>
+            </a:bodyPr>
+            <a:lstStyle/>
+            <a:p>
+              <a:pPr algn="ctr"/>
+              <a:r>
+                <a:rPr lang="en-US" altLang="ko-KR" sz="1200" dirty="0"/>
+                <a:t>No</a:t>
+              </a:r>
+              <a:endParaRPr lang="ko-KR" altLang="en-US" dirty="0"/>
+            </a:p>
+          </p:txBody>
+        </p:sp>
+        <p:sp>
+          <p:nvSpPr>
+            <p:cNvPr id="35" name="TextBox 34">
+              <a:extLst>
+                <a:ext uri="{FF2B5EF4-FFF2-40B4-BE49-F238E27FC236}">
+                  <a16:creationId xmlns:a16="http://schemas.microsoft.com/office/drawing/2014/main" id="{85CD8279-982C-4AA7-BE71-101DAD698483}"/>
+                </a:ext>
+              </a:extLst>
+            </p:cNvPr>
+            <p:cNvSpPr txBox="1"/>
+            <p:nvPr/>
+          </p:nvSpPr>
+          <p:spPr>
+            <a:xfrm>
+              <a:off x="4788172" y="2635899"/>
+              <a:ext cx="640052" cy="307777"/>
+            </a:xfrm>
+            <a:prstGeom prst="rect">
               <a:avLst/>
-            </a:prstTxWarp>
-            <a:noAutofit/>
-          </a:bodyPr>
-          <a:lstStyle/>
-          <a:p>
-            <a:pPr algn="l"/>
-            <a:r>
-              <a:rPr lang="en-US" sz="1200" dirty="0">
-                <a:solidFill>
-                  <a:srgbClr val="CD2264"/>
-                </a:solidFill>
-                <a:latin typeface="+mj-lt"/>
-              </a:rPr>
-              <a:t>AWS Step Functions workflow</a:t>
-            </a:r>
-          </a:p>
-        </p:txBody>
-      </p:sp>
-      <p:pic>
-        <p:nvPicPr>
-          <p:cNvPr id="37" name="Graphic 14">
-            <a:extLst>
-              <a:ext uri="{FF2B5EF4-FFF2-40B4-BE49-F238E27FC236}">
-                <a16:creationId xmlns:a16="http://schemas.microsoft.com/office/drawing/2014/main" id="{5DA9D8E5-78A6-4D54-A4ED-5BAFF41280E2}"/>
-              </a:ext>
-            </a:extLst>
-          </p:cNvPr>
-          <p:cNvPicPr>
-            <a:picLocks noChangeAspect="1"/>
-          </p:cNvPicPr>
-          <p:nvPr/>
-        </p:nvPicPr>
-        <p:blipFill>
-          <a:blip r:embed="rId11">
-            <a:extLst>
-              <a:ext uri="{96DAC541-7B7A-43D3-8B79-37D633B846F1}">
-                <asvg:svgBlip xmlns:asvg="http://schemas.microsoft.com/office/drawing/2016/SVG/main" r:embed="rId12"/>
-              </a:ext>
-            </a:extLst>
-          </a:blip>
-          <a:stretch>
-            <a:fillRect/>
-          </a:stretch>
-        </p:blipFill>
-        <p:spPr>
-          <a:xfrm>
-            <a:off x="2322743" y="1780938"/>
-            <a:ext cx="330200" cy="330200"/>
-          </a:xfrm>
-          <a:prstGeom prst="rect">
-            <a:avLst/>
-          </a:prstGeom>
-        </p:spPr>
-      </p:pic>
-      <p:pic>
-        <p:nvPicPr>
-          <p:cNvPr id="40" name="Graphic 10">
-            <a:extLst>
-              <a:ext uri="{FF2B5EF4-FFF2-40B4-BE49-F238E27FC236}">
-                <a16:creationId xmlns:a16="http://schemas.microsoft.com/office/drawing/2014/main" id="{65613985-D726-42C1-87F4-030881B05FE6}"/>
-              </a:ext>
-            </a:extLst>
-          </p:cNvPr>
-          <p:cNvPicPr>
-            <a:picLocks noChangeAspect="1"/>
-          </p:cNvPicPr>
-          <p:nvPr/>
-        </p:nvPicPr>
-        <p:blipFill>
-          <a:blip r:embed="rId13">
-            <a:extLst>
-              <a:ext uri="{96DAC541-7B7A-43D3-8B79-37D633B846F1}">
-                <asvg:svgBlip xmlns:asvg="http://schemas.microsoft.com/office/drawing/2016/SVG/main" r:embed="rId14"/>
-              </a:ext>
-            </a:extLst>
-          </a:blip>
-          <a:stretch>
-            <a:fillRect/>
-          </a:stretch>
-        </p:blipFill>
-        <p:spPr>
-          <a:xfrm>
-            <a:off x="1658048" y="2573981"/>
-            <a:ext cx="449422" cy="449422"/>
-          </a:xfrm>
-          <a:prstGeom prst="rect">
-            <a:avLst/>
-          </a:prstGeom>
-        </p:spPr>
-      </p:pic>
-      <p:sp>
-        <p:nvSpPr>
-          <p:cNvPr id="41" name="Google Shape;118;p18">
-            <a:extLst>
-              <a:ext uri="{FF2B5EF4-FFF2-40B4-BE49-F238E27FC236}">
-                <a16:creationId xmlns:a16="http://schemas.microsoft.com/office/drawing/2014/main" id="{BBF61600-6762-440A-91C1-ED329BD56A45}"/>
-              </a:ext>
-            </a:extLst>
-          </p:cNvPr>
-          <p:cNvSpPr txBox="1"/>
-          <p:nvPr/>
-        </p:nvSpPr>
-        <p:spPr>
-          <a:xfrm>
-            <a:off x="1370560" y="3031249"/>
-            <a:ext cx="1024397" cy="349200"/>
-          </a:xfrm>
-          <a:prstGeom prst="rect">
-            <a:avLst/>
-          </a:prstGeom>
-          <a:noFill/>
-          <a:ln>
+            </a:prstGeom>
             <a:noFill/>
-          </a:ln>
-        </p:spPr>
-        <p:txBody>
-          <a:bodyPr spcFirstLastPara="1" wrap="square" lIns="91425" tIns="45700" rIns="91425" bIns="45700" anchor="t" anchorCtr="0">
-            <a:noAutofit/>
-          </a:bodyPr>
-          <a:lstStyle/>
-          <a:p>
-            <a:pPr lvl="0" algn="ctr"/>
-            <a:r>
-              <a:rPr lang="ko" sz="1000" dirty="0">
-                <a:solidFill>
-                  <a:srgbClr val="232F3D"/>
-                </a:solidFill>
-                <a:latin typeface="Arial"/>
-                <a:ea typeface="Arial"/>
-                <a:cs typeface="Arial"/>
-                <a:sym typeface="Arial"/>
-              </a:rPr>
-              <a:t>Amazon </a:t>
-            </a:r>
-            <a:endParaRPr lang="en-US" altLang="ko" sz="1000" dirty="0">
+            <a:ln>
               <a:solidFill>
-                <a:srgbClr val="232F3D"/>
+                <a:srgbClr val="535B63"/>
               </a:solidFill>
-              <a:latin typeface="Arial"/>
-              <a:ea typeface="Arial"/>
-              <a:cs typeface="Arial"/>
-              <a:sym typeface="Arial"/>
-            </a:endParaRPr>
-          </a:p>
-          <a:p>
-            <a:pPr lvl="0" algn="ctr"/>
-            <a:r>
-              <a:rPr lang="en-US" altLang="ko" sz="1000" dirty="0">
-                <a:solidFill>
-                  <a:srgbClr val="232F3D"/>
-                </a:solidFill>
-              </a:rPr>
-              <a:t>Step Functions</a:t>
-            </a:r>
-            <a:endParaRPr sz="1000" dirty="0"/>
-          </a:p>
-        </p:txBody>
-      </p:sp>
-      <p:sp>
-        <p:nvSpPr>
-          <p:cNvPr id="25" name="순서도: 판단 24">
-            <a:extLst>
-              <a:ext uri="{FF2B5EF4-FFF2-40B4-BE49-F238E27FC236}">
-                <a16:creationId xmlns:a16="http://schemas.microsoft.com/office/drawing/2014/main" id="{8D0EB028-3590-45BD-84B8-63D46F28AA22}"/>
-              </a:ext>
-            </a:extLst>
-          </p:cNvPr>
-          <p:cNvSpPr/>
-          <p:nvPr/>
-        </p:nvSpPr>
-        <p:spPr>
-          <a:xfrm>
-            <a:off x="3379298" y="2572393"/>
-            <a:ext cx="844989" cy="435600"/>
-          </a:xfrm>
-          <a:prstGeom prst="flowChartDecision">
-            <a:avLst/>
-          </a:prstGeom>
-        </p:spPr>
-        <p:style>
-          <a:lnRef idx="2">
-            <a:schemeClr val="accent1">
-              <a:shade val="50000"/>
-            </a:schemeClr>
-          </a:lnRef>
-          <a:fillRef idx="1">
-            <a:schemeClr val="accent1"/>
-          </a:fillRef>
-          <a:effectRef idx="0">
-            <a:schemeClr val="accent1"/>
-          </a:effectRef>
-          <a:fontRef idx="minor">
-            <a:schemeClr val="lt1"/>
-          </a:fontRef>
-        </p:style>
-        <p:txBody>
-          <a:bodyPr vert="horz" rtlCol="0" anchor="ctr"/>
-          <a:lstStyle/>
-          <a:p>
-            <a:pPr algn="ctr"/>
-            <a:r>
-              <a:rPr lang="en-US" altLang="ko-KR" sz="800" dirty="0"/>
-              <a:t>Pass</a:t>
-            </a:r>
-            <a:endParaRPr lang="ko-KR" altLang="en-US" sz="800" dirty="0"/>
-          </a:p>
-        </p:txBody>
-      </p:sp>
-      <p:cxnSp>
-        <p:nvCxnSpPr>
-          <p:cNvPr id="57" name="Google Shape;120;p18">
-            <a:extLst>
-              <a:ext uri="{FF2B5EF4-FFF2-40B4-BE49-F238E27FC236}">
-                <a16:creationId xmlns:a16="http://schemas.microsoft.com/office/drawing/2014/main" id="{47EB5129-DB30-4F3D-8962-A68B6403D31F}"/>
-              </a:ext>
-            </a:extLst>
-          </p:cNvPr>
-          <p:cNvCxnSpPr>
-            <a:cxnSpLocks/>
-            <a:stCxn id="116" idx="3"/>
-            <a:endCxn id="25" idx="1"/>
-          </p:cNvCxnSpPr>
-          <p:nvPr/>
-        </p:nvCxnSpPr>
-        <p:spPr>
-          <a:xfrm>
-            <a:off x="2805969" y="2789520"/>
-            <a:ext cx="573329" cy="673"/>
-          </a:xfrm>
-          <a:prstGeom prst="straightConnector1">
-            <a:avLst/>
-          </a:prstGeom>
-          <a:noFill/>
-          <a:ln w="12700" cap="flat" cmpd="sng">
-            <a:solidFill>
-              <a:srgbClr val="535B63"/>
-            </a:solidFill>
-            <a:prstDash val="solid"/>
-            <a:miter lim="800000"/>
-            <a:headEnd type="none" w="sm" len="sm"/>
-            <a:tailEnd type="stealth" w="med" len="med"/>
-          </a:ln>
-        </p:spPr>
-      </p:cxnSp>
-      <p:cxnSp>
-        <p:nvCxnSpPr>
-          <p:cNvPr id="60" name="Google Shape;120;p18">
-            <a:extLst>
-              <a:ext uri="{FF2B5EF4-FFF2-40B4-BE49-F238E27FC236}">
-                <a16:creationId xmlns:a16="http://schemas.microsoft.com/office/drawing/2014/main" id="{90E837A8-9F43-4A56-B115-F9C3ED135319}"/>
-              </a:ext>
-            </a:extLst>
-          </p:cNvPr>
-          <p:cNvCxnSpPr>
-            <a:cxnSpLocks/>
-            <a:stCxn id="25" idx="3"/>
-            <a:endCxn id="35" idx="1"/>
-          </p:cNvCxnSpPr>
-          <p:nvPr/>
-        </p:nvCxnSpPr>
-        <p:spPr>
-          <a:xfrm flipV="1">
-            <a:off x="4224287" y="2789788"/>
-            <a:ext cx="563885" cy="405"/>
-          </a:xfrm>
-          <a:prstGeom prst="straightConnector1">
-            <a:avLst/>
-          </a:prstGeom>
-          <a:noFill/>
-          <a:ln w="12700" cap="flat" cmpd="sng">
-            <a:solidFill>
-              <a:srgbClr val="535B63"/>
-            </a:solidFill>
-            <a:prstDash val="solid"/>
-            <a:miter lim="800000"/>
-            <a:headEnd type="none" w="sm" len="sm"/>
-            <a:tailEnd type="stealth" w="med" len="med"/>
-          </a:ln>
-        </p:spPr>
-      </p:cxnSp>
-      <p:cxnSp>
-        <p:nvCxnSpPr>
-          <p:cNvPr id="46" name="연결선: 구부러짐 45">
-            <a:extLst>
-              <a:ext uri="{FF2B5EF4-FFF2-40B4-BE49-F238E27FC236}">
-                <a16:creationId xmlns:a16="http://schemas.microsoft.com/office/drawing/2014/main" id="{126BD2E2-67AF-4484-9EF8-224BFC4EA8B0}"/>
-              </a:ext>
-            </a:extLst>
-          </p:cNvPr>
-          <p:cNvCxnSpPr>
-            <a:cxnSpLocks/>
-            <a:stCxn id="25" idx="0"/>
-            <a:endCxn id="116" idx="0"/>
-          </p:cNvCxnSpPr>
-          <p:nvPr/>
-        </p:nvCxnSpPr>
-        <p:spPr>
-          <a:xfrm rot="16200000" flipV="1">
-            <a:off x="3190731" y="1961330"/>
-            <a:ext cx="82" cy="1222043"/>
-          </a:xfrm>
-          <a:prstGeom prst="curvedConnector3">
-            <a:avLst>
-              <a:gd name="adj1" fmla="val 470539024"/>
-            </a:avLst>
-          </a:prstGeom>
-          <a:ln>
-            <a:solidFill>
-              <a:srgbClr val="535B63"/>
-            </a:solidFill>
-            <a:tailEnd type="triangle"/>
-          </a:ln>
-        </p:spPr>
-        <p:style>
-          <a:lnRef idx="1">
-            <a:schemeClr val="dk1"/>
-          </a:lnRef>
-          <a:fillRef idx="0">
-            <a:schemeClr val="dk1"/>
-          </a:fillRef>
-          <a:effectRef idx="0">
-            <a:schemeClr val="dk1"/>
-          </a:effectRef>
-          <a:fontRef idx="minor">
-            <a:schemeClr val="tx1"/>
-          </a:fontRef>
-        </p:style>
-      </p:cxnSp>
-      <p:sp>
-        <p:nvSpPr>
-          <p:cNvPr id="49" name="TextBox 48">
-            <a:extLst>
-              <a:ext uri="{FF2B5EF4-FFF2-40B4-BE49-F238E27FC236}">
-                <a16:creationId xmlns:a16="http://schemas.microsoft.com/office/drawing/2014/main" id="{862F7F73-7EC8-4924-8217-CB21D5186173}"/>
-              </a:ext>
-            </a:extLst>
-          </p:cNvPr>
-          <p:cNvSpPr txBox="1"/>
-          <p:nvPr/>
-        </p:nvSpPr>
-        <p:spPr>
-          <a:xfrm>
-            <a:off x="4256991" y="2497921"/>
-            <a:ext cx="449097" cy="276999"/>
-          </a:xfrm>
-          <a:prstGeom prst="rect">
-            <a:avLst/>
-          </a:prstGeom>
-          <a:noFill/>
-          <a:ln>
-            <a:solidFill>
-              <a:srgbClr val="535B63"/>
-            </a:solidFill>
-          </a:ln>
-        </p:spPr>
-        <p:txBody>
-          <a:bodyPr wrap="square" rtlCol="0">
-            <a:spAutoFit/>
-          </a:bodyPr>
-          <a:lstStyle/>
-          <a:p>
-            <a:pPr algn="ctr"/>
-            <a:r>
-              <a:rPr lang="en-US" altLang="ko-KR" sz="1200" dirty="0"/>
-              <a:t>Yes</a:t>
-            </a:r>
-            <a:endParaRPr lang="ko-KR" altLang="en-US" dirty="0"/>
-          </a:p>
-        </p:txBody>
-      </p:sp>
-      <p:sp>
-        <p:nvSpPr>
-          <p:cNvPr id="68" name="TextBox 67">
-            <a:extLst>
-              <a:ext uri="{FF2B5EF4-FFF2-40B4-BE49-F238E27FC236}">
-                <a16:creationId xmlns:a16="http://schemas.microsoft.com/office/drawing/2014/main" id="{8FA349CD-B8DD-4874-83A9-5F1745E9975F}"/>
-              </a:ext>
-            </a:extLst>
-          </p:cNvPr>
-          <p:cNvSpPr txBox="1"/>
-          <p:nvPr/>
-        </p:nvSpPr>
-        <p:spPr>
-          <a:xfrm>
-            <a:off x="3737853" y="2111059"/>
-            <a:ext cx="449097" cy="276999"/>
-          </a:xfrm>
-          <a:prstGeom prst="rect">
-            <a:avLst/>
-          </a:prstGeom>
-          <a:noFill/>
-          <a:ln>
-            <a:solidFill>
-              <a:srgbClr val="535B63"/>
-            </a:solidFill>
-          </a:ln>
-        </p:spPr>
-        <p:txBody>
-          <a:bodyPr wrap="square" rtlCol="0">
-            <a:spAutoFit/>
-          </a:bodyPr>
-          <a:lstStyle/>
-          <a:p>
-            <a:pPr algn="ctr"/>
-            <a:r>
-              <a:rPr lang="en-US" altLang="ko-KR" sz="1200" dirty="0"/>
-              <a:t>No</a:t>
-            </a:r>
-            <a:endParaRPr lang="ko-KR" altLang="en-US" dirty="0"/>
-          </a:p>
-        </p:txBody>
-      </p:sp>
-      <p:sp>
-        <p:nvSpPr>
-          <p:cNvPr id="35" name="TextBox 34">
-            <a:extLst>
-              <a:ext uri="{FF2B5EF4-FFF2-40B4-BE49-F238E27FC236}">
-                <a16:creationId xmlns:a16="http://schemas.microsoft.com/office/drawing/2014/main" id="{85CD8279-982C-4AA7-BE71-101DAD698483}"/>
-              </a:ext>
-            </a:extLst>
-          </p:cNvPr>
-          <p:cNvSpPr txBox="1"/>
-          <p:nvPr/>
-        </p:nvSpPr>
-        <p:spPr>
-          <a:xfrm>
-            <a:off x="4788172" y="2635899"/>
-            <a:ext cx="640052" cy="307777"/>
-          </a:xfrm>
-          <a:prstGeom prst="rect">
-            <a:avLst/>
-          </a:prstGeom>
-          <a:noFill/>
-          <a:ln>
-            <a:solidFill>
-              <a:srgbClr val="535B63"/>
-            </a:solidFill>
-          </a:ln>
-        </p:spPr>
-        <p:txBody>
-          <a:bodyPr wrap="square" rtlCol="0">
-            <a:spAutoFit/>
-          </a:bodyPr>
-          <a:lstStyle/>
-          <a:p>
-            <a:pPr algn="ctr"/>
-            <a:r>
-              <a:rPr lang="en-US" altLang="ko-KR" dirty="0"/>
-              <a:t>END</a:t>
-            </a:r>
-            <a:endParaRPr lang="ko-KR" altLang="en-US" dirty="0"/>
-          </a:p>
-        </p:txBody>
-      </p:sp>
+            </a:ln>
+          </p:spPr>
+          <p:txBody>
+            <a:bodyPr wrap="square" rtlCol="0">
+              <a:spAutoFit/>
+            </a:bodyPr>
+            <a:lstStyle/>
+            <a:p>
+              <a:pPr algn="ctr"/>
+              <a:r>
+                <a:rPr lang="en-US" altLang="ko-KR" dirty="0"/>
+                <a:t>END</a:t>
+              </a:r>
+              <a:endParaRPr lang="ko-KR" altLang="en-US" dirty="0"/>
+            </a:p>
+          </p:txBody>
+        </p:sp>
+      </p:grpSp>
     </p:spTree>
   </p:cSld>
   <p:clrMapOvr>
@@ -13193,50 +13214,6 @@
       </p:sp>
       <p:sp>
         <p:nvSpPr>
-          <p:cNvPr id="163" name="Google Shape;163;p20"/>
-          <p:cNvSpPr/>
-          <p:nvPr/>
-        </p:nvSpPr>
-        <p:spPr>
-          <a:xfrm>
-            <a:off x="251225" y="984675"/>
-            <a:ext cx="8641500" cy="3558900"/>
-          </a:xfrm>
-          <a:prstGeom prst="rect">
-            <a:avLst/>
-          </a:prstGeom>
-          <a:noFill/>
-          <a:ln w="12700" cap="flat" cmpd="sng">
-            <a:solidFill>
-              <a:srgbClr val="232F3D"/>
-            </a:solidFill>
-            <a:prstDash val="solid"/>
-            <a:miter lim="800000"/>
-            <a:headEnd type="none" w="sm" len="sm"/>
-            <a:tailEnd type="none" w="sm" len="sm"/>
-          </a:ln>
-        </p:spPr>
-        <p:txBody>
-          <a:bodyPr spcFirstLastPara="1" wrap="square" lIns="457200" tIns="91425" rIns="91425" bIns="45700" anchor="t" anchorCtr="0">
-            <a:noAutofit/>
-          </a:bodyPr>
-          <a:lstStyle/>
-          <a:p>
-            <a:pPr marL="0" marR="0" lvl="0" indent="0" algn="l" rtl="0">
-              <a:spcBef>
-                <a:spcPts val="0"/>
-              </a:spcBef>
-              <a:spcAft>
-                <a:spcPts val="0"/>
-              </a:spcAft>
-              <a:buNone/>
-            </a:pPr>
-            <a:endParaRPr/>
-          </a:p>
-        </p:txBody>
-      </p:sp>
-      <p:sp>
-        <p:nvSpPr>
           <p:cNvPr id="50" name="Google Shape;106;p18">
             <a:extLst>
               <a:ext uri="{FF2B5EF4-FFF2-40B4-BE49-F238E27FC236}">
@@ -13698,1209 +13675,1282 @@
           </a:p>
         </p:txBody>
       </p:sp>
-      <p:sp>
-        <p:nvSpPr>
-          <p:cNvPr id="43" name="Google Shape;164;p20">
+      <p:grpSp>
+        <p:nvGrpSpPr>
+          <p:cNvPr id="2" name="그룹 1">
             <a:extLst>
               <a:ext uri="{FF2B5EF4-FFF2-40B4-BE49-F238E27FC236}">
-                <a16:creationId xmlns:a16="http://schemas.microsoft.com/office/drawing/2014/main" id="{AF685A48-6A02-47F5-AFEF-370FE1BD2152}"/>
+                <a16:creationId xmlns:a16="http://schemas.microsoft.com/office/drawing/2014/main" id="{C93057AE-561A-4438-B6F9-27A1E956D21D}"/>
               </a:ext>
             </a:extLst>
           </p:cNvPr>
-          <p:cNvSpPr txBox="1"/>
+          <p:cNvGrpSpPr/>
           <p:nvPr/>
-        </p:nvSpPr>
-        <p:spPr>
+        </p:nvGrpSpPr>
+        <p:grpSpPr>
           <a:xfrm>
-            <a:off x="298127" y="984675"/>
-            <a:ext cx="1323600" cy="448500"/>
+            <a:off x="251225" y="984675"/>
+            <a:ext cx="5760638" cy="3558900"/>
+            <a:chOff x="251225" y="984675"/>
+            <a:chExt cx="5760638" cy="3558900"/>
           </a:xfrm>
-          <a:prstGeom prst="rect">
-            <a:avLst/>
-          </a:prstGeom>
-          <a:noFill/>
-          <a:ln>
+        </p:grpSpPr>
+        <p:sp>
+          <p:nvSpPr>
+            <p:cNvPr id="163" name="Google Shape;163;p20"/>
+            <p:cNvSpPr/>
+            <p:nvPr/>
+          </p:nvSpPr>
+          <p:spPr>
+            <a:xfrm>
+              <a:off x="251225" y="984675"/>
+              <a:ext cx="5760638" cy="3558900"/>
+            </a:xfrm>
+            <a:prstGeom prst="rect">
+              <a:avLst/>
+            </a:prstGeom>
             <a:noFill/>
-          </a:ln>
-        </p:spPr>
-        <p:txBody>
-          <a:bodyPr spcFirstLastPara="1" wrap="square" lIns="91425" tIns="91425" rIns="91425" bIns="91425" anchor="ctr" anchorCtr="0">
-            <a:noAutofit/>
-          </a:bodyPr>
-          <a:lstStyle/>
-          <a:p>
-            <a:pPr marL="0" lvl="0" indent="0" algn="ctr" rtl="0">
-              <a:spcBef>
-                <a:spcPts val="0"/>
-              </a:spcBef>
-              <a:spcAft>
-                <a:spcPts val="0"/>
-              </a:spcAft>
-              <a:buNone/>
-            </a:pPr>
-            <a:r>
-              <a:rPr lang="ko" dirty="0"/>
-              <a:t>CloudWatch</a:t>
-            </a:r>
-            <a:endParaRPr dirty="0"/>
-          </a:p>
-        </p:txBody>
-      </p:sp>
-      <p:sp>
-        <p:nvSpPr>
-          <p:cNvPr id="44" name="Google Shape;165;p20">
-            <a:extLst>
-              <a:ext uri="{FF2B5EF4-FFF2-40B4-BE49-F238E27FC236}">
-                <a16:creationId xmlns:a16="http://schemas.microsoft.com/office/drawing/2014/main" id="{75F4AED9-A2BC-4909-B47F-99C0BB4DEC7B}"/>
-              </a:ext>
-            </a:extLst>
-          </p:cNvPr>
-          <p:cNvSpPr txBox="1"/>
-          <p:nvPr/>
-        </p:nvSpPr>
-        <p:spPr>
-          <a:xfrm>
-            <a:off x="1522946" y="984675"/>
-            <a:ext cx="1323600" cy="448500"/>
-          </a:xfrm>
-          <a:prstGeom prst="rect">
-            <a:avLst/>
-          </a:prstGeom>
-          <a:noFill/>
-          <a:ln>
+            <a:ln w="12700" cap="flat" cmpd="sng">
+              <a:solidFill>
+                <a:srgbClr val="232F3D"/>
+              </a:solidFill>
+              <a:prstDash val="solid"/>
+              <a:miter lim="800000"/>
+              <a:headEnd type="none" w="sm" len="sm"/>
+              <a:tailEnd type="none" w="sm" len="sm"/>
+            </a:ln>
+          </p:spPr>
+          <p:txBody>
+            <a:bodyPr spcFirstLastPara="1" wrap="square" lIns="457200" tIns="91425" rIns="91425" bIns="45700" anchor="t" anchorCtr="0">
+              <a:noAutofit/>
+            </a:bodyPr>
+            <a:lstStyle/>
+            <a:p>
+              <a:pPr marL="0" marR="0" lvl="0" indent="0" algn="l" rtl="0">
+                <a:spcBef>
+                  <a:spcPts val="0"/>
+                </a:spcBef>
+                <a:spcAft>
+                  <a:spcPts val="0"/>
+                </a:spcAft>
+                <a:buNone/>
+              </a:pPr>
+              <a:endParaRPr/>
+            </a:p>
+          </p:txBody>
+        </p:sp>
+        <p:sp>
+          <p:nvSpPr>
+            <p:cNvPr id="43" name="Google Shape;164;p20">
+              <a:extLst>
+                <a:ext uri="{FF2B5EF4-FFF2-40B4-BE49-F238E27FC236}">
+                  <a16:creationId xmlns:a16="http://schemas.microsoft.com/office/drawing/2014/main" id="{AF685A48-6A02-47F5-AFEF-370FE1BD2152}"/>
+                </a:ext>
+              </a:extLst>
+            </p:cNvPr>
+            <p:cNvSpPr txBox="1"/>
+            <p:nvPr/>
+          </p:nvSpPr>
+          <p:spPr>
+            <a:xfrm>
+              <a:off x="298127" y="984675"/>
+              <a:ext cx="1323600" cy="448500"/>
+            </a:xfrm>
+            <a:prstGeom prst="rect">
+              <a:avLst/>
+            </a:prstGeom>
             <a:noFill/>
-          </a:ln>
-        </p:spPr>
-        <p:txBody>
-          <a:bodyPr spcFirstLastPara="1" wrap="square" lIns="91425" tIns="91425" rIns="91425" bIns="91425" anchor="ctr" anchorCtr="0">
-            <a:noAutofit/>
-          </a:bodyPr>
-          <a:lstStyle/>
-          <a:p>
-            <a:pPr marL="0" lvl="0" indent="0" algn="ctr" rtl="0">
-              <a:spcBef>
-                <a:spcPts val="0"/>
-              </a:spcBef>
-              <a:spcAft>
-                <a:spcPts val="0"/>
-              </a:spcAft>
-              <a:buNone/>
-            </a:pPr>
-            <a:r>
-              <a:rPr lang="en-US" dirty="0"/>
-              <a:t>Step Functions</a:t>
-            </a:r>
-            <a:endParaRPr dirty="0"/>
-          </a:p>
-        </p:txBody>
-      </p:sp>
-      <p:sp>
-        <p:nvSpPr>
-          <p:cNvPr id="45" name="Google Shape;166;p20">
-            <a:extLst>
-              <a:ext uri="{FF2B5EF4-FFF2-40B4-BE49-F238E27FC236}">
-                <a16:creationId xmlns:a16="http://schemas.microsoft.com/office/drawing/2014/main" id="{5D7E8163-5789-42EB-ADC0-C734295A1E76}"/>
-              </a:ext>
-            </a:extLst>
-          </p:cNvPr>
-          <p:cNvSpPr txBox="1"/>
-          <p:nvPr/>
-        </p:nvSpPr>
-        <p:spPr>
-          <a:xfrm>
-            <a:off x="3556004" y="984675"/>
-            <a:ext cx="1323600" cy="448500"/>
-          </a:xfrm>
-          <a:prstGeom prst="rect">
-            <a:avLst/>
-          </a:prstGeom>
-          <a:noFill/>
-          <a:ln>
+            <a:ln>
+              <a:noFill/>
+            </a:ln>
+          </p:spPr>
+          <p:txBody>
+            <a:bodyPr spcFirstLastPara="1" wrap="square" lIns="91425" tIns="91425" rIns="91425" bIns="91425" anchor="ctr" anchorCtr="0">
+              <a:noAutofit/>
+            </a:bodyPr>
+            <a:lstStyle/>
+            <a:p>
+              <a:pPr marL="0" lvl="0" indent="0" algn="ctr" rtl="0">
+                <a:spcBef>
+                  <a:spcPts val="0"/>
+                </a:spcBef>
+                <a:spcAft>
+                  <a:spcPts val="0"/>
+                </a:spcAft>
+                <a:buNone/>
+              </a:pPr>
+              <a:r>
+                <a:rPr lang="ko" dirty="0"/>
+                <a:t>CloudWatch</a:t>
+              </a:r>
+              <a:endParaRPr dirty="0"/>
+            </a:p>
+          </p:txBody>
+        </p:sp>
+        <p:sp>
+          <p:nvSpPr>
+            <p:cNvPr id="44" name="Google Shape;165;p20">
+              <a:extLst>
+                <a:ext uri="{FF2B5EF4-FFF2-40B4-BE49-F238E27FC236}">
+                  <a16:creationId xmlns:a16="http://schemas.microsoft.com/office/drawing/2014/main" id="{75F4AED9-A2BC-4909-B47F-99C0BB4DEC7B}"/>
+                </a:ext>
+              </a:extLst>
+            </p:cNvPr>
+            <p:cNvSpPr txBox="1"/>
+            <p:nvPr/>
+          </p:nvSpPr>
+          <p:spPr>
+            <a:xfrm>
+              <a:off x="1522946" y="984675"/>
+              <a:ext cx="1323600" cy="448500"/>
+            </a:xfrm>
+            <a:prstGeom prst="rect">
+              <a:avLst/>
+            </a:prstGeom>
             <a:noFill/>
-          </a:ln>
-        </p:spPr>
-        <p:txBody>
-          <a:bodyPr spcFirstLastPara="1" wrap="square" lIns="91425" tIns="91425" rIns="91425" bIns="91425" anchor="ctr" anchorCtr="0">
-            <a:noAutofit/>
-          </a:bodyPr>
-          <a:lstStyle/>
-          <a:p>
-            <a:pPr marL="0" lvl="0" indent="0" algn="ctr" rtl="0">
-              <a:spcBef>
-                <a:spcPts val="0"/>
-              </a:spcBef>
-              <a:spcAft>
-                <a:spcPts val="0"/>
-              </a:spcAft>
-              <a:buNone/>
-            </a:pPr>
-            <a:r>
-              <a:rPr lang="ko" dirty="0"/>
-              <a:t>EC2</a:t>
-            </a:r>
-            <a:r>
-              <a:rPr lang="en-US" altLang="ko" dirty="0"/>
-              <a:t>, RDS</a:t>
-            </a:r>
-            <a:endParaRPr dirty="0"/>
-          </a:p>
-        </p:txBody>
-      </p:sp>
-      <p:sp>
-        <p:nvSpPr>
-          <p:cNvPr id="46" name="Google Shape;167;p20">
-            <a:extLst>
-              <a:ext uri="{FF2B5EF4-FFF2-40B4-BE49-F238E27FC236}">
-                <a16:creationId xmlns:a16="http://schemas.microsoft.com/office/drawing/2014/main" id="{7221B016-45FE-4058-A7D9-9A4F3E320F2B}"/>
-              </a:ext>
-            </a:extLst>
-          </p:cNvPr>
-          <p:cNvSpPr txBox="1"/>
-          <p:nvPr/>
-        </p:nvSpPr>
-        <p:spPr>
-          <a:xfrm>
-            <a:off x="4520515" y="984675"/>
-            <a:ext cx="1323600" cy="448500"/>
-          </a:xfrm>
-          <a:prstGeom prst="rect">
-            <a:avLst/>
-          </a:prstGeom>
-          <a:noFill/>
-          <a:ln>
+            <a:ln>
+              <a:noFill/>
+            </a:ln>
+          </p:spPr>
+          <p:txBody>
+            <a:bodyPr spcFirstLastPara="1" wrap="square" lIns="91425" tIns="91425" rIns="91425" bIns="91425" anchor="ctr" anchorCtr="0">
+              <a:noAutofit/>
+            </a:bodyPr>
+            <a:lstStyle/>
+            <a:p>
+              <a:pPr marL="0" lvl="0" indent="0" algn="ctr" rtl="0">
+                <a:spcBef>
+                  <a:spcPts val="0"/>
+                </a:spcBef>
+                <a:spcAft>
+                  <a:spcPts val="0"/>
+                </a:spcAft>
+                <a:buNone/>
+              </a:pPr>
+              <a:r>
+                <a:rPr lang="en-US" dirty="0"/>
+                <a:t>Step Functions</a:t>
+              </a:r>
+              <a:endParaRPr dirty="0"/>
+            </a:p>
+          </p:txBody>
+        </p:sp>
+        <p:sp>
+          <p:nvSpPr>
+            <p:cNvPr id="45" name="Google Shape;166;p20">
+              <a:extLst>
+                <a:ext uri="{FF2B5EF4-FFF2-40B4-BE49-F238E27FC236}">
+                  <a16:creationId xmlns:a16="http://schemas.microsoft.com/office/drawing/2014/main" id="{5D7E8163-5789-42EB-ADC0-C734295A1E76}"/>
+                </a:ext>
+              </a:extLst>
+            </p:cNvPr>
+            <p:cNvSpPr txBox="1"/>
+            <p:nvPr/>
+          </p:nvSpPr>
+          <p:spPr>
+            <a:xfrm>
+              <a:off x="3556004" y="984675"/>
+              <a:ext cx="1323600" cy="448500"/>
+            </a:xfrm>
+            <a:prstGeom prst="rect">
+              <a:avLst/>
+            </a:prstGeom>
             <a:noFill/>
-          </a:ln>
-        </p:spPr>
-        <p:txBody>
-          <a:bodyPr spcFirstLastPara="1" wrap="square" lIns="91425" tIns="91425" rIns="91425" bIns="91425" anchor="ctr" anchorCtr="0">
-            <a:noAutofit/>
-          </a:bodyPr>
-          <a:lstStyle/>
-          <a:p>
-            <a:pPr marL="0" lvl="0" indent="0" algn="ctr" rtl="0">
-              <a:spcBef>
-                <a:spcPts val="0"/>
-              </a:spcBef>
-              <a:spcAft>
-                <a:spcPts val="0"/>
-              </a:spcAft>
-              <a:buNone/>
-            </a:pPr>
-            <a:r>
-              <a:rPr lang="ko" dirty="0"/>
-              <a:t>S</a:t>
-            </a:r>
-            <a:r>
-              <a:rPr lang="en-US" altLang="ko" dirty="0"/>
-              <a:t>3</a:t>
-            </a:r>
-          </a:p>
-          <a:p>
-            <a:pPr marL="0" lvl="0" indent="0" algn="ctr" rtl="0">
-              <a:spcBef>
-                <a:spcPts val="0"/>
-              </a:spcBef>
-              <a:spcAft>
-                <a:spcPts val="0"/>
-              </a:spcAft>
-              <a:buNone/>
-            </a:pPr>
-            <a:r>
-              <a:rPr lang="en-US" dirty="0"/>
-              <a:t>DynamoDB</a:t>
-            </a:r>
-            <a:endParaRPr dirty="0"/>
-          </a:p>
-        </p:txBody>
-      </p:sp>
-      <p:cxnSp>
-        <p:nvCxnSpPr>
-          <p:cNvPr id="47" name="Google Shape;169;p20">
-            <a:extLst>
-              <a:ext uri="{FF2B5EF4-FFF2-40B4-BE49-F238E27FC236}">
-                <a16:creationId xmlns:a16="http://schemas.microsoft.com/office/drawing/2014/main" id="{7DF75F21-8F35-4F2F-A215-E475EE2DF7A3}"/>
-              </a:ext>
-            </a:extLst>
-          </p:cNvPr>
-          <p:cNvCxnSpPr>
-            <a:stCxn id="43" idx="2"/>
-          </p:cNvCxnSpPr>
-          <p:nvPr/>
-        </p:nvCxnSpPr>
-        <p:spPr>
-          <a:xfrm>
-            <a:off x="959927" y="1433175"/>
-            <a:ext cx="600" cy="3032700"/>
-          </a:xfrm>
-          <a:prstGeom prst="straightConnector1">
-            <a:avLst/>
-          </a:prstGeom>
-          <a:noFill/>
-          <a:ln w="38100" cap="flat" cmpd="sng">
+            <a:ln>
+              <a:noFill/>
+            </a:ln>
+          </p:spPr>
+          <p:txBody>
+            <a:bodyPr spcFirstLastPara="1" wrap="square" lIns="91425" tIns="91425" rIns="91425" bIns="91425" anchor="ctr" anchorCtr="0">
+              <a:noAutofit/>
+            </a:bodyPr>
+            <a:lstStyle/>
+            <a:p>
+              <a:pPr marL="0" lvl="0" indent="0" algn="ctr" rtl="0">
+                <a:spcBef>
+                  <a:spcPts val="0"/>
+                </a:spcBef>
+                <a:spcAft>
+                  <a:spcPts val="0"/>
+                </a:spcAft>
+                <a:buNone/>
+              </a:pPr>
+              <a:r>
+                <a:rPr lang="ko" dirty="0"/>
+                <a:t>EC2</a:t>
+              </a:r>
+              <a:r>
+                <a:rPr lang="en-US" altLang="ko" dirty="0"/>
+                <a:t>, RDS</a:t>
+              </a:r>
+              <a:endParaRPr dirty="0"/>
+            </a:p>
+          </p:txBody>
+        </p:sp>
+        <p:sp>
+          <p:nvSpPr>
+            <p:cNvPr id="46" name="Google Shape;167;p20">
+              <a:extLst>
+                <a:ext uri="{FF2B5EF4-FFF2-40B4-BE49-F238E27FC236}">
+                  <a16:creationId xmlns:a16="http://schemas.microsoft.com/office/drawing/2014/main" id="{7221B016-45FE-4058-A7D9-9A4F3E320F2B}"/>
+                </a:ext>
+              </a:extLst>
+            </p:cNvPr>
+            <p:cNvSpPr txBox="1"/>
+            <p:nvPr/>
+          </p:nvSpPr>
+          <p:spPr>
+            <a:xfrm>
+              <a:off x="4520515" y="984675"/>
+              <a:ext cx="1323600" cy="448500"/>
+            </a:xfrm>
+            <a:prstGeom prst="rect">
+              <a:avLst/>
+            </a:prstGeom>
+            <a:noFill/>
+            <a:ln>
+              <a:noFill/>
+            </a:ln>
+          </p:spPr>
+          <p:txBody>
+            <a:bodyPr spcFirstLastPara="1" wrap="square" lIns="91425" tIns="91425" rIns="91425" bIns="91425" anchor="ctr" anchorCtr="0">
+              <a:noAutofit/>
+            </a:bodyPr>
+            <a:lstStyle/>
+            <a:p>
+              <a:pPr marL="0" lvl="0" indent="0" algn="ctr" rtl="0">
+                <a:spcBef>
+                  <a:spcPts val="0"/>
+                </a:spcBef>
+                <a:spcAft>
+                  <a:spcPts val="0"/>
+                </a:spcAft>
+                <a:buNone/>
+              </a:pPr>
+              <a:r>
+                <a:rPr lang="ko" dirty="0"/>
+                <a:t>S</a:t>
+              </a:r>
+              <a:r>
+                <a:rPr lang="en-US" altLang="ko" dirty="0"/>
+                <a:t>3</a:t>
+              </a:r>
+            </a:p>
+            <a:p>
+              <a:pPr marL="0" lvl="0" indent="0" algn="ctr" rtl="0">
+                <a:spcBef>
+                  <a:spcPts val="0"/>
+                </a:spcBef>
+                <a:spcAft>
+                  <a:spcPts val="0"/>
+                </a:spcAft>
+                <a:buNone/>
+              </a:pPr>
+              <a:r>
+                <a:rPr lang="en-US" dirty="0"/>
+                <a:t>DynamoDB</a:t>
+              </a:r>
+              <a:endParaRPr dirty="0"/>
+            </a:p>
+          </p:txBody>
+        </p:sp>
+        <p:cxnSp>
+          <p:nvCxnSpPr>
+            <p:cNvPr id="47" name="Google Shape;169;p20">
+              <a:extLst>
+                <a:ext uri="{FF2B5EF4-FFF2-40B4-BE49-F238E27FC236}">
+                  <a16:creationId xmlns:a16="http://schemas.microsoft.com/office/drawing/2014/main" id="{7DF75F21-8F35-4F2F-A215-E475EE2DF7A3}"/>
+                </a:ext>
+              </a:extLst>
+            </p:cNvPr>
+            <p:cNvCxnSpPr>
+              <a:stCxn id="43" idx="2"/>
+            </p:cNvCxnSpPr>
+            <p:nvPr/>
+          </p:nvCxnSpPr>
+          <p:spPr>
+            <a:xfrm>
+              <a:off x="959927" y="1433175"/>
+              <a:ext cx="600" cy="3032700"/>
+            </a:xfrm>
+            <a:prstGeom prst="straightConnector1">
+              <a:avLst/>
+            </a:prstGeom>
+            <a:noFill/>
+            <a:ln w="38100" cap="flat" cmpd="sng">
+              <a:solidFill>
+                <a:schemeClr val="dk2"/>
+              </a:solidFill>
+              <a:prstDash val="dash"/>
+              <a:round/>
+              <a:headEnd type="none" w="med" len="med"/>
+              <a:tailEnd type="none" w="med" len="med"/>
+            </a:ln>
+          </p:spPr>
+        </p:cxnSp>
+        <p:cxnSp>
+          <p:nvCxnSpPr>
+            <p:cNvPr id="48" name="Google Shape;170;p20">
+              <a:extLst>
+                <a:ext uri="{FF2B5EF4-FFF2-40B4-BE49-F238E27FC236}">
+                  <a16:creationId xmlns:a16="http://schemas.microsoft.com/office/drawing/2014/main" id="{BC563B7D-705D-404F-9601-DE8AA110401B}"/>
+                </a:ext>
+              </a:extLst>
+            </p:cNvPr>
+            <p:cNvCxnSpPr/>
+            <p:nvPr/>
+          </p:nvCxnSpPr>
+          <p:spPr>
+            <a:xfrm>
+              <a:off x="2184497" y="1433165"/>
+              <a:ext cx="600" cy="3032700"/>
+            </a:xfrm>
+            <a:prstGeom prst="straightConnector1">
+              <a:avLst/>
+            </a:prstGeom>
+            <a:noFill/>
+            <a:ln w="38100" cap="flat" cmpd="sng">
+              <a:solidFill>
+                <a:schemeClr val="dk2"/>
+              </a:solidFill>
+              <a:prstDash val="dash"/>
+              <a:round/>
+              <a:headEnd type="none" w="med" len="med"/>
+              <a:tailEnd type="none" w="med" len="med"/>
+            </a:ln>
+          </p:spPr>
+        </p:cxnSp>
+        <p:cxnSp>
+          <p:nvCxnSpPr>
+            <p:cNvPr id="49" name="Google Shape;171;p20">
+              <a:extLst>
+                <a:ext uri="{FF2B5EF4-FFF2-40B4-BE49-F238E27FC236}">
+                  <a16:creationId xmlns:a16="http://schemas.microsoft.com/office/drawing/2014/main" id="{886F0DB7-6208-408C-AD54-DF4DAD3B495F}"/>
+                </a:ext>
+              </a:extLst>
+            </p:cNvPr>
+            <p:cNvCxnSpPr/>
+            <p:nvPr/>
+          </p:nvCxnSpPr>
+          <p:spPr>
+            <a:xfrm>
+              <a:off x="4202613" y="1433165"/>
+              <a:ext cx="600" cy="3032700"/>
+            </a:xfrm>
+            <a:prstGeom prst="straightConnector1">
+              <a:avLst/>
+            </a:prstGeom>
+            <a:noFill/>
+            <a:ln w="38100" cap="flat" cmpd="sng">
+              <a:solidFill>
+                <a:schemeClr val="dk2"/>
+              </a:solidFill>
+              <a:prstDash val="dash"/>
+              <a:round/>
+              <a:headEnd type="none" w="med" len="med"/>
+              <a:tailEnd type="none" w="med" len="med"/>
+            </a:ln>
+          </p:spPr>
+        </p:cxnSp>
+        <p:cxnSp>
+          <p:nvCxnSpPr>
+            <p:cNvPr id="53" name="Google Shape;172;p20">
+              <a:extLst>
+                <a:ext uri="{FF2B5EF4-FFF2-40B4-BE49-F238E27FC236}">
+                  <a16:creationId xmlns:a16="http://schemas.microsoft.com/office/drawing/2014/main" id="{2DFFC25F-A0A9-4C6A-8EE2-42649AAE6F13}"/>
+                </a:ext>
+              </a:extLst>
+            </p:cNvPr>
+            <p:cNvCxnSpPr/>
+            <p:nvPr/>
+          </p:nvCxnSpPr>
+          <p:spPr>
+            <a:xfrm>
+              <a:off x="5182066" y="1433165"/>
+              <a:ext cx="600" cy="3032700"/>
+            </a:xfrm>
+            <a:prstGeom prst="straightConnector1">
+              <a:avLst/>
+            </a:prstGeom>
+            <a:noFill/>
+            <a:ln w="38100" cap="flat" cmpd="sng">
+              <a:solidFill>
+                <a:schemeClr val="dk2"/>
+              </a:solidFill>
+              <a:prstDash val="dash"/>
+              <a:round/>
+              <a:headEnd type="none" w="med" len="med"/>
+              <a:tailEnd type="none" w="med" len="med"/>
+            </a:ln>
+          </p:spPr>
+        </p:cxnSp>
+        <p:cxnSp>
+          <p:nvCxnSpPr>
+            <p:cNvPr id="54" name="Google Shape;174;p20">
+              <a:extLst>
+                <a:ext uri="{FF2B5EF4-FFF2-40B4-BE49-F238E27FC236}">
+                  <a16:creationId xmlns:a16="http://schemas.microsoft.com/office/drawing/2014/main" id="{0474FC0C-5322-4188-834A-1EE54B7672F1}"/>
+                </a:ext>
+              </a:extLst>
+            </p:cNvPr>
+            <p:cNvCxnSpPr>
+              <a:cxnSpLocks/>
+            </p:cNvCxnSpPr>
+            <p:nvPr/>
+          </p:nvCxnSpPr>
+          <p:spPr>
+            <a:xfrm>
+              <a:off x="1041822" y="1805740"/>
+              <a:ext cx="1012770" cy="0"/>
+            </a:xfrm>
+            <a:prstGeom prst="straightConnector1">
+              <a:avLst/>
+            </a:prstGeom>
+            <a:noFill/>
+            <a:ln w="28575" cap="flat" cmpd="sng">
+              <a:solidFill>
+                <a:schemeClr val="dk2"/>
+              </a:solidFill>
+              <a:prstDash val="solid"/>
+              <a:round/>
+              <a:headEnd type="none" w="med" len="med"/>
+              <a:tailEnd type="triangle" w="med" len="med"/>
+            </a:ln>
+          </p:spPr>
+        </p:cxnSp>
+        <p:cxnSp>
+          <p:nvCxnSpPr>
+            <p:cNvPr id="56" name="Google Shape;178;p20">
+              <a:extLst>
+                <a:ext uri="{FF2B5EF4-FFF2-40B4-BE49-F238E27FC236}">
+                  <a16:creationId xmlns:a16="http://schemas.microsoft.com/office/drawing/2014/main" id="{81742D1B-4697-4F7C-93F5-6B104BEE7184}"/>
+                </a:ext>
+              </a:extLst>
+            </p:cNvPr>
+            <p:cNvCxnSpPr>
+              <a:cxnSpLocks/>
+            </p:cNvCxnSpPr>
+            <p:nvPr/>
+          </p:nvCxnSpPr>
+          <p:spPr>
+            <a:xfrm flipH="1" flipV="1">
+              <a:off x="1041952" y="4386538"/>
+              <a:ext cx="1012640" cy="1"/>
+            </a:xfrm>
+            <a:prstGeom prst="straightConnector1">
+              <a:avLst/>
+            </a:prstGeom>
+            <a:noFill/>
+            <a:ln w="28575" cap="flat" cmpd="sng">
+              <a:solidFill>
+                <a:schemeClr val="dk2"/>
+              </a:solidFill>
+              <a:prstDash val="solid"/>
+              <a:round/>
+              <a:headEnd type="none" w="med" len="med"/>
+              <a:tailEnd type="triangle" w="med" len="med"/>
+            </a:ln>
+          </p:spPr>
+        </p:cxnSp>
+        <p:cxnSp>
+          <p:nvCxnSpPr>
+            <p:cNvPr id="57" name="Google Shape;180;p20">
+              <a:extLst>
+                <a:ext uri="{FF2B5EF4-FFF2-40B4-BE49-F238E27FC236}">
+                  <a16:creationId xmlns:a16="http://schemas.microsoft.com/office/drawing/2014/main" id="{5DBED8B2-615C-477E-963A-B873D13FC7BF}"/>
+                </a:ext>
+              </a:extLst>
+            </p:cNvPr>
+            <p:cNvCxnSpPr>
+              <a:cxnSpLocks/>
+            </p:cNvCxnSpPr>
+            <p:nvPr/>
+          </p:nvCxnSpPr>
+          <p:spPr>
+            <a:xfrm flipH="1">
+              <a:off x="3267435" y="3188985"/>
+              <a:ext cx="1831615" cy="0"/>
+            </a:xfrm>
+            <a:prstGeom prst="straightConnector1">
+              <a:avLst/>
+            </a:prstGeom>
+            <a:noFill/>
+            <a:ln w="28575" cap="flat" cmpd="sng">
+              <a:solidFill>
+                <a:schemeClr val="dk2"/>
+              </a:solidFill>
+              <a:prstDash val="solid"/>
+              <a:round/>
+              <a:headEnd type="none" w="med" len="med"/>
+              <a:tailEnd type="triangle" w="med" len="med"/>
+            </a:ln>
+          </p:spPr>
+        </p:cxnSp>
+        <p:sp>
+          <p:nvSpPr>
+            <p:cNvPr id="58" name="Google Shape;181;p20">
+              <a:extLst>
+                <a:ext uri="{FF2B5EF4-FFF2-40B4-BE49-F238E27FC236}">
+                  <a16:creationId xmlns:a16="http://schemas.microsoft.com/office/drawing/2014/main" id="{32F9E42A-2945-4800-89B1-DD3D976FA50A}"/>
+                </a:ext>
+              </a:extLst>
+            </p:cNvPr>
+            <p:cNvSpPr txBox="1"/>
+            <p:nvPr/>
+          </p:nvSpPr>
+          <p:spPr>
+            <a:xfrm>
+              <a:off x="1003272" y="1495605"/>
+              <a:ext cx="891300" cy="234000"/>
+            </a:xfrm>
+            <a:prstGeom prst="rect">
+              <a:avLst/>
+            </a:prstGeom>
             <a:solidFill>
-              <a:schemeClr val="dk2"/>
+              <a:schemeClr val="bg1"/>
             </a:solidFill>
-            <a:prstDash val="dash"/>
-            <a:round/>
-            <a:headEnd type="none" w="med" len="med"/>
-            <a:tailEnd type="none" w="med" len="med"/>
-          </a:ln>
-        </p:spPr>
-      </p:cxnSp>
-      <p:cxnSp>
-        <p:nvCxnSpPr>
-          <p:cNvPr id="48" name="Google Shape;170;p20">
-            <a:extLst>
-              <a:ext uri="{FF2B5EF4-FFF2-40B4-BE49-F238E27FC236}">
-                <a16:creationId xmlns:a16="http://schemas.microsoft.com/office/drawing/2014/main" id="{BC563B7D-705D-404F-9601-DE8AA110401B}"/>
-              </a:ext>
-            </a:extLst>
-          </p:cNvPr>
-          <p:cNvCxnSpPr/>
-          <p:nvPr/>
-        </p:nvCxnSpPr>
-        <p:spPr>
-          <a:xfrm>
-            <a:off x="2184497" y="1433165"/>
-            <a:ext cx="600" cy="3032700"/>
-          </a:xfrm>
-          <a:prstGeom prst="straightConnector1">
-            <a:avLst/>
-          </a:prstGeom>
-          <a:noFill/>
-          <a:ln w="38100" cap="flat" cmpd="sng">
+            <a:ln>
+              <a:noFill/>
+            </a:ln>
+          </p:spPr>
+          <p:txBody>
+            <a:bodyPr spcFirstLastPara="1" wrap="square" lIns="91425" tIns="91425" rIns="91425" bIns="91425" anchor="ctr" anchorCtr="0">
+              <a:noAutofit/>
+            </a:bodyPr>
+            <a:lstStyle/>
+            <a:p>
+              <a:pPr marL="0" lvl="0" indent="0" algn="ctr" rtl="0">
+                <a:spcBef>
+                  <a:spcPts val="0"/>
+                </a:spcBef>
+                <a:spcAft>
+                  <a:spcPts val="0"/>
+                </a:spcAft>
+                <a:buNone/>
+              </a:pPr>
+              <a:r>
+                <a:rPr lang="ko" sz="1200" dirty="0"/>
+                <a:t>trigger()</a:t>
+              </a:r>
+              <a:endParaRPr sz="1200" dirty="0"/>
+            </a:p>
+          </p:txBody>
+        </p:sp>
+        <p:sp>
+          <p:nvSpPr>
+            <p:cNvPr id="60" name="Google Shape;185;p20">
+              <a:extLst>
+                <a:ext uri="{FF2B5EF4-FFF2-40B4-BE49-F238E27FC236}">
+                  <a16:creationId xmlns:a16="http://schemas.microsoft.com/office/drawing/2014/main" id="{63677437-2A80-4B31-B2ED-31E04755AEC7}"/>
+                </a:ext>
+              </a:extLst>
+            </p:cNvPr>
+            <p:cNvSpPr txBox="1"/>
+            <p:nvPr/>
+          </p:nvSpPr>
+          <p:spPr>
+            <a:xfrm>
+              <a:off x="3583851" y="2870557"/>
+              <a:ext cx="991414" cy="234000"/>
+            </a:xfrm>
+            <a:prstGeom prst="rect">
+              <a:avLst/>
+            </a:prstGeom>
             <a:solidFill>
-              <a:schemeClr val="dk2"/>
+              <a:schemeClr val="bg1"/>
             </a:solidFill>
-            <a:prstDash val="dash"/>
-            <a:round/>
-            <a:headEnd type="none" w="med" len="med"/>
-            <a:tailEnd type="none" w="med" len="med"/>
-          </a:ln>
-        </p:spPr>
-      </p:cxnSp>
-      <p:cxnSp>
-        <p:nvCxnSpPr>
-          <p:cNvPr id="49" name="Google Shape;171;p20">
-            <a:extLst>
-              <a:ext uri="{FF2B5EF4-FFF2-40B4-BE49-F238E27FC236}">
-                <a16:creationId xmlns:a16="http://schemas.microsoft.com/office/drawing/2014/main" id="{886F0DB7-6208-408C-AD54-DF4DAD3B495F}"/>
-              </a:ext>
-            </a:extLst>
-          </p:cNvPr>
-          <p:cNvCxnSpPr/>
-          <p:nvPr/>
-        </p:nvCxnSpPr>
-        <p:spPr>
-          <a:xfrm>
-            <a:off x="4202613" y="1433165"/>
-            <a:ext cx="600" cy="3032700"/>
-          </a:xfrm>
-          <a:prstGeom prst="straightConnector1">
-            <a:avLst/>
-          </a:prstGeom>
-          <a:noFill/>
-          <a:ln w="38100" cap="flat" cmpd="sng">
+            <a:ln>
+              <a:noFill/>
+            </a:ln>
+          </p:spPr>
+          <p:txBody>
+            <a:bodyPr spcFirstLastPara="1" wrap="square" lIns="91425" tIns="91425" rIns="91425" bIns="91425" anchor="ctr" anchorCtr="0">
+              <a:noAutofit/>
+            </a:bodyPr>
+            <a:lstStyle/>
+            <a:p>
+              <a:pPr marL="0" lvl="0" indent="0" algn="ctr" rtl="0">
+                <a:spcBef>
+                  <a:spcPts val="0"/>
+                </a:spcBef>
+                <a:spcAft>
+                  <a:spcPts val="0"/>
+                </a:spcAft>
+                <a:buNone/>
+              </a:pPr>
+              <a:r>
+                <a:rPr lang="ko" sz="1200" dirty="0"/>
+                <a:t>notify_</a:t>
+              </a:r>
+              <a:r>
+                <a:rPr lang="en-US" altLang="ko" sz="1200" dirty="0"/>
+                <a:t>list</a:t>
+              </a:r>
+              <a:r>
+                <a:rPr lang="ko" sz="1200" dirty="0"/>
+                <a:t>()</a:t>
+              </a:r>
+              <a:endParaRPr sz="1200" dirty="0"/>
+            </a:p>
+          </p:txBody>
+        </p:sp>
+        <p:sp>
+          <p:nvSpPr>
+            <p:cNvPr id="61" name="Google Shape;187;p20">
+              <a:extLst>
+                <a:ext uri="{FF2B5EF4-FFF2-40B4-BE49-F238E27FC236}">
+                  <a16:creationId xmlns:a16="http://schemas.microsoft.com/office/drawing/2014/main" id="{5F63E306-CC60-4456-B7C9-8BA2B134822C}"/>
+                </a:ext>
+              </a:extLst>
+            </p:cNvPr>
+            <p:cNvSpPr txBox="1"/>
+            <p:nvPr/>
+          </p:nvSpPr>
+          <p:spPr>
+            <a:xfrm>
+              <a:off x="1003271" y="4085157"/>
+              <a:ext cx="1152117" cy="234000"/>
+            </a:xfrm>
+            <a:prstGeom prst="rect">
+              <a:avLst/>
+            </a:prstGeom>
             <a:solidFill>
-              <a:schemeClr val="dk2"/>
+              <a:schemeClr val="bg1"/>
             </a:solidFill>
-            <a:prstDash val="dash"/>
-            <a:round/>
-            <a:headEnd type="none" w="med" len="med"/>
-            <a:tailEnd type="none" w="med" len="med"/>
-          </a:ln>
-        </p:spPr>
-      </p:cxnSp>
-      <p:cxnSp>
-        <p:nvCxnSpPr>
-          <p:cNvPr id="53" name="Google Shape;172;p20">
-            <a:extLst>
-              <a:ext uri="{FF2B5EF4-FFF2-40B4-BE49-F238E27FC236}">
-                <a16:creationId xmlns:a16="http://schemas.microsoft.com/office/drawing/2014/main" id="{2DFFC25F-A0A9-4C6A-8EE2-42649AAE6F13}"/>
-              </a:ext>
-            </a:extLst>
-          </p:cNvPr>
-          <p:cNvCxnSpPr/>
-          <p:nvPr/>
-        </p:nvCxnSpPr>
-        <p:spPr>
-          <a:xfrm>
-            <a:off x="5182066" y="1433165"/>
-            <a:ext cx="600" cy="3032700"/>
-          </a:xfrm>
-          <a:prstGeom prst="straightConnector1">
-            <a:avLst/>
-          </a:prstGeom>
-          <a:noFill/>
-          <a:ln w="38100" cap="flat" cmpd="sng">
+            <a:ln>
+              <a:noFill/>
+            </a:ln>
+          </p:spPr>
+          <p:txBody>
+            <a:bodyPr spcFirstLastPara="1" wrap="square" lIns="91425" tIns="91425" rIns="91425" bIns="91425" anchor="ctr" anchorCtr="0">
+              <a:noAutofit/>
+            </a:bodyPr>
+            <a:lstStyle/>
+            <a:p>
+              <a:pPr marL="0" lvl="0" indent="0" algn="ctr" rtl="0">
+                <a:spcBef>
+                  <a:spcPts val="0"/>
+                </a:spcBef>
+                <a:spcAft>
+                  <a:spcPts val="0"/>
+                </a:spcAft>
+                <a:buNone/>
+              </a:pPr>
+              <a:r>
+                <a:rPr lang="ko" sz="1200" dirty="0"/>
+                <a:t>response_log()</a:t>
+              </a:r>
+              <a:endParaRPr sz="1200" dirty="0"/>
+            </a:p>
+          </p:txBody>
+        </p:sp>
+        <p:cxnSp>
+          <p:nvCxnSpPr>
+            <p:cNvPr id="62" name="Google Shape;175;p20">
+              <a:extLst>
+                <a:ext uri="{FF2B5EF4-FFF2-40B4-BE49-F238E27FC236}">
+                  <a16:creationId xmlns:a16="http://schemas.microsoft.com/office/drawing/2014/main" id="{9ECF4F87-C740-4AB0-8E9B-A2C7FFA691A8}"/>
+                </a:ext>
+              </a:extLst>
+            </p:cNvPr>
+            <p:cNvCxnSpPr>
+              <a:cxnSpLocks/>
+            </p:cNvCxnSpPr>
+            <p:nvPr/>
+          </p:nvCxnSpPr>
+          <p:spPr>
+            <a:xfrm>
+              <a:off x="3273180" y="2397392"/>
+              <a:ext cx="882895" cy="0"/>
+            </a:xfrm>
+            <a:prstGeom prst="straightConnector1">
+              <a:avLst/>
+            </a:prstGeom>
+            <a:noFill/>
+            <a:ln w="28575" cap="flat" cmpd="sng">
+              <a:solidFill>
+                <a:schemeClr val="dk2"/>
+              </a:solidFill>
+              <a:prstDash val="solid"/>
+              <a:round/>
+              <a:headEnd type="none" w="med" len="med"/>
+              <a:tailEnd type="triangle" w="med" len="med"/>
+            </a:ln>
+          </p:spPr>
+        </p:cxnSp>
+        <p:cxnSp>
+          <p:nvCxnSpPr>
+            <p:cNvPr id="63" name="Google Shape;179;p20">
+              <a:extLst>
+                <a:ext uri="{FF2B5EF4-FFF2-40B4-BE49-F238E27FC236}">
+                  <a16:creationId xmlns:a16="http://schemas.microsoft.com/office/drawing/2014/main" id="{9B518AA7-71BF-476F-BC10-2785CCC5D2F3}"/>
+                </a:ext>
+              </a:extLst>
+            </p:cNvPr>
+            <p:cNvCxnSpPr>
+              <a:cxnSpLocks/>
+            </p:cNvCxnSpPr>
+            <p:nvPr/>
+          </p:nvCxnSpPr>
+          <p:spPr>
+            <a:xfrm flipH="1">
+              <a:off x="3273313" y="2860429"/>
+              <a:ext cx="882762" cy="0"/>
+            </a:xfrm>
+            <a:prstGeom prst="straightConnector1">
+              <a:avLst/>
+            </a:prstGeom>
+            <a:noFill/>
+            <a:ln w="28575" cap="flat" cmpd="sng">
+              <a:solidFill>
+                <a:schemeClr val="dk2"/>
+              </a:solidFill>
+              <a:prstDash val="solid"/>
+              <a:round/>
+              <a:headEnd type="none" w="med" len="med"/>
+              <a:tailEnd type="triangle" w="med" len="med"/>
+            </a:ln>
+          </p:spPr>
+        </p:cxnSp>
+        <p:sp>
+          <p:nvSpPr>
+            <p:cNvPr id="64" name="Google Shape;182;p20">
+              <a:extLst>
+                <a:ext uri="{FF2B5EF4-FFF2-40B4-BE49-F238E27FC236}">
+                  <a16:creationId xmlns:a16="http://schemas.microsoft.com/office/drawing/2014/main" id="{7B20A0AB-D231-440E-9FDF-D828C7494695}"/>
+                </a:ext>
+              </a:extLst>
+            </p:cNvPr>
+            <p:cNvSpPr txBox="1"/>
+            <p:nvPr/>
+          </p:nvSpPr>
+          <p:spPr>
+            <a:xfrm>
+              <a:off x="3273180" y="2084558"/>
+              <a:ext cx="824562" cy="234000"/>
+            </a:xfrm>
+            <a:prstGeom prst="rect">
+              <a:avLst/>
+            </a:prstGeom>
             <a:solidFill>
-              <a:schemeClr val="dk2"/>
+              <a:schemeClr val="bg1"/>
             </a:solidFill>
-            <a:prstDash val="dash"/>
-            <a:round/>
-            <a:headEnd type="none" w="med" len="med"/>
-            <a:tailEnd type="none" w="med" len="med"/>
-          </a:ln>
-        </p:spPr>
-      </p:cxnSp>
-      <p:cxnSp>
-        <p:nvCxnSpPr>
-          <p:cNvPr id="54" name="Google Shape;174;p20">
-            <a:extLst>
-              <a:ext uri="{FF2B5EF4-FFF2-40B4-BE49-F238E27FC236}">
-                <a16:creationId xmlns:a16="http://schemas.microsoft.com/office/drawing/2014/main" id="{0474FC0C-5322-4188-834A-1EE54B7672F1}"/>
-              </a:ext>
-            </a:extLst>
-          </p:cNvPr>
-          <p:cNvCxnSpPr>
-            <a:cxnSpLocks/>
-          </p:cNvCxnSpPr>
-          <p:nvPr/>
-        </p:nvCxnSpPr>
-        <p:spPr>
-          <a:xfrm>
-            <a:off x="1041822" y="1619890"/>
-            <a:ext cx="1012770" cy="0"/>
-          </a:xfrm>
-          <a:prstGeom prst="straightConnector1">
-            <a:avLst/>
-          </a:prstGeom>
-          <a:noFill/>
-          <a:ln w="28575" cap="flat" cmpd="sng">
+            <a:ln>
+              <a:noFill/>
+            </a:ln>
+          </p:spPr>
+          <p:txBody>
+            <a:bodyPr spcFirstLastPara="1" wrap="square" lIns="91425" tIns="91425" rIns="91425" bIns="91425" anchor="ctr" anchorCtr="0">
+              <a:noAutofit/>
+            </a:bodyPr>
+            <a:lstStyle/>
+            <a:p>
+              <a:pPr marL="0" lvl="0" indent="0" algn="ctr" rtl="0">
+                <a:spcBef>
+                  <a:spcPts val="0"/>
+                </a:spcBef>
+                <a:spcAft>
+                  <a:spcPts val="0"/>
+                </a:spcAft>
+                <a:buNone/>
+              </a:pPr>
+              <a:r>
+                <a:rPr lang="en-US" altLang="ko" sz="1200" dirty="0"/>
+                <a:t>tag</a:t>
+              </a:r>
+              <a:r>
+                <a:rPr lang="ko" sz="1200" dirty="0"/>
+                <a:t>_</a:t>
+              </a:r>
+              <a:r>
+                <a:rPr lang="en-US" altLang="ko" sz="1200" dirty="0"/>
+                <a:t>info</a:t>
+              </a:r>
+              <a:r>
+                <a:rPr lang="ko" sz="1200" dirty="0"/>
+                <a:t>()</a:t>
+              </a:r>
+              <a:endParaRPr sz="1200" dirty="0"/>
+            </a:p>
+          </p:txBody>
+        </p:sp>
+        <p:sp>
+          <p:nvSpPr>
+            <p:cNvPr id="65" name="Google Shape;183;p20">
+              <a:extLst>
+                <a:ext uri="{FF2B5EF4-FFF2-40B4-BE49-F238E27FC236}">
+                  <a16:creationId xmlns:a16="http://schemas.microsoft.com/office/drawing/2014/main" id="{7DE7C912-B26B-4021-BE2C-85C6B0D08BD5}"/>
+                </a:ext>
+              </a:extLst>
+            </p:cNvPr>
+            <p:cNvSpPr txBox="1"/>
+            <p:nvPr/>
+          </p:nvSpPr>
+          <p:spPr>
+            <a:xfrm>
+              <a:off x="3273180" y="2481097"/>
+              <a:ext cx="923939" cy="234000"/>
+            </a:xfrm>
+            <a:prstGeom prst="rect">
+              <a:avLst/>
+            </a:prstGeom>
             <a:solidFill>
-              <a:schemeClr val="dk2"/>
+              <a:schemeClr val="bg1"/>
             </a:solidFill>
-            <a:prstDash val="solid"/>
-            <a:round/>
-            <a:headEnd type="none" w="med" len="med"/>
-            <a:tailEnd type="triangle" w="med" len="med"/>
-          </a:ln>
-        </p:spPr>
-      </p:cxnSp>
-      <p:cxnSp>
-        <p:nvCxnSpPr>
-          <p:cNvPr id="56" name="Google Shape;178;p20">
-            <a:extLst>
-              <a:ext uri="{FF2B5EF4-FFF2-40B4-BE49-F238E27FC236}">
-                <a16:creationId xmlns:a16="http://schemas.microsoft.com/office/drawing/2014/main" id="{81742D1B-4697-4F7C-93F5-6B104BEE7184}"/>
-              </a:ext>
-            </a:extLst>
-          </p:cNvPr>
-          <p:cNvCxnSpPr>
-            <a:cxnSpLocks/>
-          </p:cNvCxnSpPr>
-          <p:nvPr/>
-        </p:nvCxnSpPr>
-        <p:spPr>
-          <a:xfrm flipH="1" flipV="1">
-            <a:off x="1041952" y="4386538"/>
-            <a:ext cx="1012640" cy="1"/>
-          </a:xfrm>
-          <a:prstGeom prst="straightConnector1">
-            <a:avLst/>
-          </a:prstGeom>
-          <a:noFill/>
-          <a:ln w="28575" cap="flat" cmpd="sng">
+            <a:ln>
+              <a:noFill/>
+            </a:ln>
+          </p:spPr>
+          <p:txBody>
+            <a:bodyPr spcFirstLastPara="1" wrap="square" lIns="91425" tIns="91425" rIns="91425" bIns="91425" anchor="ctr" anchorCtr="0">
+              <a:noAutofit/>
+            </a:bodyPr>
+            <a:lstStyle/>
+            <a:p>
+              <a:pPr marL="0" lvl="0" indent="0" algn="ctr" rtl="0">
+                <a:spcBef>
+                  <a:spcPts val="0"/>
+                </a:spcBef>
+                <a:spcAft>
+                  <a:spcPts val="0"/>
+                </a:spcAft>
+                <a:buNone/>
+              </a:pPr>
+              <a:r>
+                <a:rPr lang="ko" sz="1200" dirty="0"/>
+                <a:t>notify_</a:t>
+              </a:r>
+              <a:r>
+                <a:rPr lang="en-US" altLang="ko" sz="1200" dirty="0"/>
+                <a:t>tag</a:t>
+              </a:r>
+              <a:r>
+                <a:rPr lang="ko" sz="1200" dirty="0"/>
+                <a:t>()</a:t>
+              </a:r>
+              <a:endParaRPr sz="1200" dirty="0"/>
+            </a:p>
+          </p:txBody>
+        </p:sp>
+        <p:cxnSp>
+          <p:nvCxnSpPr>
+            <p:cNvPr id="66" name="Google Shape;176;p20">
+              <a:extLst>
+                <a:ext uri="{FF2B5EF4-FFF2-40B4-BE49-F238E27FC236}">
+                  <a16:creationId xmlns:a16="http://schemas.microsoft.com/office/drawing/2014/main" id="{0CE12903-A385-4744-8737-7D4A38656A3A}"/>
+                </a:ext>
+              </a:extLst>
+            </p:cNvPr>
+            <p:cNvCxnSpPr>
+              <a:cxnSpLocks/>
+            </p:cNvCxnSpPr>
+            <p:nvPr/>
+          </p:nvCxnSpPr>
+          <p:spPr>
+            <a:xfrm>
+              <a:off x="3253684" y="3932034"/>
+              <a:ext cx="1845366" cy="0"/>
+            </a:xfrm>
+            <a:prstGeom prst="straightConnector1">
+              <a:avLst/>
+            </a:prstGeom>
+            <a:noFill/>
+            <a:ln w="28575" cap="flat" cmpd="sng">
+              <a:solidFill>
+                <a:schemeClr val="dk2"/>
+              </a:solidFill>
+              <a:prstDash val="solid"/>
+              <a:round/>
+              <a:headEnd type="none" w="med" len="med"/>
+              <a:tailEnd type="triangle" w="med" len="med"/>
+            </a:ln>
+          </p:spPr>
+        </p:cxnSp>
+        <p:sp>
+          <p:nvSpPr>
+            <p:cNvPr id="67" name="Google Shape;184;p20">
+              <a:extLst>
+                <a:ext uri="{FF2B5EF4-FFF2-40B4-BE49-F238E27FC236}">
+                  <a16:creationId xmlns:a16="http://schemas.microsoft.com/office/drawing/2014/main" id="{6DCDC173-2D7D-43F9-9FEA-28E04AE548D5}"/>
+                </a:ext>
+              </a:extLst>
+            </p:cNvPr>
+            <p:cNvSpPr txBox="1"/>
+            <p:nvPr/>
+          </p:nvSpPr>
+          <p:spPr>
+            <a:xfrm>
+              <a:off x="3570175" y="3617811"/>
+              <a:ext cx="992460" cy="234000"/>
+            </a:xfrm>
+            <a:prstGeom prst="rect">
+              <a:avLst/>
+            </a:prstGeom>
             <a:solidFill>
-              <a:schemeClr val="dk2"/>
+              <a:schemeClr val="bg1"/>
             </a:solidFill>
-            <a:prstDash val="solid"/>
-            <a:round/>
-            <a:headEnd type="none" w="med" len="med"/>
-            <a:tailEnd type="triangle" w="med" len="med"/>
-          </a:ln>
-        </p:spPr>
-      </p:cxnSp>
-      <p:cxnSp>
-        <p:nvCxnSpPr>
-          <p:cNvPr id="57" name="Google Shape;180;p20">
-            <a:extLst>
-              <a:ext uri="{FF2B5EF4-FFF2-40B4-BE49-F238E27FC236}">
-                <a16:creationId xmlns:a16="http://schemas.microsoft.com/office/drawing/2014/main" id="{5DBED8B2-615C-477E-963A-B873D13FC7BF}"/>
-              </a:ext>
-            </a:extLst>
-          </p:cNvPr>
-          <p:cNvCxnSpPr>
-            <a:cxnSpLocks/>
-          </p:cNvCxnSpPr>
-          <p:nvPr/>
-        </p:nvCxnSpPr>
-        <p:spPr>
-          <a:xfrm flipH="1">
-            <a:off x="3267435" y="2980833"/>
-            <a:ext cx="1831615" cy="0"/>
-          </a:xfrm>
-          <a:prstGeom prst="straightConnector1">
-            <a:avLst/>
-          </a:prstGeom>
-          <a:noFill/>
-          <a:ln w="28575" cap="flat" cmpd="sng">
+            <a:ln>
+              <a:noFill/>
+            </a:ln>
+          </p:spPr>
+          <p:txBody>
+            <a:bodyPr spcFirstLastPara="1" wrap="square" lIns="91425" tIns="91425" rIns="91425" bIns="91425" anchor="ctr" anchorCtr="0">
+              <a:noAutofit/>
+            </a:bodyPr>
+            <a:lstStyle/>
+            <a:p>
+              <a:pPr marL="0" lvl="0" indent="0" algn="ctr" rtl="0">
+                <a:spcBef>
+                  <a:spcPts val="0"/>
+                </a:spcBef>
+                <a:spcAft>
+                  <a:spcPts val="0"/>
+                </a:spcAft>
+                <a:buNone/>
+              </a:pPr>
+              <a:r>
+                <a:rPr lang="en-US" altLang="ko" sz="1200" dirty="0"/>
+                <a:t>update</a:t>
+              </a:r>
+              <a:r>
+                <a:rPr lang="ko" sz="1200" dirty="0"/>
+                <a:t>_</a:t>
+              </a:r>
+              <a:r>
+                <a:rPr lang="en-US" altLang="ko" sz="1200" dirty="0"/>
+                <a:t>list</a:t>
+              </a:r>
+              <a:r>
+                <a:rPr lang="ko" sz="1200" dirty="0"/>
+                <a:t>()</a:t>
+              </a:r>
+              <a:endParaRPr sz="1200" dirty="0"/>
+            </a:p>
+          </p:txBody>
+        </p:sp>
+        <p:cxnSp>
+          <p:nvCxnSpPr>
+            <p:cNvPr id="68" name="Google Shape;175;p20">
+              <a:extLst>
+                <a:ext uri="{FF2B5EF4-FFF2-40B4-BE49-F238E27FC236}">
+                  <a16:creationId xmlns:a16="http://schemas.microsoft.com/office/drawing/2014/main" id="{81DA9AB7-BF33-424F-BAAC-B259CA2AE1A5}"/>
+                </a:ext>
+              </a:extLst>
+            </p:cNvPr>
+            <p:cNvCxnSpPr>
+              <a:cxnSpLocks/>
+            </p:cNvCxnSpPr>
+            <p:nvPr/>
+          </p:nvCxnSpPr>
+          <p:spPr>
+            <a:xfrm>
+              <a:off x="3257485" y="3555018"/>
+              <a:ext cx="898590" cy="0"/>
+            </a:xfrm>
+            <a:prstGeom prst="straightConnector1">
+              <a:avLst/>
+            </a:prstGeom>
+            <a:noFill/>
+            <a:ln w="28575" cap="flat" cmpd="sng">
+              <a:solidFill>
+                <a:schemeClr val="dk2"/>
+              </a:solidFill>
+              <a:prstDash val="solid"/>
+              <a:round/>
+              <a:headEnd type="none" w="med" len="med"/>
+              <a:tailEnd type="triangle" w="med" len="med"/>
+            </a:ln>
+          </p:spPr>
+        </p:cxnSp>
+        <p:sp>
+          <p:nvSpPr>
+            <p:cNvPr id="69" name="Google Shape;182;p20">
+              <a:extLst>
+                <a:ext uri="{FF2B5EF4-FFF2-40B4-BE49-F238E27FC236}">
+                  <a16:creationId xmlns:a16="http://schemas.microsoft.com/office/drawing/2014/main" id="{8B90D508-A89F-4C2D-B454-32F098294C07}"/>
+                </a:ext>
+              </a:extLst>
+            </p:cNvPr>
+            <p:cNvSpPr txBox="1"/>
+            <p:nvPr/>
+          </p:nvSpPr>
+          <p:spPr>
+            <a:xfrm>
+              <a:off x="3257486" y="3245654"/>
+              <a:ext cx="882762" cy="234000"/>
+            </a:xfrm>
+            <a:prstGeom prst="rect">
+              <a:avLst/>
+            </a:prstGeom>
             <a:solidFill>
-              <a:schemeClr val="dk2"/>
+              <a:schemeClr val="bg1"/>
             </a:solidFill>
-            <a:prstDash val="solid"/>
-            <a:round/>
-            <a:headEnd type="none" w="med" len="med"/>
-            <a:tailEnd type="triangle" w="med" len="med"/>
-          </a:ln>
-        </p:spPr>
-      </p:cxnSp>
-      <p:sp>
-        <p:nvSpPr>
-          <p:cNvPr id="58" name="Google Shape;181;p20">
-            <a:extLst>
-              <a:ext uri="{FF2B5EF4-FFF2-40B4-BE49-F238E27FC236}">
-                <a16:creationId xmlns:a16="http://schemas.microsoft.com/office/drawing/2014/main" id="{32F9E42A-2945-4800-89B1-DD3D976FA50A}"/>
-              </a:ext>
-            </a:extLst>
-          </p:cNvPr>
-          <p:cNvSpPr txBox="1"/>
-          <p:nvPr/>
-        </p:nvSpPr>
-        <p:spPr>
-          <a:xfrm>
-            <a:off x="1003272" y="1309752"/>
-            <a:ext cx="891300" cy="234000"/>
-          </a:xfrm>
-          <a:prstGeom prst="rect">
-            <a:avLst/>
-          </a:prstGeom>
-          <a:noFill/>
-          <a:ln>
+            <a:ln>
+              <a:noFill/>
+            </a:ln>
+          </p:spPr>
+          <p:txBody>
+            <a:bodyPr spcFirstLastPara="1" wrap="square" lIns="91425" tIns="91425" rIns="91425" bIns="91425" anchor="ctr" anchorCtr="0">
+              <a:noAutofit/>
+            </a:bodyPr>
+            <a:lstStyle/>
+            <a:p>
+              <a:pPr marL="0" lvl="0" indent="0" algn="ctr" rtl="0">
+                <a:spcBef>
+                  <a:spcPts val="0"/>
+                </a:spcBef>
+                <a:spcAft>
+                  <a:spcPts val="0"/>
+                </a:spcAft>
+                <a:buNone/>
+              </a:pPr>
+              <a:r>
+                <a:rPr lang="en-US" altLang="ko" sz="1200" dirty="0"/>
+                <a:t>delete</a:t>
+              </a:r>
+              <a:r>
+                <a:rPr lang="ko" sz="1200" dirty="0"/>
+                <a:t>()</a:t>
+              </a:r>
+              <a:endParaRPr sz="1200" dirty="0"/>
+            </a:p>
+          </p:txBody>
+        </p:sp>
+        <p:sp>
+          <p:nvSpPr>
+            <p:cNvPr id="73" name="Google Shape;184;p20">
+              <a:extLst>
+                <a:ext uri="{FF2B5EF4-FFF2-40B4-BE49-F238E27FC236}">
+                  <a16:creationId xmlns:a16="http://schemas.microsoft.com/office/drawing/2014/main" id="{889FD861-FD9E-45D7-B18B-DBF807118BB9}"/>
+                </a:ext>
+              </a:extLst>
+            </p:cNvPr>
+            <p:cNvSpPr txBox="1"/>
+            <p:nvPr/>
+          </p:nvSpPr>
+          <p:spPr>
+            <a:xfrm>
+              <a:off x="3620602" y="3969008"/>
+              <a:ext cx="951398" cy="234000"/>
+            </a:xfrm>
+            <a:prstGeom prst="rect">
+              <a:avLst/>
+            </a:prstGeom>
+            <a:solidFill>
+              <a:schemeClr val="bg1"/>
+            </a:solidFill>
+            <a:ln>
+              <a:noFill/>
+            </a:ln>
+          </p:spPr>
+          <p:txBody>
+            <a:bodyPr spcFirstLastPara="1" wrap="square" lIns="91425" tIns="91425" rIns="91425" bIns="91425" anchor="ctr" anchorCtr="0">
+              <a:noAutofit/>
+            </a:bodyPr>
+            <a:lstStyle/>
+            <a:p>
+              <a:pPr marL="0" lvl="0" indent="0" algn="ctr" rtl="0">
+                <a:spcBef>
+                  <a:spcPts val="0"/>
+                </a:spcBef>
+                <a:spcAft>
+                  <a:spcPts val="0"/>
+                </a:spcAft>
+                <a:buNone/>
+              </a:pPr>
+              <a:r>
+                <a:rPr lang="en-US" altLang="ko" sz="1200" dirty="0"/>
+                <a:t>invocation</a:t>
+              </a:r>
+              <a:r>
+                <a:rPr lang="ko" sz="1200" dirty="0"/>
+                <a:t>()</a:t>
+              </a:r>
+              <a:endParaRPr sz="1200" dirty="0"/>
+            </a:p>
+          </p:txBody>
+        </p:sp>
+        <p:sp>
+          <p:nvSpPr>
+            <p:cNvPr id="34" name="Google Shape;165;p20">
+              <a:extLst>
+                <a:ext uri="{FF2B5EF4-FFF2-40B4-BE49-F238E27FC236}">
+                  <a16:creationId xmlns:a16="http://schemas.microsoft.com/office/drawing/2014/main" id="{0EDDDB37-6AB0-491F-A8DC-A726DAD7A7D0}"/>
+                </a:ext>
+              </a:extLst>
+            </p:cNvPr>
+            <p:cNvSpPr txBox="1"/>
+            <p:nvPr/>
+          </p:nvSpPr>
+          <p:spPr>
+            <a:xfrm>
+              <a:off x="2536406" y="999915"/>
+              <a:ext cx="1323600" cy="448500"/>
+            </a:xfrm>
+            <a:prstGeom prst="rect">
+              <a:avLst/>
+            </a:prstGeom>
             <a:noFill/>
-          </a:ln>
-        </p:spPr>
-        <p:txBody>
-          <a:bodyPr spcFirstLastPara="1" wrap="square" lIns="91425" tIns="91425" rIns="91425" bIns="91425" anchor="ctr" anchorCtr="0">
-            <a:noAutofit/>
-          </a:bodyPr>
-          <a:lstStyle/>
-          <a:p>
-            <a:pPr marL="0" lvl="0" indent="0" algn="ctr" rtl="0">
-              <a:spcBef>
-                <a:spcPts val="0"/>
-              </a:spcBef>
-              <a:spcAft>
-                <a:spcPts val="0"/>
-              </a:spcAft>
-              <a:buNone/>
-            </a:pPr>
-            <a:r>
-              <a:rPr lang="ko" sz="1200" dirty="0"/>
-              <a:t>trigger()</a:t>
-            </a:r>
-            <a:endParaRPr sz="1200" dirty="0"/>
-          </a:p>
-        </p:txBody>
-      </p:sp>
-      <p:sp>
-        <p:nvSpPr>
-          <p:cNvPr id="60" name="Google Shape;185;p20">
-            <a:extLst>
-              <a:ext uri="{FF2B5EF4-FFF2-40B4-BE49-F238E27FC236}">
-                <a16:creationId xmlns:a16="http://schemas.microsoft.com/office/drawing/2014/main" id="{63677437-2A80-4B31-B2ED-31E04755AEC7}"/>
-              </a:ext>
-            </a:extLst>
-          </p:cNvPr>
-          <p:cNvSpPr txBox="1"/>
-          <p:nvPr/>
-        </p:nvSpPr>
-        <p:spPr>
-          <a:xfrm>
-            <a:off x="3583851" y="2692141"/>
-            <a:ext cx="991414" cy="234000"/>
-          </a:xfrm>
-          <a:prstGeom prst="rect">
-            <a:avLst/>
-          </a:prstGeom>
-          <a:solidFill>
-            <a:srgbClr val="FFFFFF"/>
-          </a:solidFill>
-          <a:ln>
+            <a:ln>
+              <a:noFill/>
+            </a:ln>
+          </p:spPr>
+          <p:txBody>
+            <a:bodyPr spcFirstLastPara="1" wrap="square" lIns="91425" tIns="91425" rIns="91425" bIns="91425" anchor="ctr" anchorCtr="0">
+              <a:noAutofit/>
+            </a:bodyPr>
+            <a:lstStyle/>
+            <a:p>
+              <a:pPr marL="0" lvl="0" indent="0" algn="ctr" rtl="0">
+                <a:spcBef>
+                  <a:spcPts val="0"/>
+                </a:spcBef>
+                <a:spcAft>
+                  <a:spcPts val="0"/>
+                </a:spcAft>
+                <a:buNone/>
+              </a:pPr>
+              <a:r>
+                <a:rPr lang="ko" dirty="0"/>
+                <a:t>Lambda</a:t>
+              </a:r>
+              <a:endParaRPr lang="en-US" altLang="ko" dirty="0"/>
+            </a:p>
+            <a:p>
+              <a:pPr marL="0" lvl="0" indent="0" algn="ctr" rtl="0">
+                <a:spcBef>
+                  <a:spcPts val="0"/>
+                </a:spcBef>
+                <a:spcAft>
+                  <a:spcPts val="0"/>
+                </a:spcAft>
+                <a:buNone/>
+              </a:pPr>
+              <a:r>
+                <a:rPr lang="en-US" dirty="0"/>
+                <a:t>Delete</a:t>
+              </a:r>
+              <a:endParaRPr dirty="0"/>
+            </a:p>
+          </p:txBody>
+        </p:sp>
+        <p:cxnSp>
+          <p:nvCxnSpPr>
+            <p:cNvPr id="35" name="Google Shape;170;p20">
+              <a:extLst>
+                <a:ext uri="{FF2B5EF4-FFF2-40B4-BE49-F238E27FC236}">
+                  <a16:creationId xmlns:a16="http://schemas.microsoft.com/office/drawing/2014/main" id="{33957C6E-9A8D-4982-B732-E19DEE0CA64D}"/>
+                </a:ext>
+              </a:extLst>
+            </p:cNvPr>
+            <p:cNvCxnSpPr/>
+            <p:nvPr/>
+          </p:nvCxnSpPr>
+          <p:spPr>
+            <a:xfrm>
+              <a:off x="3197957" y="1448405"/>
+              <a:ext cx="600" cy="3032700"/>
+            </a:xfrm>
+            <a:prstGeom prst="straightConnector1">
+              <a:avLst/>
+            </a:prstGeom>
             <a:noFill/>
-          </a:ln>
-        </p:spPr>
-        <p:txBody>
-          <a:bodyPr spcFirstLastPara="1" wrap="square" lIns="91425" tIns="91425" rIns="91425" bIns="91425" anchor="ctr" anchorCtr="0">
-            <a:noAutofit/>
-          </a:bodyPr>
-          <a:lstStyle/>
-          <a:p>
-            <a:pPr marL="0" lvl="0" indent="0" algn="ctr" rtl="0">
-              <a:spcBef>
-                <a:spcPts val="0"/>
-              </a:spcBef>
-              <a:spcAft>
-                <a:spcPts val="0"/>
-              </a:spcAft>
-              <a:buNone/>
-            </a:pPr>
-            <a:r>
-              <a:rPr lang="ko" sz="1200" dirty="0"/>
-              <a:t>notify_</a:t>
-            </a:r>
-            <a:r>
-              <a:rPr lang="en-US" altLang="ko" sz="1200" dirty="0"/>
-              <a:t>list</a:t>
-            </a:r>
-            <a:r>
-              <a:rPr lang="ko" sz="1200" dirty="0"/>
-              <a:t>()</a:t>
-            </a:r>
-            <a:endParaRPr sz="1200" dirty="0"/>
-          </a:p>
-        </p:txBody>
-      </p:sp>
-      <p:sp>
-        <p:nvSpPr>
-          <p:cNvPr id="61" name="Google Shape;187;p20">
-            <a:extLst>
-              <a:ext uri="{FF2B5EF4-FFF2-40B4-BE49-F238E27FC236}">
-                <a16:creationId xmlns:a16="http://schemas.microsoft.com/office/drawing/2014/main" id="{5F63E306-CC60-4456-B7C9-8BA2B134822C}"/>
-              </a:ext>
-            </a:extLst>
-          </p:cNvPr>
-          <p:cNvSpPr txBox="1"/>
-          <p:nvPr/>
-        </p:nvSpPr>
-        <p:spPr>
-          <a:xfrm>
-            <a:off x="939557" y="4085157"/>
-            <a:ext cx="1257300" cy="234000"/>
-          </a:xfrm>
-          <a:prstGeom prst="rect">
-            <a:avLst/>
-          </a:prstGeom>
-          <a:noFill/>
-          <a:ln>
+            <a:ln w="38100" cap="flat" cmpd="sng">
+              <a:solidFill>
+                <a:schemeClr val="dk2"/>
+              </a:solidFill>
+              <a:prstDash val="dash"/>
+              <a:round/>
+              <a:headEnd type="none" w="med" len="med"/>
+              <a:tailEnd type="none" w="med" len="med"/>
+            </a:ln>
+          </p:spPr>
+        </p:cxnSp>
+        <p:cxnSp>
+          <p:nvCxnSpPr>
+            <p:cNvPr id="55" name="Google Shape;174;p20">
+              <a:extLst>
+                <a:ext uri="{FF2B5EF4-FFF2-40B4-BE49-F238E27FC236}">
+                  <a16:creationId xmlns:a16="http://schemas.microsoft.com/office/drawing/2014/main" id="{B48F2CC1-9394-401D-AA16-B735B9936980}"/>
+                </a:ext>
+              </a:extLst>
+            </p:cNvPr>
+            <p:cNvCxnSpPr>
+              <a:cxnSpLocks/>
+            </p:cNvCxnSpPr>
+            <p:nvPr/>
+          </p:nvCxnSpPr>
+          <p:spPr>
+            <a:xfrm>
+              <a:off x="2261022" y="2091182"/>
+              <a:ext cx="871116" cy="0"/>
+            </a:xfrm>
+            <a:prstGeom prst="straightConnector1">
+              <a:avLst/>
+            </a:prstGeom>
             <a:noFill/>
-          </a:ln>
-        </p:spPr>
-        <p:txBody>
-          <a:bodyPr spcFirstLastPara="1" wrap="square" lIns="91425" tIns="91425" rIns="91425" bIns="91425" anchor="ctr" anchorCtr="0">
-            <a:noAutofit/>
-          </a:bodyPr>
-          <a:lstStyle/>
-          <a:p>
-            <a:pPr marL="0" lvl="0" indent="0" algn="ctr" rtl="0">
-              <a:spcBef>
-                <a:spcPts val="0"/>
-              </a:spcBef>
-              <a:spcAft>
-                <a:spcPts val="0"/>
-              </a:spcAft>
-              <a:buNone/>
-            </a:pPr>
-            <a:r>
-              <a:rPr lang="ko" sz="1200" dirty="0"/>
-              <a:t>response_log()</a:t>
-            </a:r>
-            <a:endParaRPr sz="1200" dirty="0"/>
-          </a:p>
-        </p:txBody>
-      </p:sp>
-      <p:cxnSp>
-        <p:nvCxnSpPr>
-          <p:cNvPr id="62" name="Google Shape;175;p20">
-            <a:extLst>
-              <a:ext uri="{FF2B5EF4-FFF2-40B4-BE49-F238E27FC236}">
-                <a16:creationId xmlns:a16="http://schemas.microsoft.com/office/drawing/2014/main" id="{9ECF4F87-C740-4AB0-8E9B-A2C7FFA691A8}"/>
-              </a:ext>
-            </a:extLst>
-          </p:cNvPr>
-          <p:cNvCxnSpPr>
-            <a:cxnSpLocks/>
-          </p:cNvCxnSpPr>
-          <p:nvPr/>
-        </p:nvCxnSpPr>
-        <p:spPr>
-          <a:xfrm>
-            <a:off x="3273180" y="2345354"/>
-            <a:ext cx="882895" cy="0"/>
-          </a:xfrm>
-          <a:prstGeom prst="straightConnector1">
-            <a:avLst/>
-          </a:prstGeom>
-          <a:noFill/>
-          <a:ln w="28575" cap="flat" cmpd="sng">
+            <a:ln w="28575" cap="flat" cmpd="sng">
+              <a:solidFill>
+                <a:schemeClr val="dk2"/>
+              </a:solidFill>
+              <a:prstDash val="solid"/>
+              <a:round/>
+              <a:headEnd type="none" w="med" len="med"/>
+              <a:tailEnd type="triangle" w="med" len="med"/>
+            </a:ln>
+          </p:spPr>
+        </p:cxnSp>
+        <p:sp>
+          <p:nvSpPr>
+            <p:cNvPr id="59" name="Google Shape;181;p20">
+              <a:extLst>
+                <a:ext uri="{FF2B5EF4-FFF2-40B4-BE49-F238E27FC236}">
+                  <a16:creationId xmlns:a16="http://schemas.microsoft.com/office/drawing/2014/main" id="{19CB2730-113F-46EF-AF47-8FA5A1C74E2F}"/>
+                </a:ext>
+              </a:extLst>
+            </p:cNvPr>
+            <p:cNvSpPr txBox="1"/>
+            <p:nvPr/>
+          </p:nvSpPr>
+          <p:spPr>
+            <a:xfrm>
+              <a:off x="2222472" y="1788479"/>
+              <a:ext cx="891300" cy="234000"/>
+            </a:xfrm>
+            <a:prstGeom prst="rect">
+              <a:avLst/>
+            </a:prstGeom>
             <a:solidFill>
-              <a:schemeClr val="dk2"/>
+              <a:schemeClr val="bg1"/>
             </a:solidFill>
-            <a:prstDash val="solid"/>
-            <a:round/>
-            <a:headEnd type="none" w="med" len="med"/>
-            <a:tailEnd type="triangle" w="med" len="med"/>
-          </a:ln>
-        </p:spPr>
-      </p:cxnSp>
-      <p:cxnSp>
-        <p:nvCxnSpPr>
-          <p:cNvPr id="63" name="Google Shape;179;p20">
-            <a:extLst>
-              <a:ext uri="{FF2B5EF4-FFF2-40B4-BE49-F238E27FC236}">
-                <a16:creationId xmlns:a16="http://schemas.microsoft.com/office/drawing/2014/main" id="{9B518AA7-71BF-476F-BC10-2785CCC5D2F3}"/>
-              </a:ext>
-            </a:extLst>
-          </p:cNvPr>
-          <p:cNvCxnSpPr>
-            <a:cxnSpLocks/>
-          </p:cNvCxnSpPr>
-          <p:nvPr/>
-        </p:nvCxnSpPr>
-        <p:spPr>
-          <a:xfrm flipH="1">
-            <a:off x="3273313" y="2667143"/>
-            <a:ext cx="882762" cy="0"/>
-          </a:xfrm>
-          <a:prstGeom prst="straightConnector1">
-            <a:avLst/>
-          </a:prstGeom>
-          <a:noFill/>
-          <a:ln w="28575" cap="flat" cmpd="sng">
-            <a:solidFill>
-              <a:schemeClr val="dk2"/>
-            </a:solidFill>
-            <a:prstDash val="solid"/>
-            <a:round/>
-            <a:headEnd type="none" w="med" len="med"/>
-            <a:tailEnd type="triangle" w="med" len="med"/>
-          </a:ln>
-        </p:spPr>
-      </p:cxnSp>
-      <p:sp>
-        <p:nvSpPr>
-          <p:cNvPr id="64" name="Google Shape;182;p20">
-            <a:extLst>
-              <a:ext uri="{FF2B5EF4-FFF2-40B4-BE49-F238E27FC236}">
-                <a16:creationId xmlns:a16="http://schemas.microsoft.com/office/drawing/2014/main" id="{7B20A0AB-D231-440E-9FDF-D828C7494695}"/>
-              </a:ext>
-            </a:extLst>
-          </p:cNvPr>
-          <p:cNvSpPr txBox="1"/>
-          <p:nvPr/>
-        </p:nvSpPr>
-        <p:spPr>
-          <a:xfrm>
-            <a:off x="3273180" y="2054822"/>
-            <a:ext cx="824562" cy="234000"/>
-          </a:xfrm>
-          <a:prstGeom prst="rect">
-            <a:avLst/>
-          </a:prstGeom>
-          <a:solidFill>
-            <a:srgbClr val="FFFFFF"/>
-          </a:solidFill>
-          <a:ln>
-            <a:noFill/>
-          </a:ln>
-        </p:spPr>
-        <p:txBody>
-          <a:bodyPr spcFirstLastPara="1" wrap="square" lIns="91425" tIns="91425" rIns="91425" bIns="91425" anchor="ctr" anchorCtr="0">
-            <a:noAutofit/>
-          </a:bodyPr>
-          <a:lstStyle/>
-          <a:p>
-            <a:pPr marL="0" lvl="0" indent="0" algn="ctr" rtl="0">
-              <a:spcBef>
-                <a:spcPts val="0"/>
-              </a:spcBef>
-              <a:spcAft>
-                <a:spcPts val="0"/>
-              </a:spcAft>
-              <a:buNone/>
-            </a:pPr>
-            <a:r>
-              <a:rPr lang="en-US" altLang="ko" sz="1200" dirty="0"/>
-              <a:t>tag</a:t>
-            </a:r>
-            <a:r>
-              <a:rPr lang="ko" sz="1200" dirty="0"/>
-              <a:t>_</a:t>
-            </a:r>
-            <a:r>
-              <a:rPr lang="en-US" altLang="ko" sz="1200" dirty="0"/>
-              <a:t>info</a:t>
-            </a:r>
-            <a:r>
-              <a:rPr lang="ko" sz="1200" dirty="0"/>
-              <a:t>()</a:t>
-            </a:r>
-            <a:endParaRPr sz="1200" dirty="0"/>
-          </a:p>
-        </p:txBody>
-      </p:sp>
-      <p:sp>
-        <p:nvSpPr>
-          <p:cNvPr id="65" name="Google Shape;183;p20">
-            <a:extLst>
-              <a:ext uri="{FF2B5EF4-FFF2-40B4-BE49-F238E27FC236}">
-                <a16:creationId xmlns:a16="http://schemas.microsoft.com/office/drawing/2014/main" id="{7DE7C912-B26B-4021-BE2C-85C6B0D08BD5}"/>
-              </a:ext>
-            </a:extLst>
-          </p:cNvPr>
-          <p:cNvSpPr txBox="1"/>
-          <p:nvPr/>
-        </p:nvSpPr>
-        <p:spPr>
-          <a:xfrm>
-            <a:off x="3273180" y="2391890"/>
-            <a:ext cx="923939" cy="234000"/>
-          </a:xfrm>
-          <a:prstGeom prst="rect">
-            <a:avLst/>
-          </a:prstGeom>
-          <a:solidFill>
-            <a:srgbClr val="FFFFFF"/>
-          </a:solidFill>
-          <a:ln>
-            <a:noFill/>
-          </a:ln>
-        </p:spPr>
-        <p:txBody>
-          <a:bodyPr spcFirstLastPara="1" wrap="square" lIns="91425" tIns="91425" rIns="91425" bIns="91425" anchor="ctr" anchorCtr="0">
-            <a:noAutofit/>
-          </a:bodyPr>
-          <a:lstStyle/>
-          <a:p>
-            <a:pPr marL="0" lvl="0" indent="0" algn="ctr" rtl="0">
-              <a:spcBef>
-                <a:spcPts val="0"/>
-              </a:spcBef>
-              <a:spcAft>
-                <a:spcPts val="0"/>
-              </a:spcAft>
-              <a:buNone/>
-            </a:pPr>
-            <a:r>
-              <a:rPr lang="ko" sz="1200" dirty="0"/>
-              <a:t>notify_</a:t>
-            </a:r>
-            <a:r>
-              <a:rPr lang="en-US" altLang="ko" sz="1200" dirty="0"/>
-              <a:t>tag</a:t>
-            </a:r>
-            <a:r>
-              <a:rPr lang="ko" sz="1200" dirty="0"/>
-              <a:t>()</a:t>
-            </a:r>
-            <a:endParaRPr sz="1200" dirty="0"/>
-          </a:p>
-        </p:txBody>
-      </p:sp>
-      <p:cxnSp>
-        <p:nvCxnSpPr>
-          <p:cNvPr id="66" name="Google Shape;176;p20">
-            <a:extLst>
-              <a:ext uri="{FF2B5EF4-FFF2-40B4-BE49-F238E27FC236}">
-                <a16:creationId xmlns:a16="http://schemas.microsoft.com/office/drawing/2014/main" id="{0CE12903-A385-4744-8737-7D4A38656A3A}"/>
-              </a:ext>
-            </a:extLst>
-          </p:cNvPr>
-          <p:cNvCxnSpPr>
-            <a:cxnSpLocks/>
-          </p:cNvCxnSpPr>
-          <p:nvPr/>
-        </p:nvCxnSpPr>
-        <p:spPr>
-          <a:xfrm>
-            <a:off x="3253684" y="3664403"/>
-            <a:ext cx="1845366" cy="0"/>
-          </a:xfrm>
-          <a:prstGeom prst="straightConnector1">
-            <a:avLst/>
-          </a:prstGeom>
-          <a:noFill/>
-          <a:ln w="28575" cap="flat" cmpd="sng">
-            <a:solidFill>
-              <a:schemeClr val="dk2"/>
-            </a:solidFill>
-            <a:prstDash val="solid"/>
-            <a:round/>
-            <a:headEnd type="none" w="med" len="med"/>
-            <a:tailEnd type="triangle" w="med" len="med"/>
-          </a:ln>
-        </p:spPr>
-      </p:cxnSp>
-      <p:sp>
-        <p:nvSpPr>
-          <p:cNvPr id="67" name="Google Shape;184;p20">
-            <a:extLst>
-              <a:ext uri="{FF2B5EF4-FFF2-40B4-BE49-F238E27FC236}">
-                <a16:creationId xmlns:a16="http://schemas.microsoft.com/office/drawing/2014/main" id="{6DCDC173-2D7D-43F9-9FEA-28E04AE548D5}"/>
-              </a:ext>
-            </a:extLst>
-          </p:cNvPr>
-          <p:cNvSpPr txBox="1"/>
-          <p:nvPr/>
-        </p:nvSpPr>
-        <p:spPr>
-          <a:xfrm>
-            <a:off x="3570175" y="3394791"/>
-            <a:ext cx="992460" cy="234000"/>
-          </a:xfrm>
-          <a:prstGeom prst="rect">
-            <a:avLst/>
-          </a:prstGeom>
-          <a:solidFill>
-            <a:srgbClr val="FFFFFF"/>
-          </a:solidFill>
-          <a:ln>
-            <a:noFill/>
-          </a:ln>
-        </p:spPr>
-        <p:txBody>
-          <a:bodyPr spcFirstLastPara="1" wrap="square" lIns="91425" tIns="91425" rIns="91425" bIns="91425" anchor="ctr" anchorCtr="0">
-            <a:noAutofit/>
-          </a:bodyPr>
-          <a:lstStyle/>
-          <a:p>
-            <a:pPr marL="0" lvl="0" indent="0" algn="ctr" rtl="0">
-              <a:spcBef>
-                <a:spcPts val="0"/>
-              </a:spcBef>
-              <a:spcAft>
-                <a:spcPts val="0"/>
-              </a:spcAft>
-              <a:buNone/>
-            </a:pPr>
-            <a:r>
-              <a:rPr lang="en-US" altLang="ko" sz="1200" dirty="0"/>
-              <a:t>update</a:t>
-            </a:r>
-            <a:r>
-              <a:rPr lang="ko" sz="1200" dirty="0"/>
-              <a:t>_</a:t>
-            </a:r>
-            <a:r>
-              <a:rPr lang="en-US" altLang="ko" sz="1200" dirty="0"/>
-              <a:t>list</a:t>
-            </a:r>
-            <a:r>
-              <a:rPr lang="ko" sz="1200" dirty="0"/>
-              <a:t>()</a:t>
-            </a:r>
-            <a:endParaRPr sz="1200" dirty="0"/>
-          </a:p>
-        </p:txBody>
-      </p:sp>
-      <p:cxnSp>
-        <p:nvCxnSpPr>
-          <p:cNvPr id="68" name="Google Shape;175;p20">
-            <a:extLst>
-              <a:ext uri="{FF2B5EF4-FFF2-40B4-BE49-F238E27FC236}">
-                <a16:creationId xmlns:a16="http://schemas.microsoft.com/office/drawing/2014/main" id="{81DA9AB7-BF33-424F-BAAC-B259CA2AE1A5}"/>
-              </a:ext>
-            </a:extLst>
-          </p:cNvPr>
-          <p:cNvCxnSpPr>
-            <a:cxnSpLocks/>
-          </p:cNvCxnSpPr>
-          <p:nvPr/>
-        </p:nvCxnSpPr>
-        <p:spPr>
-          <a:xfrm>
-            <a:off x="3257485" y="3331993"/>
-            <a:ext cx="898590" cy="0"/>
-          </a:xfrm>
-          <a:prstGeom prst="straightConnector1">
-            <a:avLst/>
-          </a:prstGeom>
-          <a:noFill/>
-          <a:ln w="28575" cap="flat" cmpd="sng">
-            <a:solidFill>
-              <a:schemeClr val="dk2"/>
-            </a:solidFill>
-            <a:prstDash val="solid"/>
-            <a:round/>
-            <a:headEnd type="none" w="med" len="med"/>
-            <a:tailEnd type="triangle" w="med" len="med"/>
-          </a:ln>
-        </p:spPr>
-      </p:cxnSp>
-      <p:sp>
-        <p:nvSpPr>
-          <p:cNvPr id="69" name="Google Shape;182;p20">
-            <a:extLst>
-              <a:ext uri="{FF2B5EF4-FFF2-40B4-BE49-F238E27FC236}">
-                <a16:creationId xmlns:a16="http://schemas.microsoft.com/office/drawing/2014/main" id="{8B90D508-A89F-4C2D-B454-32F098294C07}"/>
-              </a:ext>
-            </a:extLst>
-          </p:cNvPr>
-          <p:cNvSpPr txBox="1"/>
-          <p:nvPr/>
-        </p:nvSpPr>
-        <p:spPr>
-          <a:xfrm>
-            <a:off x="3257486" y="3067235"/>
-            <a:ext cx="882762" cy="234000"/>
-          </a:xfrm>
-          <a:prstGeom prst="rect">
-            <a:avLst/>
-          </a:prstGeom>
-          <a:noFill/>
-          <a:ln>
-            <a:noFill/>
-          </a:ln>
-        </p:spPr>
-        <p:txBody>
-          <a:bodyPr spcFirstLastPara="1" wrap="square" lIns="91425" tIns="91425" rIns="91425" bIns="91425" anchor="ctr" anchorCtr="0">
-            <a:noAutofit/>
-          </a:bodyPr>
-          <a:lstStyle/>
-          <a:p>
-            <a:pPr marL="0" lvl="0" indent="0" algn="ctr" rtl="0">
-              <a:spcBef>
-                <a:spcPts val="0"/>
-              </a:spcBef>
-              <a:spcAft>
-                <a:spcPts val="0"/>
-              </a:spcAft>
-              <a:buNone/>
-            </a:pPr>
-            <a:r>
-              <a:rPr lang="en-US" altLang="ko" sz="1200" dirty="0"/>
-              <a:t>delete</a:t>
-            </a:r>
-            <a:r>
-              <a:rPr lang="ko" sz="1200" dirty="0"/>
-              <a:t>()</a:t>
-            </a:r>
-            <a:endParaRPr sz="1200" dirty="0"/>
-          </a:p>
-        </p:txBody>
-      </p:sp>
-      <p:sp>
-        <p:nvSpPr>
-          <p:cNvPr id="73" name="Google Shape;184;p20">
-            <a:extLst>
-              <a:ext uri="{FF2B5EF4-FFF2-40B4-BE49-F238E27FC236}">
-                <a16:creationId xmlns:a16="http://schemas.microsoft.com/office/drawing/2014/main" id="{889FD861-FD9E-45D7-B18B-DBF807118BB9}"/>
-              </a:ext>
-            </a:extLst>
-          </p:cNvPr>
-          <p:cNvSpPr txBox="1"/>
-          <p:nvPr/>
-        </p:nvSpPr>
-        <p:spPr>
-          <a:xfrm>
-            <a:off x="3620602" y="3798025"/>
-            <a:ext cx="951398" cy="234000"/>
-          </a:xfrm>
-          <a:prstGeom prst="rect">
-            <a:avLst/>
-          </a:prstGeom>
-          <a:solidFill>
-            <a:srgbClr val="FFFFFF"/>
-          </a:solidFill>
-          <a:ln>
-            <a:noFill/>
-          </a:ln>
-        </p:spPr>
-        <p:txBody>
-          <a:bodyPr spcFirstLastPara="1" wrap="square" lIns="91425" tIns="91425" rIns="91425" bIns="91425" anchor="ctr" anchorCtr="0">
-            <a:noAutofit/>
-          </a:bodyPr>
-          <a:lstStyle/>
-          <a:p>
-            <a:pPr marL="0" lvl="0" indent="0" algn="ctr" rtl="0">
-              <a:spcBef>
-                <a:spcPts val="0"/>
-              </a:spcBef>
-              <a:spcAft>
-                <a:spcPts val="0"/>
-              </a:spcAft>
-              <a:buNone/>
-            </a:pPr>
-            <a:r>
-              <a:rPr lang="en-US" altLang="ko" sz="1200" dirty="0"/>
-              <a:t>invocation</a:t>
-            </a:r>
-            <a:r>
-              <a:rPr lang="ko" sz="1200" dirty="0"/>
-              <a:t>()</a:t>
-            </a:r>
-            <a:endParaRPr sz="1200" dirty="0"/>
-          </a:p>
-        </p:txBody>
-      </p:sp>
-      <p:sp>
-        <p:nvSpPr>
-          <p:cNvPr id="34" name="Google Shape;165;p20">
-            <a:extLst>
-              <a:ext uri="{FF2B5EF4-FFF2-40B4-BE49-F238E27FC236}">
-                <a16:creationId xmlns:a16="http://schemas.microsoft.com/office/drawing/2014/main" id="{0EDDDB37-6AB0-491F-A8DC-A726DAD7A7D0}"/>
-              </a:ext>
-            </a:extLst>
-          </p:cNvPr>
-          <p:cNvSpPr txBox="1"/>
-          <p:nvPr/>
-        </p:nvSpPr>
-        <p:spPr>
-          <a:xfrm>
-            <a:off x="2536406" y="999915"/>
-            <a:ext cx="1323600" cy="448500"/>
-          </a:xfrm>
-          <a:prstGeom prst="rect">
-            <a:avLst/>
-          </a:prstGeom>
-          <a:noFill/>
-          <a:ln>
-            <a:noFill/>
-          </a:ln>
-        </p:spPr>
-        <p:txBody>
-          <a:bodyPr spcFirstLastPara="1" wrap="square" lIns="91425" tIns="91425" rIns="91425" bIns="91425" anchor="ctr" anchorCtr="0">
-            <a:noAutofit/>
-          </a:bodyPr>
-          <a:lstStyle/>
-          <a:p>
-            <a:pPr marL="0" lvl="0" indent="0" algn="ctr" rtl="0">
-              <a:spcBef>
-                <a:spcPts val="0"/>
-              </a:spcBef>
-              <a:spcAft>
-                <a:spcPts val="0"/>
-              </a:spcAft>
-              <a:buNone/>
-            </a:pPr>
-            <a:r>
-              <a:rPr lang="ko" dirty="0"/>
-              <a:t>Lambda</a:t>
-            </a:r>
-            <a:endParaRPr lang="en-US" altLang="ko" dirty="0"/>
-          </a:p>
-          <a:p>
-            <a:pPr marL="0" lvl="0" indent="0" algn="ctr" rtl="0">
-              <a:spcBef>
-                <a:spcPts val="0"/>
-              </a:spcBef>
-              <a:spcAft>
-                <a:spcPts val="0"/>
-              </a:spcAft>
-              <a:buNone/>
-            </a:pPr>
-            <a:r>
-              <a:rPr lang="en-US" dirty="0"/>
-              <a:t>Delete</a:t>
-            </a:r>
-            <a:endParaRPr dirty="0"/>
-          </a:p>
-        </p:txBody>
-      </p:sp>
-      <p:cxnSp>
-        <p:nvCxnSpPr>
-          <p:cNvPr id="35" name="Google Shape;170;p20">
-            <a:extLst>
-              <a:ext uri="{FF2B5EF4-FFF2-40B4-BE49-F238E27FC236}">
-                <a16:creationId xmlns:a16="http://schemas.microsoft.com/office/drawing/2014/main" id="{33957C6E-9A8D-4982-B732-E19DEE0CA64D}"/>
-              </a:ext>
-            </a:extLst>
-          </p:cNvPr>
-          <p:cNvCxnSpPr/>
-          <p:nvPr/>
-        </p:nvCxnSpPr>
-        <p:spPr>
-          <a:xfrm>
-            <a:off x="3197957" y="1448405"/>
-            <a:ext cx="600" cy="3032700"/>
-          </a:xfrm>
-          <a:prstGeom prst="straightConnector1">
-            <a:avLst/>
-          </a:prstGeom>
-          <a:noFill/>
-          <a:ln w="38100" cap="flat" cmpd="sng">
-            <a:solidFill>
-              <a:schemeClr val="dk2"/>
-            </a:solidFill>
-            <a:prstDash val="dash"/>
-            <a:round/>
-            <a:headEnd type="none" w="med" len="med"/>
-            <a:tailEnd type="none" w="med" len="med"/>
-          </a:ln>
-        </p:spPr>
-      </p:cxnSp>
-      <p:cxnSp>
-        <p:nvCxnSpPr>
-          <p:cNvPr id="55" name="Google Shape;174;p20">
-            <a:extLst>
-              <a:ext uri="{FF2B5EF4-FFF2-40B4-BE49-F238E27FC236}">
-                <a16:creationId xmlns:a16="http://schemas.microsoft.com/office/drawing/2014/main" id="{B48F2CC1-9394-401D-AA16-B735B9936980}"/>
-              </a:ext>
-            </a:extLst>
-          </p:cNvPr>
-          <p:cNvCxnSpPr>
-            <a:cxnSpLocks/>
-          </p:cNvCxnSpPr>
-          <p:nvPr/>
-        </p:nvCxnSpPr>
-        <p:spPr>
-          <a:xfrm>
-            <a:off x="2261022" y="1994540"/>
-            <a:ext cx="871116" cy="0"/>
-          </a:xfrm>
-          <a:prstGeom prst="straightConnector1">
-            <a:avLst/>
-          </a:prstGeom>
-          <a:noFill/>
-          <a:ln w="28575" cap="flat" cmpd="sng">
-            <a:solidFill>
-              <a:schemeClr val="dk2"/>
-            </a:solidFill>
-            <a:prstDash val="solid"/>
-            <a:round/>
-            <a:headEnd type="none" w="med" len="med"/>
-            <a:tailEnd type="triangle" w="med" len="med"/>
-          </a:ln>
-        </p:spPr>
-      </p:cxnSp>
-      <p:sp>
-        <p:nvSpPr>
-          <p:cNvPr id="59" name="Google Shape;181;p20">
-            <a:extLst>
-              <a:ext uri="{FF2B5EF4-FFF2-40B4-BE49-F238E27FC236}">
-                <a16:creationId xmlns:a16="http://schemas.microsoft.com/office/drawing/2014/main" id="{19CB2730-113F-46EF-AF47-8FA5A1C74E2F}"/>
-              </a:ext>
-            </a:extLst>
-          </p:cNvPr>
-          <p:cNvSpPr txBox="1"/>
-          <p:nvPr/>
-        </p:nvSpPr>
-        <p:spPr>
-          <a:xfrm>
-            <a:off x="2222472" y="1684402"/>
-            <a:ext cx="891300" cy="234000"/>
-          </a:xfrm>
-          <a:prstGeom prst="rect">
-            <a:avLst/>
-          </a:prstGeom>
-          <a:noFill/>
-          <a:ln>
-            <a:noFill/>
-          </a:ln>
-        </p:spPr>
-        <p:txBody>
-          <a:bodyPr spcFirstLastPara="1" wrap="square" lIns="91425" tIns="91425" rIns="91425" bIns="91425" anchor="ctr" anchorCtr="0">
-            <a:noAutofit/>
-          </a:bodyPr>
-          <a:lstStyle/>
-          <a:p>
-            <a:pPr marL="0" lvl="0" indent="0" algn="ctr" rtl="0">
-              <a:spcBef>
-                <a:spcPts val="0"/>
-              </a:spcBef>
-              <a:spcAft>
-                <a:spcPts val="0"/>
-              </a:spcAft>
-              <a:buNone/>
-            </a:pPr>
-            <a:r>
-              <a:rPr lang="ko" sz="1200" dirty="0"/>
-              <a:t>trigger()</a:t>
-            </a:r>
-            <a:endParaRPr sz="1200" dirty="0"/>
-          </a:p>
-        </p:txBody>
-      </p:sp>
+            <a:ln>
+              <a:noFill/>
+            </a:ln>
+          </p:spPr>
+          <p:txBody>
+            <a:bodyPr spcFirstLastPara="1" wrap="square" lIns="91425" tIns="91425" rIns="91425" bIns="91425" anchor="ctr" anchorCtr="0">
+              <a:noAutofit/>
+            </a:bodyPr>
+            <a:lstStyle/>
+            <a:p>
+              <a:pPr marL="0" lvl="0" indent="0" algn="ctr" rtl="0">
+                <a:spcBef>
+                  <a:spcPts val="0"/>
+                </a:spcBef>
+                <a:spcAft>
+                  <a:spcPts val="0"/>
+                </a:spcAft>
+                <a:buNone/>
+              </a:pPr>
+              <a:r>
+                <a:rPr lang="ko" sz="1200" dirty="0"/>
+                <a:t>trigger()</a:t>
+              </a:r>
+              <a:endParaRPr sz="1200" dirty="0"/>
+            </a:p>
+          </p:txBody>
+        </p:sp>
+      </p:grpSp>
     </p:spTree>
   </p:cSld>
   <p:clrMapOvr>
@@ -19365,7 +19415,7 @@
           <p:nvPr>
             <p:extLst>
               <p:ext uri="{D42A27DB-BD31-4B8C-83A1-F6EECF244321}">
-                <p14:modId xmlns:p14="http://schemas.microsoft.com/office/powerpoint/2010/main" val="3535609933"/>
+                <p14:modId xmlns:p14="http://schemas.microsoft.com/office/powerpoint/2010/main" val="3185179373"/>
               </p:ext>
             </p:extLst>
           </p:nvPr>
@@ -20357,19 +20407,7 @@
                         <a:rPr lang="en-US" sz="500" u="none" strike="noStrike" dirty="0">
                           <a:effectLst/>
                         </a:rPr>
-                        <a:t> </a:t>
-                      </a:r>
-                      <a:r>
-                        <a:rPr lang="en-US" sz="500" u="none" strike="noStrike" dirty="0" err="1">
-                          <a:effectLst/>
-                        </a:rPr>
-                        <a:t>cjm</a:t>
-                      </a:r>
-                      <a:r>
-                        <a:rPr lang="en-US" sz="500" u="none" strike="noStrike" dirty="0">
-                          <a:effectLst/>
-                        </a:rPr>
-                        <a:t>-test</a:t>
+                        <a:t> cjm-test2</a:t>
                       </a:r>
                       <a:endParaRPr lang="en-US" sz="500" b="1" i="0" u="none" strike="noStrike" dirty="0">
                         <a:solidFill>
@@ -20497,18 +20535,18 @@
                     <a:p>
                       <a:pPr algn="l" fontAlgn="ctr"/>
                       <a:r>
-                        <a:rPr lang="ko-KR" altLang="en-US" sz="500" u="none" strike="noStrike">
+                        <a:rPr lang="ko-KR" altLang="en-US" sz="500" u="none" strike="noStrike" dirty="0">
                           <a:effectLst/>
                         </a:rPr>
                         <a:t> </a:t>
                       </a:r>
                       <a:r>
-                        <a:rPr lang="en-US" altLang="ko-KR" sz="500" u="none" strike="noStrike">
+                        <a:rPr lang="en-US" altLang="ko-KR" sz="500" u="none" strike="noStrike" dirty="0">
                           <a:effectLst/>
                         </a:rPr>
                         <a:t>2020-05-07</a:t>
                       </a:r>
-                      <a:endParaRPr lang="en-US" altLang="ko-KR" sz="500" b="1" i="0" u="none" strike="noStrike">
+                      <a:endParaRPr lang="en-US" altLang="ko-KR" sz="500" b="1" i="0" u="none" strike="noStrike" dirty="0">
                         <a:solidFill>
                           <a:srgbClr val="000000"/>
                         </a:solidFill>
@@ -21253,7 +21291,7 @@
               <a:rPr lang="en-US" altLang="ko-KR" sz="800" b="1" dirty="0"/>
               <a:t>+ 7</a:t>
             </a:r>
-            <a:endParaRPr sz="800" dirty="0"/>
+            <a:endParaRPr lang="ko-KR" altLang="en-US" sz="800" dirty="0"/>
           </a:p>
         </p:txBody>
       </p:sp>
@@ -21331,7 +21369,7 @@
           <p:nvPr>
             <p:extLst>
               <p:ext uri="{D42A27DB-BD31-4B8C-83A1-F6EECF244321}">
-                <p14:modId xmlns:p14="http://schemas.microsoft.com/office/powerpoint/2010/main" val="2105380747"/>
+                <p14:modId xmlns:p14="http://schemas.microsoft.com/office/powerpoint/2010/main" val="4280946767"/>
               </p:ext>
             </p:extLst>
           </p:nvPr>
@@ -22469,18 +22507,18 @@
                     <a:p>
                       <a:pPr algn="l" fontAlgn="ctr"/>
                       <a:r>
-                        <a:rPr lang="ko-KR" altLang="en-US" sz="500" u="none" strike="noStrike">
+                        <a:rPr lang="ko-KR" altLang="en-US" sz="500" u="none" strike="noStrike" dirty="0">
                           <a:effectLst/>
                         </a:rPr>
                         <a:t> </a:t>
                       </a:r>
                       <a:r>
-                        <a:rPr lang="en-US" altLang="ko-KR" sz="500" u="none" strike="noStrike">
+                        <a:rPr lang="en-US" altLang="ko-KR" sz="500" u="none" strike="noStrike" dirty="0">
                           <a:effectLst/>
                         </a:rPr>
-                        <a:t>2020-05-07</a:t>
+                        <a:t>2020-05-09</a:t>
                       </a:r>
-                      <a:endParaRPr lang="en-US" altLang="ko-KR" sz="500" b="1" i="0" u="none" strike="noStrike">
+                      <a:endParaRPr lang="en-US" altLang="ko-KR" sz="500" b="1" i="0" u="none" strike="noStrike" dirty="0">
                         <a:solidFill>
                           <a:srgbClr val="000000"/>
                         </a:solidFill>
@@ -22744,12 +22782,12 @@
                     <a:p>
                       <a:pPr algn="l" fontAlgn="ctr"/>
                       <a:r>
-                        <a:rPr lang="ko-KR" altLang="en-US" sz="500" u="none" strike="noStrike">
+                        <a:rPr lang="en-US" sz="500" u="none" strike="noStrike" dirty="0">
                           <a:effectLst/>
                         </a:rPr>
-                        <a:t>         </a:t>
+                        <a:t> cjm-test2</a:t>
                       </a:r>
-                      <a:endParaRPr lang="ko-KR" altLang="en-US" sz="500" b="1" i="0" u="none" strike="noStrike">
+                      <a:endParaRPr lang="en-US" sz="500" b="1" i="0" u="none" strike="noStrike" dirty="0">
                         <a:solidFill>
                           <a:srgbClr val="000000"/>
                         </a:solidFill>
@@ -22809,95 +22847,16 @@
                       <a:pPr algn="l" fontAlgn="ctr"/>
                       <a:r>
                         <a:rPr lang="en-US" sz="500" u="none" strike="noStrike" dirty="0">
+                          <a:solidFill>
+                            <a:srgbClr val="0070C0"/>
+                          </a:solidFill>
                           <a:effectLst/>
                         </a:rPr>
-                        <a:t>            </a:t>
-                      </a:r>
-                      <a:r>
-                        <a:rPr lang="en-US" sz="500" u="none" strike="noStrike" dirty="0" err="1">
-                          <a:effectLst/>
-                        </a:rPr>
-                        <a:t>cwh</a:t>
-                      </a:r>
-                      <a:r>
-                        <a:rPr lang="en-US" sz="500" u="none" strike="noStrike" dirty="0">
-                          <a:effectLst/>
-                        </a:rPr>
-                        <a:t>-test</a:t>
+                        <a:t> i-02a1eb87f146fadab</a:t>
                       </a:r>
                       <a:endParaRPr lang="en-US" sz="500" b="1" i="0" u="none" strike="noStrike" dirty="0">
                         <a:solidFill>
-                          <a:srgbClr val="000000"/>
-                        </a:solidFill>
-                        <a:effectLst/>
-                        <a:latin typeface="맑은 고딕" panose="020B0503020000020004" pitchFamily="50" charset="-127"/>
-                        <a:ea typeface="맑은 고딕" panose="020B0503020000020004" pitchFamily="50" charset="-127"/>
-                      </a:endParaRPr>
-                    </a:p>
-                  </a:txBody>
-                  <a:tcPr marL="7620" marR="7620" marT="7620" marB="0" anchor="ctr">
-                    <a:lnL w="12700" cap="flat" cmpd="sng" algn="ctr">
-                      <a:solidFill>
-                        <a:schemeClr val="tx1"/>
-                      </a:solidFill>
-                      <a:prstDash val="solid"/>
-                      <a:round/>
-                      <a:headEnd type="none" w="med" len="med"/>
-                      <a:tailEnd type="none" w="med" len="med"/>
-                    </a:lnL>
-                    <a:lnR w="12700" cap="flat" cmpd="sng" algn="ctr">
-                      <a:solidFill>
-                        <a:schemeClr val="tx1"/>
-                      </a:solidFill>
-                      <a:prstDash val="solid"/>
-                      <a:round/>
-                      <a:headEnd type="none" w="med" len="med"/>
-                      <a:tailEnd type="none" w="med" len="med"/>
-                    </a:lnR>
-                    <a:lnT w="12700" cap="flat" cmpd="sng" algn="ctr">
-                      <a:solidFill>
-                        <a:schemeClr val="tx1"/>
-                      </a:solidFill>
-                      <a:prstDash val="solid"/>
-                      <a:round/>
-                      <a:headEnd type="none" w="med" len="med"/>
-                      <a:tailEnd type="none" w="med" len="med"/>
-                    </a:lnT>
-                    <a:lnB w="38100" cap="flat" cmpd="sng" algn="ctr">
-                      <a:solidFill>
-                        <a:schemeClr val="tx1"/>
-                      </a:solidFill>
-                      <a:prstDash val="solid"/>
-                      <a:round/>
-                      <a:headEnd type="none" w="med" len="med"/>
-                      <a:tailEnd type="none" w="med" len="med"/>
-                    </a:lnB>
-                    <a:solidFill>
-                      <a:schemeClr val="bg1"/>
-                    </a:solidFill>
-                  </a:tcPr>
-                </a:tc>
-                <a:tc>
-                  <a:txBody>
-                    <a:bodyPr/>
-                    <a:lstStyle/>
-                    <a:p>
-                      <a:pPr algn="l" fontAlgn="ctr"/>
-                      <a:r>
-                        <a:rPr lang="ko-KR" altLang="en-US" sz="500" u="none" strike="noStrike">
-                          <a:effectLst/>
-                        </a:rPr>
-                        <a:t> </a:t>
-                      </a:r>
-                      <a:r>
-                        <a:rPr lang="en-US" altLang="ko-KR" sz="500" u="none" strike="noStrike">
-                          <a:effectLst/>
-                        </a:rPr>
-                        <a:t>2020-05-07</a:t>
-                      </a:r>
-                      <a:endParaRPr lang="en-US" altLang="ko-KR" sz="500" b="1" i="0" u="none" strike="noStrike">
-                        <a:solidFill>
-                          <a:srgbClr val="000000"/>
+                          <a:srgbClr val="0070C0"/>
                         </a:solidFill>
                         <a:effectLst/>
                         <a:latin typeface="맑은 고딕" panose="020B0503020000020004" pitchFamily="50" charset="-127"/>
@@ -22963,7 +22922,77 @@
                         <a:rPr lang="en-US" altLang="ko-KR" sz="500" u="none" strike="noStrike" dirty="0">
                           <a:effectLst/>
                         </a:rPr>
-                        <a:t>2020-05-10</a:t>
+                        <a:t>2020-05-07</a:t>
+                      </a:r>
+                      <a:endParaRPr lang="en-US" altLang="ko-KR" sz="500" b="1" i="0" u="none" strike="noStrike" dirty="0">
+                        <a:solidFill>
+                          <a:srgbClr val="000000"/>
+                        </a:solidFill>
+                        <a:effectLst/>
+                        <a:latin typeface="맑은 고딕" panose="020B0503020000020004" pitchFamily="50" charset="-127"/>
+                        <a:ea typeface="맑은 고딕" panose="020B0503020000020004" pitchFamily="50" charset="-127"/>
+                      </a:endParaRPr>
+                    </a:p>
+                  </a:txBody>
+                  <a:tcPr marL="7620" marR="7620" marT="7620" marB="0" anchor="ctr">
+                    <a:lnL w="12700" cap="flat" cmpd="sng" algn="ctr">
+                      <a:solidFill>
+                        <a:schemeClr val="tx1"/>
+                      </a:solidFill>
+                      <a:prstDash val="solid"/>
+                      <a:round/>
+                      <a:headEnd type="none" w="med" len="med"/>
+                      <a:tailEnd type="none" w="med" len="med"/>
+                    </a:lnL>
+                    <a:lnR w="12700" cap="flat" cmpd="sng" algn="ctr">
+                      <a:solidFill>
+                        <a:schemeClr val="tx1"/>
+                      </a:solidFill>
+                      <a:prstDash val="solid"/>
+                      <a:round/>
+                      <a:headEnd type="none" w="med" len="med"/>
+                      <a:tailEnd type="none" w="med" len="med"/>
+                    </a:lnR>
+                    <a:lnT w="12700" cap="flat" cmpd="sng" algn="ctr">
+                      <a:solidFill>
+                        <a:schemeClr val="tx1"/>
+                      </a:solidFill>
+                      <a:prstDash val="solid"/>
+                      <a:round/>
+                      <a:headEnd type="none" w="med" len="med"/>
+                      <a:tailEnd type="none" w="med" len="med"/>
+                    </a:lnT>
+                    <a:lnB w="38100" cap="flat" cmpd="sng" algn="ctr">
+                      <a:solidFill>
+                        <a:schemeClr val="tx1"/>
+                      </a:solidFill>
+                      <a:prstDash val="solid"/>
+                      <a:round/>
+                      <a:headEnd type="none" w="med" len="med"/>
+                      <a:tailEnd type="none" w="med" len="med"/>
+                    </a:lnB>
+                    <a:solidFill>
+                      <a:schemeClr val="bg1"/>
+                    </a:solidFill>
+                  </a:tcPr>
+                </a:tc>
+                <a:tc>
+                  <a:txBody>
+                    <a:bodyPr/>
+                    <a:lstStyle/>
+                    <a:p>
+                      <a:pPr algn="l" fontAlgn="ctr"/>
+                      <a:r>
+                        <a:rPr lang="ko-KR" altLang="en-US" sz="500" u="none" strike="noStrike" dirty="0">
+                          <a:effectLst/>
+                        </a:rPr>
+                        <a:t> </a:t>
+                      </a:r>
+                      <a:r>
+                        <a:rPr lang="en-US" altLang="ko-KR" sz="500" u="none" strike="noStrike" dirty="0">
+                          <a:effectLst/>
+                        </a:rPr>
+                        <a:t>2020-05-16</a:t>
                       </a:r>
                       <a:endParaRPr lang="en-US" altLang="ko-KR" sz="500" b="1" i="0" u="none" strike="noStrike" dirty="0">
                         <a:solidFill>
@@ -23043,7 +23072,7 @@
         </p:nvCxnSpPr>
         <p:spPr>
           <a:xfrm flipH="1">
-            <a:off x="5528975" y="3378201"/>
+            <a:off x="5528975" y="3535681"/>
             <a:ext cx="389964" cy="0"/>
           </a:xfrm>
           <a:prstGeom prst="straightConnector1">
@@ -23085,8 +23114,8 @@
         </p:nvSpPr>
         <p:spPr>
           <a:xfrm>
-            <a:off x="5968650" y="3192418"/>
-            <a:ext cx="1976315" cy="264138"/>
+            <a:off x="5968650" y="3329577"/>
+            <a:ext cx="1976315" cy="406908"/>
           </a:xfrm>
           <a:prstGeom prst="rect">
             <a:avLst/>
@@ -23097,7 +23126,7 @@
           </a:ln>
         </p:spPr>
         <p:txBody>
-          <a:bodyPr spcFirstLastPara="1" wrap="square" lIns="68575" tIns="34275" rIns="68575" bIns="34275" anchor="t" anchorCtr="0">
+          <a:bodyPr spcFirstLastPara="1" wrap="square" lIns="68575" tIns="34275" rIns="68575" bIns="34275" anchor="ctr" anchorCtr="0">
             <a:noAutofit/>
           </a:bodyPr>
           <a:lstStyle/>
@@ -23116,7 +23145,26 @@
             </a:pPr>
             <a:r>
               <a:rPr lang="ko-KR" altLang="en-US" sz="800" b="1" dirty="0"/>
-              <a:t>연속되어 등록 되었으므로 예정일 유지</a:t>
+              <a:t>등록 이력이 있던 </a:t>
+            </a:r>
+            <a:r>
+              <a:rPr lang="en-US" altLang="ko-KR" sz="800" b="1" dirty="0"/>
+              <a:t>resource</a:t>
+            </a:r>
+            <a:r>
+              <a:rPr lang="ko-KR" altLang="en-US" sz="800" b="1" dirty="0"/>
+              <a:t> 이지만 </a:t>
+            </a:r>
+            <a:br>
+              <a:rPr lang="en-US" altLang="ko-KR" sz="800" b="1" dirty="0"/>
+            </a:br>
+            <a:r>
+              <a:rPr lang="en-US" altLang="ko-KR" sz="800" b="1" dirty="0"/>
+              <a:t>update </a:t>
+            </a:r>
+            <a:r>
+              <a:rPr lang="ko-KR" altLang="en-US" sz="800" b="1" dirty="0"/>
+              <a:t>되었으므로 예정일도 변경</a:t>
             </a:r>
             <a:endParaRPr sz="800" dirty="0"/>
           </a:p>
@@ -23196,7 +23244,7 @@
           <p:nvPr>
             <p:extLst>
               <p:ext uri="{D42A27DB-BD31-4B8C-83A1-F6EECF244321}">
-                <p14:modId xmlns:p14="http://schemas.microsoft.com/office/powerpoint/2010/main" val="919503244"/>
+                <p14:modId xmlns:p14="http://schemas.microsoft.com/office/powerpoint/2010/main" val="3362818586"/>
               </p:ext>
             </p:extLst>
           </p:nvPr>
@@ -24262,83 +24310,16 @@
                       <a:pPr algn="l" fontAlgn="ctr"/>
                       <a:r>
                         <a:rPr lang="en-US" sz="500" u="none" strike="noStrike" dirty="0">
+                          <a:solidFill>
+                            <a:srgbClr val="FF0000"/>
+                          </a:solidFill>
                           <a:effectLst/>
                         </a:rPr>
                         <a:t> i-02a1eb87f146fadab</a:t>
                       </a:r>
                       <a:endParaRPr lang="en-US" sz="500" b="1" i="0" u="none" strike="noStrike" dirty="0">
                         <a:solidFill>
-                          <a:srgbClr val="000000"/>
-                        </a:solidFill>
-                        <a:effectLst/>
-                        <a:latin typeface="맑은 고딕" panose="020B0503020000020004" pitchFamily="50" charset="-127"/>
-                        <a:ea typeface="맑은 고딕" panose="020B0503020000020004" pitchFamily="50" charset="-127"/>
-                      </a:endParaRPr>
-                    </a:p>
-                  </a:txBody>
-                  <a:tcPr marL="7620" marR="7620" marT="7620" marB="0" anchor="ctr">
-                    <a:lnL w="12700" cap="flat" cmpd="sng" algn="ctr">
-                      <a:solidFill>
-                        <a:schemeClr val="tx1"/>
-                      </a:solidFill>
-                      <a:prstDash val="solid"/>
-                      <a:round/>
-                      <a:headEnd type="none" w="med" len="med"/>
-                      <a:tailEnd type="none" w="med" len="med"/>
-                    </a:lnL>
-                    <a:lnR w="12700" cap="flat" cmpd="sng" algn="ctr">
-                      <a:solidFill>
-                        <a:schemeClr val="tx1"/>
-                      </a:solidFill>
-                      <a:prstDash val="solid"/>
-                      <a:round/>
-                      <a:headEnd type="none" w="med" len="med"/>
-                      <a:tailEnd type="none" w="med" len="med"/>
-                    </a:lnR>
-                    <a:lnT w="12700" cap="flat" cmpd="sng" algn="ctr">
-                      <a:solidFill>
-                        <a:schemeClr val="tx1"/>
-                      </a:solidFill>
-                      <a:prstDash val="solid"/>
-                      <a:round/>
-                      <a:headEnd type="none" w="med" len="med"/>
-                      <a:tailEnd type="none" w="med" len="med"/>
-                    </a:lnT>
-                    <a:lnB w="12700" cap="flat" cmpd="sng" algn="ctr">
-                      <a:solidFill>
-                        <a:schemeClr val="tx1"/>
-                      </a:solidFill>
-                      <a:prstDash val="solid"/>
-                      <a:round/>
-                      <a:headEnd type="none" w="med" len="med"/>
-                      <a:tailEnd type="none" w="med" len="med"/>
-                    </a:lnB>
-                    <a:solidFill>
-                      <a:schemeClr val="bg1"/>
-                    </a:solidFill>
-                  </a:tcPr>
-                </a:tc>
-                <a:tc>
-                  <a:txBody>
-                    <a:bodyPr/>
-                    <a:lstStyle/>
-                    <a:p>
-                      <a:pPr algn="l" fontAlgn="ctr"/>
-                      <a:r>
-                        <a:rPr lang="ko-KR" altLang="en-US" sz="500" u="none" strike="noStrike">
-                          <a:effectLst/>
-                        </a:rPr>
-                        <a:t> </a:t>
-                      </a:r>
-                      <a:r>
-                        <a:rPr lang="en-US" altLang="ko-KR" sz="500" u="none" strike="noStrike">
-                          <a:effectLst/>
-                        </a:rPr>
-                        <a:t>2020-05-07</a:t>
-                      </a:r>
-                      <a:endParaRPr lang="en-US" altLang="ko-KR" sz="500" b="1" i="0" u="none" strike="noStrike">
-                        <a:solidFill>
-                          <a:srgbClr val="000000"/>
+                          <a:srgbClr val="FF0000"/>
                         </a:solidFill>
                         <a:effectLst/>
                         <a:latin typeface="맑은 고딕" panose="020B0503020000020004" pitchFamily="50" charset="-127"/>
@@ -24404,7 +24385,77 @@
                         <a:rPr lang="en-US" altLang="ko-KR" sz="500" u="none" strike="noStrike" dirty="0">
                           <a:effectLst/>
                         </a:rPr>
-                        <a:t>2020-05-18</a:t>
+                        <a:t>2020-05-09</a:t>
+                      </a:r>
+                      <a:endParaRPr lang="en-US" altLang="ko-KR" sz="500" b="1" i="0" u="none" strike="noStrike" dirty="0">
+                        <a:solidFill>
+                          <a:srgbClr val="000000"/>
+                        </a:solidFill>
+                        <a:effectLst/>
+                        <a:latin typeface="맑은 고딕" panose="020B0503020000020004" pitchFamily="50" charset="-127"/>
+                        <a:ea typeface="맑은 고딕" panose="020B0503020000020004" pitchFamily="50" charset="-127"/>
+                      </a:endParaRPr>
+                    </a:p>
+                  </a:txBody>
+                  <a:tcPr marL="7620" marR="7620" marT="7620" marB="0" anchor="ctr">
+                    <a:lnL w="12700" cap="flat" cmpd="sng" algn="ctr">
+                      <a:solidFill>
+                        <a:schemeClr val="tx1"/>
+                      </a:solidFill>
+                      <a:prstDash val="solid"/>
+                      <a:round/>
+                      <a:headEnd type="none" w="med" len="med"/>
+                      <a:tailEnd type="none" w="med" len="med"/>
+                    </a:lnL>
+                    <a:lnR w="12700" cap="flat" cmpd="sng" algn="ctr">
+                      <a:solidFill>
+                        <a:schemeClr val="tx1"/>
+                      </a:solidFill>
+                      <a:prstDash val="solid"/>
+                      <a:round/>
+                      <a:headEnd type="none" w="med" len="med"/>
+                      <a:tailEnd type="none" w="med" len="med"/>
+                    </a:lnR>
+                    <a:lnT w="12700" cap="flat" cmpd="sng" algn="ctr">
+                      <a:solidFill>
+                        <a:schemeClr val="tx1"/>
+                      </a:solidFill>
+                      <a:prstDash val="solid"/>
+                      <a:round/>
+                      <a:headEnd type="none" w="med" len="med"/>
+                      <a:tailEnd type="none" w="med" len="med"/>
+                    </a:lnT>
+                    <a:lnB w="12700" cap="flat" cmpd="sng" algn="ctr">
+                      <a:solidFill>
+                        <a:schemeClr val="tx1"/>
+                      </a:solidFill>
+                      <a:prstDash val="solid"/>
+                      <a:round/>
+                      <a:headEnd type="none" w="med" len="med"/>
+                      <a:tailEnd type="none" w="med" len="med"/>
+                    </a:lnB>
+                    <a:solidFill>
+                      <a:schemeClr val="bg1"/>
+                    </a:solidFill>
+                  </a:tcPr>
+                </a:tc>
+                <a:tc>
+                  <a:txBody>
+                    <a:bodyPr/>
+                    <a:lstStyle/>
+                    <a:p>
+                      <a:pPr algn="l" fontAlgn="ctr"/>
+                      <a:r>
+                        <a:rPr lang="ko-KR" altLang="en-US" sz="500" u="none" strike="noStrike" dirty="0">
+                          <a:effectLst/>
+                        </a:rPr>
+                        <a:t> </a:t>
+                      </a:r>
+                      <a:r>
+                        <a:rPr lang="en-US" altLang="ko-KR" sz="500" u="none" strike="noStrike" dirty="0">
+                          <a:effectLst/>
+                        </a:rPr>
+                        <a:t>2020-05-17</a:t>
                       </a:r>
                       <a:endParaRPr lang="en-US" altLang="ko-KR" sz="500" b="1" i="0" u="none" strike="noStrike" dirty="0">
                         <a:solidFill>
@@ -24600,12 +24651,12 @@
                     <a:p>
                       <a:pPr algn="l" fontAlgn="ctr"/>
                       <a:r>
-                        <a:rPr lang="ko-KR" altLang="en-US" sz="500" u="none" strike="sngStrike">
+                        <a:rPr lang="en-US" sz="500" u="none" strike="noStrike" dirty="0">
                           <a:effectLst/>
                         </a:rPr>
-                        <a:t>         </a:t>
+                        <a:t> cjm-test2</a:t>
                       </a:r>
-                      <a:endParaRPr lang="ko-KR" altLang="en-US" sz="500" b="1" i="0" u="none" strike="sngStrike">
+                      <a:endParaRPr lang="en-US" sz="500" b="1" i="0" u="none" strike="noStrike" dirty="0">
                         <a:solidFill>
                           <a:srgbClr val="000000"/>
                         </a:solidFill>
@@ -24664,26 +24715,17 @@
                     <a:p>
                       <a:pPr algn="l" fontAlgn="ctr"/>
                       <a:r>
-                        <a:rPr lang="en-US" sz="500" u="none" strike="sngStrike" dirty="0">
+                        <a:rPr lang="en-US" sz="500" u="none" strike="noStrike" dirty="0">
+                          <a:solidFill>
+                            <a:srgbClr val="0070C0"/>
+                          </a:solidFill>
                           <a:effectLst/>
                         </a:rPr>
-                        <a:t>            </a:t>
+                        <a:t> i-02a1eb87f146fadab</a:t>
                       </a:r>
-                      <a:r>
-                        <a:rPr lang="en-US" sz="500" u="none" strike="sngStrike" dirty="0" err="1">
-                          <a:effectLst/>
-                        </a:rPr>
-                        <a:t>cwh</a:t>
-                      </a:r>
-                      <a:r>
-                        <a:rPr lang="en-US" sz="500" u="none" strike="sngStrike" dirty="0">
-                          <a:effectLst/>
-                        </a:rPr>
-                        <a:t>-test---------- </a:t>
-                      </a:r>
-                      <a:endParaRPr lang="en-US" sz="500" b="1" i="0" u="none" strike="sngStrike" dirty="0">
+                      <a:endParaRPr lang="en-US" sz="500" b="1" i="0" u="none" strike="noStrike" dirty="0">
                         <a:solidFill>
-                          <a:srgbClr val="000000"/>
+                          <a:srgbClr val="0070C0"/>
                         </a:solidFill>
                         <a:effectLst/>
                         <a:latin typeface="맑은 고딕" panose="020B0503020000020004" pitchFamily="50" charset="-127"/>
@@ -24740,18 +24782,18 @@
                     <a:p>
                       <a:pPr algn="l" fontAlgn="ctr"/>
                       <a:r>
-                        <a:rPr lang="ko-KR" altLang="en-US" sz="500" u="none" strike="sngStrike">
+                        <a:rPr lang="ko-KR" altLang="en-US" sz="500" u="none" strike="noStrike" dirty="0">
                           <a:effectLst/>
                         </a:rPr>
                         <a:t> </a:t>
                       </a:r>
                       <a:r>
-                        <a:rPr lang="en-US" altLang="ko-KR" sz="500" u="none" strike="sngStrike">
+                        <a:rPr lang="en-US" altLang="ko-KR" sz="500" u="none" strike="noStrike" dirty="0">
                           <a:effectLst/>
                         </a:rPr>
                         <a:t>2020-05-07</a:t>
                       </a:r>
-                      <a:endParaRPr lang="en-US" altLang="ko-KR" sz="500" b="1" i="0" u="none" strike="sngStrike">
+                      <a:endParaRPr lang="en-US" altLang="ko-KR" sz="500" b="1" i="0" u="none" strike="noStrike" dirty="0">
                         <a:solidFill>
                           <a:srgbClr val="000000"/>
                         </a:solidFill>
@@ -24810,18 +24852,18 @@
                     <a:p>
                       <a:pPr algn="l" fontAlgn="ctr"/>
                       <a:r>
-                        <a:rPr lang="ko-KR" altLang="en-US" sz="500" u="none" strike="sngStrike" dirty="0">
+                        <a:rPr lang="ko-KR" altLang="en-US" sz="500" u="none" strike="noStrike" dirty="0">
                           <a:effectLst/>
                         </a:rPr>
                         <a:t> </a:t>
                       </a:r>
                       <a:r>
-                        <a:rPr lang="en-US" altLang="ko-KR" sz="500" u="none" strike="sngStrike" dirty="0">
+                        <a:rPr lang="en-US" altLang="ko-KR" sz="500" u="none" strike="noStrike" dirty="0">
                           <a:effectLst/>
                         </a:rPr>
-                        <a:t>2020-05-10</a:t>
+                        <a:t>2020-05-16</a:t>
                       </a:r>
-                      <a:endParaRPr lang="en-US" altLang="ko-KR" sz="500" b="1" i="0" u="none" strike="sngStrike" dirty="0">
+                      <a:endParaRPr lang="en-US" altLang="ko-KR" sz="500" b="1" i="0" u="none" strike="noStrike" dirty="0">
                         <a:solidFill>
                           <a:srgbClr val="000000"/>
                         </a:solidFill>
@@ -24942,101 +24984,6 @@
         <p:spPr>
           <a:xfrm>
             <a:off x="5966406" y="3923030"/>
-            <a:ext cx="1976315" cy="264138"/>
-          </a:xfrm>
-          <a:prstGeom prst="rect">
-            <a:avLst/>
-          </a:prstGeom>
-          <a:noFill/>
-          <a:ln>
-            <a:noFill/>
-          </a:ln>
-        </p:spPr>
-        <p:txBody>
-          <a:bodyPr spcFirstLastPara="1" wrap="square" lIns="68575" tIns="34275" rIns="68575" bIns="34275" anchor="t" anchorCtr="0">
-            <a:noAutofit/>
-          </a:bodyPr>
-          <a:lstStyle/>
-          <a:p>
-            <a:pPr marL="0" marR="0" lvl="0" indent="0" algn="l" rtl="0">
-              <a:lnSpc>
-                <a:spcPct val="115000"/>
-              </a:lnSpc>
-              <a:spcBef>
-                <a:spcPts val="500"/>
-              </a:spcBef>
-              <a:spcAft>
-                <a:spcPts val="0"/>
-              </a:spcAft>
-              <a:buNone/>
-            </a:pPr>
-            <a:r>
-              <a:rPr lang="ko-KR" altLang="en-US" sz="800" b="1" dirty="0"/>
-              <a:t>예정일이 지났으므로 삭제</a:t>
-            </a:r>
-            <a:endParaRPr sz="800" dirty="0"/>
-          </a:p>
-        </p:txBody>
-      </p:sp>
-      <p:cxnSp>
-        <p:nvCxnSpPr>
-          <p:cNvPr id="32" name="직선 화살표 연결선 31">
-            <a:extLst>
-              <a:ext uri="{FF2B5EF4-FFF2-40B4-BE49-F238E27FC236}">
-                <a16:creationId xmlns:a16="http://schemas.microsoft.com/office/drawing/2014/main" id="{81BE981D-0050-4EB2-B3FB-90BF346890DE}"/>
-              </a:ext>
-            </a:extLst>
-          </p:cNvPr>
-          <p:cNvCxnSpPr>
-            <a:cxnSpLocks/>
-          </p:cNvCxnSpPr>
-          <p:nvPr/>
-        </p:nvCxnSpPr>
-        <p:spPr>
-          <a:xfrm flipH="1">
-            <a:off x="5524484" y="4422583"/>
-            <a:ext cx="389964" cy="0"/>
-          </a:xfrm>
-          <a:prstGeom prst="straightConnector1">
-            <a:avLst/>
-          </a:prstGeom>
-          <a:ln w="28575">
-            <a:solidFill>
-              <a:srgbClr val="FF0000"/>
-            </a:solidFill>
-            <a:tailEnd type="triangle"/>
-          </a:ln>
-        </p:spPr>
-        <p:style>
-          <a:lnRef idx="1">
-            <a:schemeClr val="accent1"/>
-          </a:lnRef>
-          <a:fillRef idx="0">
-            <a:schemeClr val="accent1"/>
-          </a:fillRef>
-          <a:effectRef idx="0">
-            <a:schemeClr val="accent1"/>
-          </a:effectRef>
-          <a:fontRef idx="minor">
-            <a:schemeClr val="tx1"/>
-          </a:fontRef>
-        </p:style>
-      </p:cxnSp>
-      <p:sp>
-        <p:nvSpPr>
-          <p:cNvPr id="33" name="Google Shape;109;p18">
-            <a:extLst>
-              <a:ext uri="{FF2B5EF4-FFF2-40B4-BE49-F238E27FC236}">
-                <a16:creationId xmlns:a16="http://schemas.microsoft.com/office/drawing/2014/main" id="{E0D671C5-348A-4CCC-950A-79F1F829682A}"/>
-              </a:ext>
-            </a:extLst>
-          </p:cNvPr>
-          <p:cNvSpPr/>
-          <p:nvPr/>
-        </p:nvSpPr>
-        <p:spPr>
-          <a:xfrm>
-            <a:off x="5964159" y="4236800"/>
             <a:ext cx="1976315" cy="264138"/>
           </a:xfrm>
           <a:prstGeom prst="rect">

--- a/Monitoring_EC2_RDS/Monitoring_delete/설계/Monitoring_Deletion_Architecture.pptx
+++ b/Monitoring_EC2_RDS/Monitoring_delete/설계/Monitoring_Deletion_Architecture.pptx
@@ -5,7 +5,7 @@
     <p:sldMasterId id="2147483662" r:id="rId1"/>
   </p:sldMasterIdLst>
   <p:notesMasterIdLst>
-    <p:notesMasterId r:id="rId13"/>
+    <p:notesMasterId r:id="rId12"/>
   </p:notesMasterIdLst>
   <p:sldIdLst>
     <p:sldId id="274" r:id="rId2"/>
@@ -18,7 +18,6 @@
     <p:sldId id="267" r:id="rId9"/>
     <p:sldId id="265" r:id="rId10"/>
     <p:sldId id="269" r:id="rId11"/>
-    <p:sldId id="272" r:id="rId12"/>
   </p:sldIdLst>
   <p:sldSz cx="9144000" cy="5143500" type="screen16x9"/>
   <p:notesSz cx="6858000" cy="9144000"/>
@@ -2395,217 +2394,6 @@
     <p:extLst>
       <p:ext uri="{BB962C8B-B14F-4D97-AF65-F5344CB8AC3E}">
         <p14:creationId xmlns:p14="http://schemas.microsoft.com/office/powerpoint/2010/main" val="2929239104"/>
-      </p:ext>
-    </p:extLst>
-  </p:cSld>
-  <p:clrMapOvr>
-    <a:masterClrMapping/>
-  </p:clrMapOvr>
-</p:notes>
-</file>
-
-<file path=ppt/notesSlides/notesSlide9.xml><?xml version="1.0" encoding="utf-8"?>
-<p:notes xmlns:a="http://schemas.openxmlformats.org/drawingml/2006/main" xmlns:r="http://schemas.openxmlformats.org/officeDocument/2006/relationships" xmlns:p="http://schemas.openxmlformats.org/presentationml/2006/main" showMasterSp="0" showMasterPhAnim="0">
-  <p:cSld>
-    <p:spTree>
-      <p:nvGrpSpPr>
-        <p:cNvPr id="1" name="Shape 155"/>
-        <p:cNvGrpSpPr/>
-        <p:nvPr/>
-      </p:nvGrpSpPr>
-      <p:grpSpPr>
-        <a:xfrm>
-          <a:off x="0" y="0"/>
-          <a:ext cx="0" cy="0"/>
-          <a:chOff x="0" y="0"/>
-          <a:chExt cx="0" cy="0"/>
-        </a:xfrm>
-      </p:grpSpPr>
-      <p:sp>
-        <p:nvSpPr>
-          <p:cNvPr id="156" name="Google Shape;156;g83af416654_0_325:notes"/>
-          <p:cNvSpPr>
-            <a:spLocks noGrp="1" noRot="1" noChangeAspect="1"/>
-          </p:cNvSpPr>
-          <p:nvPr>
-            <p:ph type="sldImg" idx="2"/>
-          </p:nvPr>
-        </p:nvSpPr>
-        <p:spPr>
-          <a:xfrm>
-            <a:off x="685800" y="1143000"/>
-            <a:ext cx="5486400" cy="3086100"/>
-          </a:xfrm>
-          <a:custGeom>
-            <a:avLst/>
-            <a:gdLst/>
-            <a:ahLst/>
-            <a:cxnLst/>
-            <a:rect l="l" t="t" r="r" b="b"/>
-            <a:pathLst>
-              <a:path w="120000" h="120000" extrusionOk="0">
-                <a:moveTo>
-                  <a:pt x="0" y="0"/>
-                </a:moveTo>
-                <a:lnTo>
-                  <a:pt x="120000" y="0"/>
-                </a:lnTo>
-                <a:lnTo>
-                  <a:pt x="120000" y="120000"/>
-                </a:lnTo>
-                <a:lnTo>
-                  <a:pt x="0" y="120000"/>
-                </a:lnTo>
-                <a:close/>
-              </a:path>
-            </a:pathLst>
-          </a:custGeom>
-          <a:noFill/>
-          <a:ln w="12700" cap="flat" cmpd="sng">
-            <a:solidFill>
-              <a:srgbClr val="000000"/>
-            </a:solidFill>
-            <a:prstDash val="solid"/>
-            <a:round/>
-            <a:headEnd type="none" w="sm" len="sm"/>
-            <a:tailEnd type="none" w="sm" len="sm"/>
-          </a:ln>
-        </p:spPr>
-      </p:sp>
-      <p:sp>
-        <p:nvSpPr>
-          <p:cNvPr id="157" name="Google Shape;157;g83af416654_0_325:notes"/>
-          <p:cNvSpPr txBox="1">
-            <a:spLocks noGrp="1"/>
-          </p:cNvSpPr>
-          <p:nvPr>
-            <p:ph type="body" idx="1"/>
-          </p:nvPr>
-        </p:nvSpPr>
-        <p:spPr>
-          <a:xfrm>
-            <a:off x="685800" y="4400556"/>
-            <a:ext cx="5486400" cy="3600300"/>
-          </a:xfrm>
-          <a:prstGeom prst="rect">
-            <a:avLst/>
-          </a:prstGeom>
-          <a:noFill/>
-          <a:ln>
-            <a:noFill/>
-          </a:ln>
-        </p:spPr>
-        <p:txBody>
-          <a:bodyPr spcFirstLastPara="1" wrap="square" lIns="91425" tIns="45700" rIns="91425" bIns="45700" anchor="t" anchorCtr="0">
-            <a:noAutofit/>
-          </a:bodyPr>
-          <a:lstStyle/>
-          <a:p>
-            <a:pPr marL="0" lvl="0" indent="0" algn="l" rtl="0">
-              <a:spcBef>
-                <a:spcPts val="0"/>
-              </a:spcBef>
-              <a:spcAft>
-                <a:spcPts val="0"/>
-              </a:spcAft>
-              <a:buNone/>
-            </a:pPr>
-            <a:endParaRPr/>
-          </a:p>
-        </p:txBody>
-      </p:sp>
-      <p:sp>
-        <p:nvSpPr>
-          <p:cNvPr id="158" name="Google Shape;158;g83af416654_0_325:notes"/>
-          <p:cNvSpPr txBox="1">
-            <a:spLocks noGrp="1"/>
-          </p:cNvSpPr>
-          <p:nvPr>
-            <p:ph type="hdr" idx="3"/>
-          </p:nvPr>
-        </p:nvSpPr>
-        <p:spPr>
-          <a:xfrm>
-            <a:off x="0" y="0"/>
-            <a:ext cx="2971800" cy="458700"/>
-          </a:xfrm>
-          <a:prstGeom prst="rect">
-            <a:avLst/>
-          </a:prstGeom>
-          <a:noFill/>
-          <a:ln>
-            <a:noFill/>
-          </a:ln>
-        </p:spPr>
-        <p:txBody>
-          <a:bodyPr spcFirstLastPara="1" wrap="square" lIns="91425" tIns="45700" rIns="91425" bIns="45700" anchor="t" anchorCtr="0">
-            <a:noAutofit/>
-          </a:bodyPr>
-          <a:lstStyle/>
-          <a:p>
-            <a:pPr marL="0" lvl="0" indent="0" algn="l" rtl="0">
-              <a:spcBef>
-                <a:spcPts val="0"/>
-              </a:spcBef>
-              <a:spcAft>
-                <a:spcPts val="0"/>
-              </a:spcAft>
-              <a:buNone/>
-            </a:pPr>
-            <a:endParaRPr/>
-          </a:p>
-        </p:txBody>
-      </p:sp>
-      <p:sp>
-        <p:nvSpPr>
-          <p:cNvPr id="159" name="Google Shape;159;g83af416654_0_325:notes"/>
-          <p:cNvSpPr txBox="1">
-            <a:spLocks noGrp="1"/>
-          </p:cNvSpPr>
-          <p:nvPr>
-            <p:ph type="sldNum" idx="12"/>
-          </p:nvPr>
-        </p:nvSpPr>
-        <p:spPr>
-          <a:xfrm>
-            <a:off x="3884613" y="8685225"/>
-            <a:ext cx="2971800" cy="458700"/>
-          </a:xfrm>
-          <a:prstGeom prst="rect">
-            <a:avLst/>
-          </a:prstGeom>
-          <a:noFill/>
-          <a:ln>
-            <a:noFill/>
-          </a:ln>
-        </p:spPr>
-        <p:txBody>
-          <a:bodyPr spcFirstLastPara="1" wrap="square" lIns="91425" tIns="45700" rIns="91425" bIns="45700" anchor="b" anchorCtr="0">
-            <a:noAutofit/>
-          </a:bodyPr>
-          <a:lstStyle/>
-          <a:p>
-            <a:pPr marL="0" lvl="0" indent="0" algn="r" rtl="0">
-              <a:spcBef>
-                <a:spcPts val="0"/>
-              </a:spcBef>
-              <a:spcAft>
-                <a:spcPts val="0"/>
-              </a:spcAft>
-              <a:buNone/>
-            </a:pPr>
-            <a:fld id="{00000000-1234-1234-1234-123412341234}" type="slidenum">
-              <a:rPr lang="en-US" altLang="ko"/>
-              <a:t>11</a:t>
-            </a:fld>
-            <a:endParaRPr/>
-          </a:p>
-        </p:txBody>
-      </p:sp>
-    </p:spTree>
-    <p:extLst>
-      <p:ext uri="{BB962C8B-B14F-4D97-AF65-F5344CB8AC3E}">
-        <p14:creationId xmlns:p14="http://schemas.microsoft.com/office/powerpoint/2010/main" val="3741955560"/>
       </p:ext>
     </p:extLst>
   </p:cSld>
@@ -9130,575 +8918,6 @@
     <p:extLst>
       <p:ext uri="{BB962C8B-B14F-4D97-AF65-F5344CB8AC3E}">
         <p14:creationId xmlns:p14="http://schemas.microsoft.com/office/powerpoint/2010/main" val="501204870"/>
-      </p:ext>
-    </p:extLst>
-  </p:cSld>
-  <p:clrMapOvr>
-    <a:masterClrMapping/>
-  </p:clrMapOvr>
-</p:sld>
-</file>
-
-<file path=ppt/slides/slide11.xml><?xml version="1.0" encoding="utf-8"?>
-<p:sld xmlns:a="http://schemas.openxmlformats.org/drawingml/2006/main" xmlns:r="http://schemas.openxmlformats.org/officeDocument/2006/relationships" xmlns:p="http://schemas.openxmlformats.org/presentationml/2006/main">
-  <p:cSld>
-    <p:spTree>
-      <p:nvGrpSpPr>
-        <p:cNvPr id="1" name="Shape 160"/>
-        <p:cNvGrpSpPr/>
-        <p:nvPr/>
-      </p:nvGrpSpPr>
-      <p:grpSpPr>
-        <a:xfrm>
-          <a:off x="0" y="0"/>
-          <a:ext cx="0" cy="0"/>
-          <a:chOff x="0" y="0"/>
-          <a:chExt cx="0" cy="0"/>
-        </a:xfrm>
-      </p:grpSpPr>
-      <p:sp>
-        <p:nvSpPr>
-          <p:cNvPr id="161" name="Google Shape;161;p20"/>
-          <p:cNvSpPr txBox="1">
-            <a:spLocks noGrp="1"/>
-          </p:cNvSpPr>
-          <p:nvPr>
-            <p:ph type="title"/>
-          </p:nvPr>
-        </p:nvSpPr>
-        <p:spPr>
-          <a:xfrm>
-            <a:off x="251222" y="72933"/>
-            <a:ext cx="8641500" cy="390900"/>
-          </a:xfrm>
-          <a:prstGeom prst="rect">
-            <a:avLst/>
-          </a:prstGeom>
-          <a:noFill/>
-          <a:ln>
-            <a:noFill/>
-          </a:ln>
-        </p:spPr>
-        <p:txBody>
-          <a:bodyPr spcFirstLastPara="1" wrap="square" lIns="68575" tIns="34275" rIns="68575" bIns="34275" anchor="ctr" anchorCtr="0">
-            <a:noAutofit/>
-          </a:bodyPr>
-          <a:lstStyle/>
-          <a:p>
-            <a:pPr marL="476250" lvl="0" indent="-342900" algn="l" rtl="0">
-              <a:lnSpc>
-                <a:spcPct val="90000"/>
-              </a:lnSpc>
-              <a:spcBef>
-                <a:spcPts val="0"/>
-              </a:spcBef>
-              <a:spcAft>
-                <a:spcPts val="0"/>
-              </a:spcAft>
-              <a:buSzPts val="1500"/>
-              <a:buFont typeface="+mj-lt"/>
-              <a:buAutoNum type="arabicPeriod" startAt="4"/>
-            </a:pPr>
-            <a:r>
-              <a:rPr lang="ko-KR" altLang="en-US" dirty="0"/>
-              <a:t>세부 사항</a:t>
-            </a:r>
-            <a:endParaRPr dirty="0"/>
-          </a:p>
-        </p:txBody>
-      </p:sp>
-      <p:sp>
-        <p:nvSpPr>
-          <p:cNvPr id="162" name="Google Shape;162;p20"/>
-          <p:cNvSpPr txBox="1">
-            <a:spLocks noGrp="1"/>
-          </p:cNvSpPr>
-          <p:nvPr>
-            <p:ph type="body" idx="1"/>
-          </p:nvPr>
-        </p:nvSpPr>
-        <p:spPr>
-          <a:xfrm>
-            <a:off x="251222" y="689165"/>
-            <a:ext cx="8641500" cy="295500"/>
-          </a:xfrm>
-          <a:prstGeom prst="rect">
-            <a:avLst/>
-          </a:prstGeom>
-          <a:noFill/>
-          <a:ln>
-            <a:noFill/>
-          </a:ln>
-        </p:spPr>
-        <p:txBody>
-          <a:bodyPr spcFirstLastPara="1" wrap="square" lIns="68575" tIns="34275" rIns="68575" bIns="34275" anchor="t" anchorCtr="0">
-            <a:noAutofit/>
-          </a:bodyPr>
-          <a:lstStyle/>
-          <a:p>
-            <a:pPr marL="0" lvl="0" indent="0">
-              <a:spcBef>
-                <a:spcPts val="0"/>
-              </a:spcBef>
-              <a:spcAft>
-                <a:spcPts val="1600"/>
-              </a:spcAft>
-              <a:buClr>
-                <a:srgbClr val="262626"/>
-              </a:buClr>
-            </a:pPr>
-            <a:r>
-              <a:rPr lang="ko-KR" altLang="en-US" dirty="0">
-                <a:solidFill>
-                  <a:schemeClr val="tx1"/>
-                </a:solidFill>
-              </a:rPr>
-              <a:t>예외 대상 목록에 대한 접근 권한 정책</a:t>
-            </a:r>
-            <a:endParaRPr dirty="0">
-              <a:solidFill>
-                <a:schemeClr val="tx1"/>
-              </a:solidFill>
-            </a:endParaRPr>
-          </a:p>
-        </p:txBody>
-      </p:sp>
-      <p:sp>
-        <p:nvSpPr>
-          <p:cNvPr id="163" name="Google Shape;163;p20"/>
-          <p:cNvSpPr/>
-          <p:nvPr/>
-        </p:nvSpPr>
-        <p:spPr>
-          <a:xfrm>
-            <a:off x="251225" y="984675"/>
-            <a:ext cx="8641500" cy="3558900"/>
-          </a:xfrm>
-          <a:prstGeom prst="rect">
-            <a:avLst/>
-          </a:prstGeom>
-          <a:noFill/>
-          <a:ln w="12700" cap="flat" cmpd="sng">
-            <a:solidFill>
-              <a:srgbClr val="232F3D"/>
-            </a:solidFill>
-            <a:prstDash val="solid"/>
-            <a:miter lim="800000"/>
-            <a:headEnd type="none" w="sm" len="sm"/>
-            <a:tailEnd type="none" w="sm" len="sm"/>
-          </a:ln>
-        </p:spPr>
-        <p:txBody>
-          <a:bodyPr spcFirstLastPara="1" wrap="square" lIns="457200" tIns="91425" rIns="91425" bIns="45700" anchor="t" anchorCtr="0">
-            <a:noAutofit/>
-          </a:bodyPr>
-          <a:lstStyle/>
-          <a:p>
-            <a:pPr marL="0" marR="0" lvl="0" indent="0" algn="l" rtl="0">
-              <a:spcBef>
-                <a:spcPts val="0"/>
-              </a:spcBef>
-              <a:spcAft>
-                <a:spcPts val="0"/>
-              </a:spcAft>
-              <a:buNone/>
-            </a:pPr>
-            <a:endParaRPr/>
-          </a:p>
-        </p:txBody>
-      </p:sp>
-      <p:sp>
-        <p:nvSpPr>
-          <p:cNvPr id="10" name="Google Shape;109;p18">
-            <a:extLst>
-              <a:ext uri="{FF2B5EF4-FFF2-40B4-BE49-F238E27FC236}">
-                <a16:creationId xmlns:a16="http://schemas.microsoft.com/office/drawing/2014/main" id="{6E39FDC1-A4C7-4B3A-8957-D12A7A900DC3}"/>
-              </a:ext>
-            </a:extLst>
-          </p:cNvPr>
-          <p:cNvSpPr/>
-          <p:nvPr/>
-        </p:nvSpPr>
-        <p:spPr>
-          <a:xfrm>
-            <a:off x="278049" y="1035425"/>
-            <a:ext cx="8561151" cy="3418910"/>
-          </a:xfrm>
-          <a:prstGeom prst="rect">
-            <a:avLst/>
-          </a:prstGeom>
-          <a:noFill/>
-          <a:ln>
-            <a:noFill/>
-          </a:ln>
-        </p:spPr>
-        <p:txBody>
-          <a:bodyPr spcFirstLastPara="1" wrap="square" lIns="68575" tIns="34275" rIns="68575" bIns="34275" anchor="t" anchorCtr="0">
-            <a:noAutofit/>
-          </a:bodyPr>
-          <a:lstStyle/>
-          <a:p>
-            <a:pPr marL="17100" lvl="0" eaLnBrk="0" fontAlgn="base" hangingPunct="0">
-              <a:lnSpc>
-                <a:spcPct val="150000"/>
-              </a:lnSpc>
-              <a:spcBef>
-                <a:spcPct val="0"/>
-              </a:spcBef>
-              <a:spcAft>
-                <a:spcPct val="0"/>
-              </a:spcAft>
-              <a:buClrTx/>
-            </a:pPr>
-            <a:endParaRPr lang="en-US" altLang="ko-KR" dirty="0">
-              <a:solidFill>
-                <a:schemeClr val="tx1"/>
-              </a:solidFill>
-              <a:latin typeface="Arial" panose="020B0604020202020204" pitchFamily="34" charset="0"/>
-            </a:endParaRPr>
-          </a:p>
-        </p:txBody>
-      </p:sp>
-      <p:sp>
-        <p:nvSpPr>
-          <p:cNvPr id="8" name="Google Shape;109;p18">
-            <a:extLst>
-              <a:ext uri="{FF2B5EF4-FFF2-40B4-BE49-F238E27FC236}">
-                <a16:creationId xmlns:a16="http://schemas.microsoft.com/office/drawing/2014/main" id="{37EAD871-8C09-4675-94E9-A7FBD646BB5E}"/>
-              </a:ext>
-            </a:extLst>
-          </p:cNvPr>
-          <p:cNvSpPr/>
-          <p:nvPr/>
-        </p:nvSpPr>
-        <p:spPr>
-          <a:xfrm>
-            <a:off x="4645956" y="1033775"/>
-            <a:ext cx="4083680" cy="3418910"/>
-          </a:xfrm>
-          <a:prstGeom prst="rect">
-            <a:avLst/>
-          </a:prstGeom>
-          <a:noFill/>
-          <a:ln>
-            <a:solidFill>
-              <a:schemeClr val="tx1"/>
-            </a:solidFill>
-          </a:ln>
-        </p:spPr>
-        <p:txBody>
-          <a:bodyPr spcFirstLastPara="1" wrap="square" lIns="68575" tIns="34275" rIns="68575" bIns="34275" anchor="t" anchorCtr="0">
-            <a:noAutofit/>
-          </a:bodyPr>
-          <a:lstStyle/>
-          <a:p>
-            <a:pPr lvl="0">
-              <a:spcBef>
-                <a:spcPts val="500"/>
-              </a:spcBef>
-            </a:pPr>
-            <a:r>
-              <a:rPr lang="en-US" altLang="ko-KR" sz="1000" dirty="0"/>
-              <a:t>{    "Version": "2012-10-17",</a:t>
-            </a:r>
-            <a:br>
-              <a:rPr lang="en-US" altLang="ko-KR" sz="1000" dirty="0"/>
-            </a:br>
-            <a:r>
-              <a:rPr lang="en-US" altLang="ko-KR" sz="1000" dirty="0"/>
-              <a:t>    "Id": "Policy1591581382564",</a:t>
-            </a:r>
-            <a:br>
-              <a:rPr lang="en-US" altLang="ko-KR" sz="1000" dirty="0"/>
-            </a:br>
-            <a:r>
-              <a:rPr lang="en-US" altLang="ko-KR" sz="1000" dirty="0"/>
-              <a:t>    "Statement": [</a:t>
-            </a:r>
-            <a:br>
-              <a:rPr lang="en-US" altLang="ko-KR" sz="1000" dirty="0"/>
-            </a:br>
-            <a:r>
-              <a:rPr lang="en-US" altLang="ko-KR" sz="1000" dirty="0"/>
-              <a:t>       {</a:t>
-            </a:r>
-            <a:br>
-              <a:rPr lang="en-US" altLang="ko-KR" sz="1000" dirty="0"/>
-            </a:br>
-            <a:r>
-              <a:rPr lang="en-US" altLang="ko-KR" sz="1000" dirty="0"/>
-              <a:t>            "Sid": "Stmt1591592234369",</a:t>
-            </a:r>
-          </a:p>
-          <a:p>
-            <a:pPr lvl="0">
-              <a:spcBef>
-                <a:spcPts val="500"/>
-              </a:spcBef>
-            </a:pPr>
-            <a:r>
-              <a:rPr lang="en-US" altLang="ko-KR" sz="1000" dirty="0"/>
-              <a:t>            "Action": "s3:*",</a:t>
-            </a:r>
-            <a:br>
-              <a:rPr lang="en-US" altLang="ko-KR" sz="1000" dirty="0"/>
-            </a:br>
-            <a:r>
-              <a:rPr lang="en-US" altLang="ko-KR" sz="1000" dirty="0"/>
-              <a:t>            "Effect": "Deny",</a:t>
-            </a:r>
-            <a:br>
-              <a:rPr lang="en-US" altLang="ko-KR" sz="1000" dirty="0"/>
-            </a:br>
-            <a:r>
-              <a:rPr lang="en-US" altLang="ko-KR" sz="1000" dirty="0"/>
-              <a:t>            "Resource": "arn:aws:s3:::[</a:t>
-            </a:r>
-            <a:r>
-              <a:rPr lang="ko-KR" altLang="en-US" sz="1000" dirty="0"/>
-              <a:t>예외 대상 목록</a:t>
-            </a:r>
-            <a:r>
-              <a:rPr lang="en-US" altLang="ko-KR" sz="1000" dirty="0"/>
-              <a:t>]</a:t>
-            </a:r>
-            <a:r>
-              <a:rPr lang="ko-KR" altLang="en-US" sz="1000" dirty="0"/>
-              <a:t>＂</a:t>
-            </a:r>
-            <a:r>
-              <a:rPr lang="en-US" altLang="ko-KR" sz="1000" dirty="0"/>
-              <a:t>,</a:t>
-            </a:r>
-            <a:br>
-              <a:rPr lang="en-US" altLang="ko-KR" sz="1000" dirty="0"/>
-            </a:br>
-            <a:r>
-              <a:rPr lang="en-US" altLang="ko-KR" sz="1000" dirty="0"/>
-              <a:t>            </a:t>
-            </a:r>
-            <a:r>
-              <a:rPr lang="ko-KR" altLang="en-US" sz="1000" dirty="0"/>
-              <a:t>＂</a:t>
-            </a:r>
-            <a:r>
-              <a:rPr lang="en-US" altLang="ko-KR" sz="1000" dirty="0" err="1"/>
-              <a:t>NotPrincipal</a:t>
-            </a:r>
-            <a:r>
-              <a:rPr lang="ko-KR" altLang="en-US" sz="1000" dirty="0"/>
-              <a:t>＂</a:t>
-            </a:r>
-            <a:r>
-              <a:rPr lang="en-US" altLang="ko-KR" sz="1000" dirty="0"/>
-              <a:t>: {</a:t>
-            </a:r>
-            <a:br>
-              <a:rPr lang="en-US" altLang="ko-KR" sz="1000" dirty="0"/>
-            </a:br>
-            <a:r>
-              <a:rPr lang="en-US" altLang="ko-KR" sz="1000" dirty="0"/>
-              <a:t>                </a:t>
-            </a:r>
-            <a:r>
-              <a:rPr lang="ko-KR" altLang="en-US" sz="1000" dirty="0"/>
-              <a:t>＂</a:t>
-            </a:r>
-            <a:r>
-              <a:rPr lang="en-US" altLang="ko-KR" sz="1000" dirty="0"/>
-              <a:t>AWS</a:t>
-            </a:r>
-            <a:r>
-              <a:rPr lang="ko-KR" altLang="en-US" sz="1000" dirty="0"/>
-              <a:t>＂</a:t>
-            </a:r>
-            <a:r>
-              <a:rPr lang="en-US" altLang="ko-KR" sz="1000" dirty="0"/>
-              <a:t>:[</a:t>
-            </a:r>
-            <a:br>
-              <a:rPr lang="en-US" altLang="ko-KR" sz="1000" dirty="0"/>
-            </a:br>
-            <a:r>
-              <a:rPr lang="en-US" altLang="ko-KR" sz="1000" dirty="0"/>
-              <a:t>	“{IAM USER}“</a:t>
-            </a:r>
-            <a:br>
-              <a:rPr lang="en-US" altLang="ko-KR" sz="1000" dirty="0"/>
-            </a:br>
-            <a:r>
-              <a:rPr lang="en-US" altLang="ko-KR" sz="1000" dirty="0"/>
-              <a:t>                ]</a:t>
-            </a:r>
-            <a:br>
-              <a:rPr lang="en-US" altLang="ko-KR" sz="1000" dirty="0"/>
-            </a:br>
-            <a:r>
-              <a:rPr lang="en-US" altLang="ko-KR" sz="1000" dirty="0"/>
-              <a:t>            },</a:t>
-            </a:r>
-            <a:br>
-              <a:rPr lang="en-US" altLang="ko-KR" sz="1000" dirty="0"/>
-            </a:br>
-            <a:r>
-              <a:rPr lang="en-US" altLang="ko-KR" sz="1000" dirty="0"/>
-              <a:t>            </a:t>
-            </a:r>
-            <a:r>
-              <a:rPr lang="ko-KR" altLang="en-US" sz="1000" dirty="0"/>
-              <a:t>＂</a:t>
-            </a:r>
-            <a:r>
-              <a:rPr lang="en-US" altLang="ko-KR" sz="1000" dirty="0"/>
-              <a:t>Condition</a:t>
-            </a:r>
-            <a:r>
-              <a:rPr lang="ko-KR" altLang="en-US" sz="1000" dirty="0"/>
-              <a:t>＂</a:t>
-            </a:r>
-            <a:r>
-              <a:rPr lang="en-US" altLang="ko-KR" sz="1000" dirty="0"/>
-              <a:t>: {</a:t>
-            </a:r>
-            <a:br>
-              <a:rPr lang="en-US" altLang="ko-KR" sz="1000" dirty="0"/>
-            </a:br>
-            <a:r>
-              <a:rPr lang="en-US" altLang="ko-KR" sz="1000" dirty="0"/>
-              <a:t>                </a:t>
-            </a:r>
-            <a:r>
-              <a:rPr lang="ko-KR" altLang="en-US" sz="1000" dirty="0"/>
-              <a:t>＂</a:t>
-            </a:r>
-            <a:r>
-              <a:rPr lang="en-US" altLang="ko-KR" sz="1000" dirty="0" err="1"/>
-              <a:t>StringNotEquals</a:t>
-            </a:r>
-            <a:r>
-              <a:rPr lang="ko-KR" altLang="en-US" sz="1000" dirty="0"/>
-              <a:t>＂</a:t>
-            </a:r>
-            <a:r>
-              <a:rPr lang="en-US" altLang="ko-KR" sz="1000" dirty="0"/>
-              <a:t>: {</a:t>
-            </a:r>
-            <a:br>
-              <a:rPr lang="en-US" altLang="ko-KR" sz="1000" dirty="0"/>
-            </a:br>
-            <a:r>
-              <a:rPr lang="en-US" altLang="ko-KR" sz="1000" dirty="0"/>
-              <a:t>                    </a:t>
-            </a:r>
-            <a:r>
-              <a:rPr lang="ko-KR" altLang="en-US" sz="1000" dirty="0"/>
-              <a:t>＂</a:t>
-            </a:r>
-            <a:r>
-              <a:rPr lang="en-US" altLang="ko-KR" sz="1000" dirty="0" err="1"/>
-              <a:t>aws:PrincipalArn</a:t>
-            </a:r>
-            <a:r>
-              <a:rPr lang="ko-KR" altLang="en-US" sz="1000" dirty="0"/>
-              <a:t>＂</a:t>
-            </a:r>
-            <a:r>
-              <a:rPr lang="en-US" altLang="ko-KR" sz="1000" dirty="0"/>
-              <a:t>: </a:t>
-            </a:r>
-            <a:r>
-              <a:rPr lang="ko-KR" altLang="en-US" sz="1000" dirty="0"/>
-              <a:t>＂</a:t>
-            </a:r>
-            <a:r>
-              <a:rPr lang="en-US" altLang="ko-KR" sz="1000" dirty="0" err="1"/>
-              <a:t>arn:aws:iam</a:t>
-            </a:r>
-            <a:r>
-              <a:rPr lang="en-US" altLang="ko-KR" sz="1000" dirty="0"/>
-              <a:t>::[lambda-role]“</a:t>
-            </a:r>
-            <a:br>
-              <a:rPr lang="en-US" altLang="ko-KR" sz="1000" dirty="0"/>
-            </a:br>
-            <a:r>
-              <a:rPr lang="en-US" altLang="ko-KR" sz="1000" dirty="0"/>
-              <a:t>                }</a:t>
-            </a:r>
-            <a:br>
-              <a:rPr lang="en-US" altLang="ko-KR" sz="1000" dirty="0"/>
-            </a:br>
-            <a:r>
-              <a:rPr lang="en-US" altLang="ko-KR" sz="1000" dirty="0"/>
-              <a:t>            }</a:t>
-            </a:r>
-            <a:br>
-              <a:rPr lang="en-US" altLang="ko-KR" sz="1000" dirty="0"/>
-            </a:br>
-            <a:r>
-              <a:rPr lang="en-US" altLang="ko-KR" sz="1000" dirty="0"/>
-              <a:t>        }</a:t>
-            </a:r>
-          </a:p>
-          <a:p>
-            <a:pPr lvl="0">
-              <a:spcBef>
-                <a:spcPts val="500"/>
-              </a:spcBef>
-            </a:pPr>
-            <a:r>
-              <a:rPr lang="en-US" altLang="ko-KR" sz="1000" dirty="0"/>
-              <a:t>    ]</a:t>
-            </a:r>
-            <a:br>
-              <a:rPr lang="en-US" altLang="ko-KR" sz="1000" dirty="0"/>
-            </a:br>
-            <a:r>
-              <a:rPr lang="en-US" altLang="ko-KR" sz="1000" dirty="0"/>
-              <a:t>}</a:t>
-            </a:r>
-          </a:p>
-        </p:txBody>
-      </p:sp>
-      <p:pic>
-        <p:nvPicPr>
-          <p:cNvPr id="3" name="그림 2">
-            <a:extLst>
-              <a:ext uri="{FF2B5EF4-FFF2-40B4-BE49-F238E27FC236}">
-                <a16:creationId xmlns:a16="http://schemas.microsoft.com/office/drawing/2014/main" id="{40324938-29E5-4363-A5CD-4BB7C13709AF}"/>
-              </a:ext>
-            </a:extLst>
-          </p:cNvPr>
-          <p:cNvPicPr>
-            <a:picLocks noChangeAspect="1"/>
-          </p:cNvPicPr>
-          <p:nvPr/>
-        </p:nvPicPr>
-        <p:blipFill>
-          <a:blip r:embed="rId3"/>
-          <a:stretch>
-            <a:fillRect/>
-          </a:stretch>
-        </p:blipFill>
-        <p:spPr>
-          <a:xfrm>
-            <a:off x="441041" y="1042894"/>
-            <a:ext cx="3943795" cy="3409791"/>
-          </a:xfrm>
-          <a:prstGeom prst="rect">
-            <a:avLst/>
-          </a:prstGeom>
-          <a:ln>
-            <a:solidFill>
-              <a:schemeClr val="tx1"/>
-            </a:solidFill>
-          </a:ln>
-        </p:spPr>
-      </p:pic>
-    </p:spTree>
-    <p:extLst>
-      <p:ext uri="{BB962C8B-B14F-4D97-AF65-F5344CB8AC3E}">
-        <p14:creationId xmlns:p14="http://schemas.microsoft.com/office/powerpoint/2010/main" val="1867959211"/>
       </p:ext>
     </p:extLst>
   </p:cSld>

--- a/Monitoring_EC2_RDS/Monitoring_delete/설계/Monitoring_Deletion_Architecture.pptx
+++ b/Monitoring_EC2_RDS/Monitoring_delete/설계/Monitoring_Deletion_Architecture.pptx
@@ -4116,35 +4116,6 @@
           </a:fontRef>
         </p:style>
       </p:cxnSp>
-      <p:pic>
-        <p:nvPicPr>
-          <p:cNvPr id="38" name="그림 37"/>
-          <p:cNvPicPr>
-            <a:picLocks noChangeAspect="1"/>
-          </p:cNvPicPr>
-          <p:nvPr userDrawn="1"/>
-        </p:nvPicPr>
-        <p:blipFill rotWithShape="1">
-          <a:blip r:embed="rId2">
-            <a:extLst>
-              <a:ext uri="{28A0092B-C50C-407E-A947-70E740481C1C}">
-                <a14:useLocalDpi xmlns:a14="http://schemas.microsoft.com/office/drawing/2010/main" val="0"/>
-              </a:ext>
-            </a:extLst>
-          </a:blip>
-          <a:srcRect r="9512" b="4898"/>
-          <a:stretch/>
-        </p:blipFill>
-        <p:spPr>
-          <a:xfrm>
-            <a:off x="6048375" y="3240311"/>
-            <a:ext cx="3095624" cy="1903768"/>
-          </a:xfrm>
-          <a:prstGeom prst="rect">
-            <a:avLst/>
-          </a:prstGeom>
-        </p:spPr>
-      </p:pic>
     </p:spTree>
     <p:extLst>
       <p:ext uri="{BB962C8B-B14F-4D97-AF65-F5344CB8AC3E}">
